--- a/CaseManagement/case_mgmt.pptx
+++ b/CaseManagement/case_mgmt.pptx
@@ -5,17 +5,23 @@
     <p:sldMasterId id="2147483648" r:id="rId1"/>
   </p:sldMasterIdLst>
   <p:notesMasterIdLst>
-    <p:notesMasterId r:id="rId7"/>
+    <p:notesMasterId r:id="rId13"/>
   </p:notesMasterIdLst>
   <p:handoutMasterIdLst>
-    <p:handoutMasterId r:id="rId8"/>
+    <p:handoutMasterId r:id="rId14"/>
   </p:handoutMasterIdLst>
   <p:sldIdLst>
     <p:sldId id="258" r:id="rId2"/>
     <p:sldId id="259" r:id="rId3"/>
     <p:sldId id="260" r:id="rId4"/>
-    <p:sldId id="262" r:id="rId5"/>
-    <p:sldId id="261" r:id="rId6"/>
+    <p:sldId id="263" r:id="rId5"/>
+    <p:sldId id="264" r:id="rId6"/>
+    <p:sldId id="265" r:id="rId7"/>
+    <p:sldId id="266" r:id="rId8"/>
+    <p:sldId id="267" r:id="rId9"/>
+    <p:sldId id="268" r:id="rId10"/>
+    <p:sldId id="262" r:id="rId11"/>
+    <p:sldId id="261" r:id="rId12"/>
   </p:sldIdLst>
   <p:sldSz cx="9144000" cy="6858000" type="screen4x3"/>
   <p:notesSz cx="6858000" cy="9296400"/>
@@ -310,7 +316,7 @@
               <a:pPr>
                 <a:defRPr/>
               </a:pPr>
-              <a:t>11/26/15</a:t>
+              <a:t>11/29/15</a:t>
             </a:fld>
             <a:endParaRPr lang="en-US"/>
           </a:p>
@@ -522,7 +528,7 @@
               <a:pPr>
                 <a:defRPr/>
               </a:pPr>
-              <a:t>11/26/15</a:t>
+              <a:t>11/29/15</a:t>
             </a:fld>
             <a:endParaRPr lang="en-US"/>
           </a:p>
@@ -974,15 +980,7 @@
           <a:p>
             <a:r>
               <a:rPr lang="en-US" dirty="0" smtClean="0"/>
-              <a:t>Explain each of the</a:t>
-            </a:r>
-            <a:r>
-              <a:rPr lang="en-US" baseline="0" dirty="0" smtClean="0"/>
-              <a:t> concepts with drawings. </a:t>
-            </a:r>
-            <a:r>
-              <a:rPr lang="en-US" baseline="0" smtClean="0"/>
-              <a:t>Bring up case closures`</a:t>
+              <a:t>Ask audience</a:t>
             </a:r>
             <a:endParaRPr lang="en-US" dirty="0"/>
           </a:p>
@@ -1011,6 +1009,108 @@
               <a:pPr>
                 <a:defRPr/>
               </a:pPr>
+              <a:t>1</a:t>
+            </a:fld>
+            <a:endParaRPr lang="en-US"/>
+          </a:p>
+        </p:txBody>
+      </p:sp>
+    </p:spTree>
+    <p:extLst>
+      <p:ext uri="{BB962C8B-B14F-4D97-AF65-F5344CB8AC3E}">
+        <p14:creationId xmlns:p14="http://schemas.microsoft.com/office/powerpoint/2010/main" val="65558116"/>
+      </p:ext>
+    </p:extLst>
+  </p:cSld>
+  <p:clrMapOvr>
+    <a:masterClrMapping/>
+  </p:clrMapOvr>
+</p:notes>
+</file>
+
+<file path=ppt/notesSlides/notesSlide3.xml><?xml version="1.0" encoding="utf-8"?>
+<p:notes xmlns:a="http://schemas.openxmlformats.org/drawingml/2006/main" xmlns:r="http://schemas.openxmlformats.org/officeDocument/2006/relationships" xmlns:p="http://schemas.openxmlformats.org/presentationml/2006/main">
+  <p:cSld>
+    <p:spTree>
+      <p:nvGrpSpPr>
+        <p:cNvPr id="1" name=""/>
+        <p:cNvGrpSpPr/>
+        <p:nvPr/>
+      </p:nvGrpSpPr>
+      <p:grpSpPr>
+        <a:xfrm>
+          <a:off x="0" y="0"/>
+          <a:ext cx="0" cy="0"/>
+          <a:chOff x="0" y="0"/>
+          <a:chExt cx="0" cy="0"/>
+        </a:xfrm>
+      </p:grpSpPr>
+      <p:sp>
+        <p:nvSpPr>
+          <p:cNvPr id="2" name="Slide Image Placeholder 1"/>
+          <p:cNvSpPr>
+            <a:spLocks noGrp="1" noRot="1" noChangeAspect="1"/>
+          </p:cNvSpPr>
+          <p:nvPr>
+            <p:ph type="sldImg"/>
+          </p:nvPr>
+        </p:nvSpPr>
+        <p:spPr/>
+      </p:sp>
+      <p:sp>
+        <p:nvSpPr>
+          <p:cNvPr id="3" name="Notes Placeholder 2"/>
+          <p:cNvSpPr>
+            <a:spLocks noGrp="1"/>
+          </p:cNvSpPr>
+          <p:nvPr>
+            <p:ph type="body" idx="1"/>
+          </p:nvPr>
+        </p:nvSpPr>
+        <p:spPr/>
+        <p:txBody>
+          <a:bodyPr/>
+          <a:lstStyle/>
+          <a:p>
+            <a:r>
+              <a:rPr lang="en-US" dirty="0" smtClean="0"/>
+              <a:t>Explain each of the</a:t>
+            </a:r>
+            <a:r>
+              <a:rPr lang="en-US" baseline="0" dirty="0" smtClean="0"/>
+              <a:t> concepts with drawings. </a:t>
+            </a:r>
+            <a:r>
+              <a:rPr lang="en-US" baseline="0" smtClean="0"/>
+              <a:t>Bring up case closures`</a:t>
+            </a:r>
+            <a:endParaRPr lang="en-US" dirty="0"/>
+          </a:p>
+        </p:txBody>
+      </p:sp>
+      <p:sp>
+        <p:nvSpPr>
+          <p:cNvPr id="4" name="Slide Number Placeholder 3"/>
+          <p:cNvSpPr>
+            <a:spLocks noGrp="1"/>
+          </p:cNvSpPr>
+          <p:nvPr>
+            <p:ph type="sldNum" sz="quarter" idx="10"/>
+          </p:nvPr>
+        </p:nvSpPr>
+        <p:spPr/>
+        <p:txBody>
+          <a:bodyPr/>
+          <a:lstStyle/>
+          <a:p>
+            <a:pPr>
+              <a:defRPr/>
+            </a:pPr>
+            <a:fld id="{307EBDA9-1523-4B97-AE6B-A78B2B72B3F3}" type="slidenum">
+              <a:rPr lang="en-US" smtClean="0"/>
+              <a:pPr>
+                <a:defRPr/>
+              </a:pPr>
               <a:t>2</a:t>
             </a:fld>
             <a:endParaRPr lang="en-US"/>
@@ -1021,6 +1121,198 @@
     <p:extLst>
       <p:ext uri="{BB962C8B-B14F-4D97-AF65-F5344CB8AC3E}">
         <p14:creationId xmlns:p14="http://schemas.microsoft.com/office/powerpoint/2010/main" val="516747871"/>
+      </p:ext>
+    </p:extLst>
+  </p:cSld>
+  <p:clrMapOvr>
+    <a:masterClrMapping/>
+  </p:clrMapOvr>
+</p:notes>
+</file>
+
+<file path=ppt/notesSlides/notesSlide4.xml><?xml version="1.0" encoding="utf-8"?>
+<p:notes xmlns:a="http://schemas.openxmlformats.org/drawingml/2006/main" xmlns:r="http://schemas.openxmlformats.org/officeDocument/2006/relationships" xmlns:p="http://schemas.openxmlformats.org/presentationml/2006/main">
+  <p:cSld>
+    <p:spTree>
+      <p:nvGrpSpPr>
+        <p:cNvPr id="1" name=""/>
+        <p:cNvGrpSpPr/>
+        <p:nvPr/>
+      </p:nvGrpSpPr>
+      <p:grpSpPr>
+        <a:xfrm>
+          <a:off x="0" y="0"/>
+          <a:ext cx="0" cy="0"/>
+          <a:chOff x="0" y="0"/>
+          <a:chExt cx="0" cy="0"/>
+        </a:xfrm>
+      </p:grpSpPr>
+      <p:sp>
+        <p:nvSpPr>
+          <p:cNvPr id="2" name="Slide Image Placeholder 1"/>
+          <p:cNvSpPr>
+            <a:spLocks noGrp="1" noRot="1" noChangeAspect="1"/>
+          </p:cNvSpPr>
+          <p:nvPr>
+            <p:ph type="sldImg"/>
+          </p:nvPr>
+        </p:nvSpPr>
+        <p:spPr/>
+      </p:sp>
+      <p:sp>
+        <p:nvSpPr>
+          <p:cNvPr id="3" name="Notes Placeholder 2"/>
+          <p:cNvSpPr>
+            <a:spLocks noGrp="1"/>
+          </p:cNvSpPr>
+          <p:nvPr>
+            <p:ph type="body" idx="1"/>
+          </p:nvPr>
+        </p:nvSpPr>
+        <p:spPr/>
+        <p:txBody>
+          <a:bodyPr/>
+          <a:lstStyle/>
+          <a:p>
+            <a:r>
+              <a:rPr lang="en-US" dirty="0" smtClean="0"/>
+              <a:t>Discuss</a:t>
+            </a:r>
+            <a:r>
+              <a:rPr lang="en-US" baseline="0" dirty="0" smtClean="0"/>
+              <a:t> how cases actually work</a:t>
+            </a:r>
+            <a:endParaRPr lang="en-US" dirty="0"/>
+          </a:p>
+        </p:txBody>
+      </p:sp>
+      <p:sp>
+        <p:nvSpPr>
+          <p:cNvPr id="4" name="Slide Number Placeholder 3"/>
+          <p:cNvSpPr>
+            <a:spLocks noGrp="1"/>
+          </p:cNvSpPr>
+          <p:nvPr>
+            <p:ph type="sldNum" sz="quarter" idx="10"/>
+          </p:nvPr>
+        </p:nvSpPr>
+        <p:spPr/>
+        <p:txBody>
+          <a:bodyPr/>
+          <a:lstStyle/>
+          <a:p>
+            <a:pPr>
+              <a:defRPr/>
+            </a:pPr>
+            <a:fld id="{307EBDA9-1523-4B97-AE6B-A78B2B72B3F3}" type="slidenum">
+              <a:rPr lang="en-US" smtClean="0"/>
+              <a:pPr>
+                <a:defRPr/>
+              </a:pPr>
+              <a:t>3</a:t>
+            </a:fld>
+            <a:endParaRPr lang="en-US"/>
+          </a:p>
+        </p:txBody>
+      </p:sp>
+    </p:spTree>
+    <p:extLst>
+      <p:ext uri="{BB962C8B-B14F-4D97-AF65-F5344CB8AC3E}">
+        <p14:creationId xmlns:p14="http://schemas.microsoft.com/office/powerpoint/2010/main" val="1772161766"/>
+      </p:ext>
+    </p:extLst>
+  </p:cSld>
+  <p:clrMapOvr>
+    <a:masterClrMapping/>
+  </p:clrMapOvr>
+</p:notes>
+</file>
+
+<file path=ppt/notesSlides/notesSlide5.xml><?xml version="1.0" encoding="utf-8"?>
+<p:notes xmlns:a="http://schemas.openxmlformats.org/drawingml/2006/main" xmlns:r="http://schemas.openxmlformats.org/officeDocument/2006/relationships" xmlns:p="http://schemas.openxmlformats.org/presentationml/2006/main">
+  <p:cSld>
+    <p:spTree>
+      <p:nvGrpSpPr>
+        <p:cNvPr id="1" name=""/>
+        <p:cNvGrpSpPr/>
+        <p:nvPr/>
+      </p:nvGrpSpPr>
+      <p:grpSpPr>
+        <a:xfrm>
+          <a:off x="0" y="0"/>
+          <a:ext cx="0" cy="0"/>
+          <a:chOff x="0" y="0"/>
+          <a:chExt cx="0" cy="0"/>
+        </a:xfrm>
+      </p:grpSpPr>
+      <p:sp>
+        <p:nvSpPr>
+          <p:cNvPr id="2" name="Slide Image Placeholder 1"/>
+          <p:cNvSpPr>
+            <a:spLocks noGrp="1" noRot="1" noChangeAspect="1"/>
+          </p:cNvSpPr>
+          <p:nvPr>
+            <p:ph type="sldImg"/>
+          </p:nvPr>
+        </p:nvSpPr>
+        <p:spPr/>
+      </p:sp>
+      <p:sp>
+        <p:nvSpPr>
+          <p:cNvPr id="3" name="Notes Placeholder 2"/>
+          <p:cNvSpPr>
+            <a:spLocks noGrp="1"/>
+          </p:cNvSpPr>
+          <p:nvPr>
+            <p:ph type="body" idx="1"/>
+          </p:nvPr>
+        </p:nvSpPr>
+        <p:spPr/>
+        <p:txBody>
+          <a:bodyPr/>
+          <a:lstStyle/>
+          <a:p>
+            <a:r>
+              <a:rPr lang="en-US" dirty="0" smtClean="0"/>
+              <a:t>Setup basic case management</a:t>
+            </a:r>
+            <a:endParaRPr lang="en-US" dirty="0"/>
+          </a:p>
+        </p:txBody>
+      </p:sp>
+      <p:sp>
+        <p:nvSpPr>
+          <p:cNvPr id="4" name="Slide Number Placeholder 3"/>
+          <p:cNvSpPr>
+            <a:spLocks noGrp="1"/>
+          </p:cNvSpPr>
+          <p:nvPr>
+            <p:ph type="sldNum" sz="quarter" idx="10"/>
+          </p:nvPr>
+        </p:nvSpPr>
+        <p:spPr/>
+        <p:txBody>
+          <a:bodyPr/>
+          <a:lstStyle/>
+          <a:p>
+            <a:pPr>
+              <a:defRPr/>
+            </a:pPr>
+            <a:fld id="{307EBDA9-1523-4B97-AE6B-A78B2B72B3F3}" type="slidenum">
+              <a:rPr lang="en-US" smtClean="0"/>
+              <a:pPr>
+                <a:defRPr/>
+              </a:pPr>
+              <a:t>9</a:t>
+            </a:fld>
+            <a:endParaRPr lang="en-US"/>
+          </a:p>
+        </p:txBody>
+      </p:sp>
+    </p:spTree>
+    <p:extLst>
+      <p:ext uri="{BB962C8B-B14F-4D97-AF65-F5344CB8AC3E}">
+        <p14:creationId xmlns:p14="http://schemas.microsoft.com/office/powerpoint/2010/main" val="1238673357"/>
       </p:ext>
     </p:extLst>
   </p:cSld>
@@ -2561,9 +2853,6 @@
               </a:rPr>
               <a:t> </a:t>
             </a:r>
-            <a:endParaRPr lang="en-US" sz="2800" dirty="0" smtClean="0">
-              <a:ea typeface="ＭＳ Ｐゴシック" pitchFamily="34" charset="-128"/>
-            </a:endParaRPr>
           </a:p>
           <a:p>
             <a:pPr algn="ctr"/>
@@ -2591,6 +2880,252 @@
       </p:par>
     </p:tnLst>
   </p:timing>
+</p:sld>
+</file>
+
+<file path=ppt/slides/slide10.xml><?xml version="1.0" encoding="utf-8"?>
+<p:sld xmlns:a="http://schemas.openxmlformats.org/drawingml/2006/main" xmlns:r="http://schemas.openxmlformats.org/officeDocument/2006/relationships" xmlns:p="http://schemas.openxmlformats.org/presentationml/2006/main">
+  <p:cSld>
+    <p:spTree>
+      <p:nvGrpSpPr>
+        <p:cNvPr id="1" name=""/>
+        <p:cNvGrpSpPr/>
+        <p:nvPr/>
+      </p:nvGrpSpPr>
+      <p:grpSpPr>
+        <a:xfrm>
+          <a:off x="0" y="0"/>
+          <a:ext cx="0" cy="0"/>
+          <a:chOff x="0" y="0"/>
+          <a:chExt cx="0" cy="0"/>
+        </a:xfrm>
+      </p:grpSpPr>
+      <p:sp>
+        <p:nvSpPr>
+          <p:cNvPr id="2" name="Title 1"/>
+          <p:cNvSpPr>
+            <a:spLocks noGrp="1"/>
+          </p:cNvSpPr>
+          <p:nvPr>
+            <p:ph type="title"/>
+          </p:nvPr>
+        </p:nvSpPr>
+        <p:spPr>
+          <a:xfrm>
+            <a:off x="445169" y="3031962"/>
+            <a:ext cx="8229600" cy="457200"/>
+          </a:xfrm>
+        </p:spPr>
+        <p:txBody>
+          <a:bodyPr/>
+          <a:lstStyle/>
+          <a:p>
+            <a:pPr algn="ctr"/>
+            <a:r>
+              <a:rPr lang="en-US" dirty="0" smtClean="0"/>
+              <a:t>Let’s look at </a:t>
+            </a:r>
+            <a:r>
+              <a:rPr lang="en-US" dirty="0" smtClean="0"/>
+              <a:t>HQ</a:t>
+            </a:r>
+            <a:br>
+              <a:rPr lang="en-US" dirty="0" smtClean="0"/>
+            </a:br>
+            <a:r>
+              <a:rPr lang="en-US" dirty="0"/>
+              <a:t/>
+            </a:r>
+            <a:br>
+              <a:rPr lang="en-US" dirty="0"/>
+            </a:br>
+            <a:r>
+              <a:rPr lang="en-US" sz="1400" dirty="0"/>
+              <a:t> https://</a:t>
+            </a:r>
+            <a:r>
+              <a:rPr lang="en-US" sz="1400" dirty="0" err="1" smtClean="0"/>
+              <a:t>www.commcarehq.org</a:t>
+            </a:r>
+            <a:r>
+              <a:rPr lang="en-US" sz="1400" dirty="0" smtClean="0"/>
+              <a:t>/a/</a:t>
+            </a:r>
+            <a:r>
+              <a:rPr lang="en-US" sz="1400" dirty="0" err="1" smtClean="0"/>
+              <a:t>exi</a:t>
+            </a:r>
+            <a:r>
+              <a:rPr lang="en-US" sz="1400" dirty="0" smtClean="0"/>
+              <a:t>-training/apps/view/841cb462e89c6bd0e4d0038b4a97367c/modules-0/</a:t>
+            </a:r>
+            <a:r>
+              <a:rPr lang="en-US" sz="1000" dirty="0" smtClean="0"/>
+              <a:t/>
+            </a:r>
+            <a:br>
+              <a:rPr lang="en-US" sz="1000" dirty="0" smtClean="0"/>
+            </a:br>
+            <a:endParaRPr lang="en-US" sz="1000" dirty="0"/>
+          </a:p>
+        </p:txBody>
+      </p:sp>
+    </p:spTree>
+    <p:extLst>
+      <p:ext uri="{BB962C8B-B14F-4D97-AF65-F5344CB8AC3E}">
+        <p14:creationId xmlns:p14="http://schemas.microsoft.com/office/powerpoint/2010/main" val="1223942617"/>
+      </p:ext>
+    </p:extLst>
+  </p:cSld>
+  <p:clrMapOvr>
+    <a:masterClrMapping/>
+  </p:clrMapOvr>
+</p:sld>
+</file>
+
+<file path=ppt/slides/slide11.xml><?xml version="1.0" encoding="utf-8"?>
+<p:sld xmlns:a="http://schemas.openxmlformats.org/drawingml/2006/main" xmlns:r="http://schemas.openxmlformats.org/officeDocument/2006/relationships" xmlns:p="http://schemas.openxmlformats.org/presentationml/2006/main">
+  <p:cSld>
+    <p:spTree>
+      <p:nvGrpSpPr>
+        <p:cNvPr id="1" name=""/>
+        <p:cNvGrpSpPr/>
+        <p:nvPr/>
+      </p:nvGrpSpPr>
+      <p:grpSpPr>
+        <a:xfrm>
+          <a:off x="0" y="0"/>
+          <a:ext cx="0" cy="0"/>
+          <a:chOff x="0" y="0"/>
+          <a:chExt cx="0" cy="0"/>
+        </a:xfrm>
+      </p:grpSpPr>
+      <p:sp>
+        <p:nvSpPr>
+          <p:cNvPr id="2" name="Title 1"/>
+          <p:cNvSpPr>
+            <a:spLocks noGrp="1"/>
+          </p:cNvSpPr>
+          <p:nvPr>
+            <p:ph type="title"/>
+          </p:nvPr>
+        </p:nvSpPr>
+        <p:spPr/>
+        <p:txBody>
+          <a:bodyPr/>
+          <a:lstStyle/>
+          <a:p>
+            <a:r>
+              <a:rPr lang="en-US" dirty="0" smtClean="0"/>
+              <a:t>Activity: Complex case management</a:t>
+            </a:r>
+            <a:endParaRPr lang="en-US" dirty="0"/>
+          </a:p>
+        </p:txBody>
+      </p:sp>
+      <p:sp>
+        <p:nvSpPr>
+          <p:cNvPr id="3" name="Content Placeholder 2"/>
+          <p:cNvSpPr>
+            <a:spLocks noGrp="1"/>
+          </p:cNvSpPr>
+          <p:nvPr>
+            <p:ph idx="1"/>
+          </p:nvPr>
+        </p:nvSpPr>
+        <p:spPr/>
+        <p:txBody>
+          <a:bodyPr/>
+          <a:lstStyle/>
+          <a:p>
+            <a:r>
+              <a:rPr lang="en-US" dirty="0" smtClean="0"/>
+              <a:t>A community health worker needs to </a:t>
+            </a:r>
+            <a:r>
+              <a:rPr lang="en-US" dirty="0" smtClean="0"/>
+              <a:t>create a case for a mother and her baby, create a form that creates both those cases in a single form</a:t>
+            </a:r>
+            <a:endParaRPr lang="en-US" dirty="0" smtClean="0"/>
+          </a:p>
+          <a:p>
+            <a:r>
+              <a:rPr lang="en-US" dirty="0" smtClean="0"/>
+              <a:t>Workers </a:t>
+            </a:r>
+            <a:r>
+              <a:rPr lang="en-US" dirty="0" smtClean="0"/>
+              <a:t>need to visit districts, but we do not want them to overlap. Build a case sharing application that ensures that workers see where other workers have visited.</a:t>
+            </a:r>
+          </a:p>
+          <a:p>
+            <a:r>
+              <a:rPr lang="en-US" dirty="0" smtClean="0"/>
+              <a:t>Create your own</a:t>
+            </a:r>
+            <a:r>
+              <a:rPr lang="en-US" dirty="0" smtClean="0"/>
+              <a:t>!</a:t>
+            </a:r>
+          </a:p>
+          <a:p>
+            <a:endParaRPr lang="en-US" dirty="0" smtClean="0"/>
+          </a:p>
+          <a:p>
+            <a:pPr marL="0" indent="0">
+              <a:buNone/>
+            </a:pPr>
+            <a:r>
+              <a:rPr lang="en-US" dirty="0" smtClean="0"/>
+              <a:t>Incorporate a nice case list and case detail!</a:t>
+            </a:r>
+          </a:p>
+          <a:p>
+            <a:pPr marL="0" indent="0">
+              <a:buNone/>
+            </a:pPr>
+            <a:endParaRPr lang="en-US" dirty="0"/>
+          </a:p>
+          <a:p>
+            <a:pPr marL="0" indent="0">
+              <a:buNone/>
+            </a:pPr>
+            <a:r>
+              <a:rPr lang="en-US" dirty="0"/>
+              <a:t>Docs: </a:t>
+            </a:r>
+            <a:r>
+              <a:rPr lang="en-US" dirty="0">
+                <a:hlinkClick r:id="rId2"/>
+              </a:rPr>
+              <a:t>http://</a:t>
+            </a:r>
+            <a:r>
+              <a:rPr lang="en-US" dirty="0" smtClean="0">
+                <a:hlinkClick r:id="rId2"/>
+              </a:rPr>
+              <a:t>bit.ly/1lnZhr1</a:t>
+            </a:r>
+            <a:endParaRPr lang="en-US" dirty="0" smtClean="0"/>
+          </a:p>
+          <a:p>
+            <a:pPr marL="0" indent="0">
+              <a:buNone/>
+            </a:pPr>
+            <a:endParaRPr lang="en-US" dirty="0"/>
+          </a:p>
+        </p:txBody>
+      </p:sp>
+    </p:spTree>
+    <p:extLst>
+      <p:ext uri="{BB962C8B-B14F-4D97-AF65-F5344CB8AC3E}">
+        <p14:creationId xmlns:p14="http://schemas.microsoft.com/office/powerpoint/2010/main" val="796572541"/>
+      </p:ext>
+    </p:extLst>
+  </p:cSld>
+  <p:clrMapOvr>
+    <a:masterClrMapping/>
+  </p:clrMapOvr>
 </p:sld>
 </file>
 
@@ -2645,7 +3180,7 @@
           </p:nvPr>
         </p:nvPicPr>
         <p:blipFill>
-          <a:blip r:embed="rId2">
+          <a:blip r:embed="rId3">
             <a:extLst>
               <a:ext uri="{28A0092B-C50C-407E-A947-70E740481C1C}">
                 <a14:useLocalDpi xmlns:a14="http://schemas.microsoft.com/office/drawing/2010/main" val="0"/>
@@ -2796,20 +3331,259 @@
             <p:ph type="title"/>
           </p:nvPr>
         </p:nvSpPr>
-        <p:spPr>
-          <a:xfrm>
-            <a:off x="457200" y="3416969"/>
-            <a:ext cx="8229600" cy="457200"/>
-          </a:xfrm>
-        </p:spPr>
+        <p:spPr/>
         <p:txBody>
           <a:bodyPr/>
           <a:lstStyle/>
           <a:p>
-            <a:pPr algn="ctr"/>
             <a:r>
               <a:rPr lang="en-US" dirty="0" smtClean="0"/>
-              <a:t>Let’s look at HQ</a:t>
+              <a:t>Theory behind cases</a:t>
+            </a:r>
+            <a:endParaRPr lang="en-US" dirty="0"/>
+          </a:p>
+        </p:txBody>
+      </p:sp>
+      <p:sp>
+        <p:nvSpPr>
+          <p:cNvPr id="3" name="Content Placeholder 2"/>
+          <p:cNvSpPr>
+            <a:spLocks noGrp="1"/>
+          </p:cNvSpPr>
+          <p:nvPr>
+            <p:ph idx="1"/>
+          </p:nvPr>
+        </p:nvSpPr>
+        <p:spPr>
+          <a:xfrm>
+            <a:off x="457200" y="990600"/>
+            <a:ext cx="8229600" cy="753979"/>
+          </a:xfrm>
+        </p:spPr>
+        <p:txBody>
+          <a:bodyPr/>
+          <a:lstStyle/>
+          <a:p>
+            <a:r>
+              <a:rPr lang="en-US" dirty="0" smtClean="0"/>
+              <a:t>Cases are built from forms and can always be “rebuilt”</a:t>
+            </a:r>
+            <a:endParaRPr lang="en-US" dirty="0"/>
+          </a:p>
+        </p:txBody>
+      </p:sp>
+      <p:pic>
+        <p:nvPicPr>
+          <p:cNvPr id="4" name="Content Placeholder 3"/>
+          <p:cNvPicPr>
+            <a:picLocks noChangeAspect="1"/>
+          </p:cNvPicPr>
+          <p:nvPr/>
+        </p:nvPicPr>
+        <p:blipFill>
+          <a:blip r:embed="rId3">
+            <a:extLst>
+              <a:ext uri="{28A0092B-C50C-407E-A947-70E740481C1C}">
+                <a14:useLocalDpi xmlns:a14="http://schemas.microsoft.com/office/drawing/2010/main" val="0"/>
+              </a:ext>
+            </a:extLst>
+          </a:blip>
+          <a:stretch>
+            <a:fillRect/>
+          </a:stretch>
+        </p:blipFill>
+        <p:spPr bwMode="auto">
+          <a:xfrm>
+            <a:off x="2348214" y="1602209"/>
+            <a:ext cx="1367589" cy="1367589"/>
+          </a:xfrm>
+          <a:prstGeom prst="rect">
+            <a:avLst/>
+          </a:prstGeom>
+          <a:noFill/>
+          <a:ln w="9525">
+            <a:noFill/>
+            <a:miter lim="800000"/>
+            <a:headEnd/>
+            <a:tailEnd/>
+          </a:ln>
+        </p:spPr>
+      </p:pic>
+      <p:pic>
+        <p:nvPicPr>
+          <p:cNvPr id="5" name="Picture 4"/>
+          <p:cNvPicPr>
+            <a:picLocks noChangeAspect="1"/>
+          </p:cNvPicPr>
+          <p:nvPr/>
+        </p:nvPicPr>
+        <p:blipFill>
+          <a:blip r:embed="rId4">
+            <a:extLst>
+              <a:ext uri="{28A0092B-C50C-407E-A947-70E740481C1C}">
+                <a14:useLocalDpi xmlns:a14="http://schemas.microsoft.com/office/drawing/2010/main" val="0"/>
+              </a:ext>
+            </a:extLst>
+          </a:blip>
+          <a:stretch>
+            <a:fillRect/>
+          </a:stretch>
+        </p:blipFill>
+        <p:spPr>
+          <a:xfrm>
+            <a:off x="1660358" y="4884824"/>
+            <a:ext cx="1540042" cy="1540042"/>
+          </a:xfrm>
+          <a:prstGeom prst="rect">
+            <a:avLst/>
+          </a:prstGeom>
+        </p:spPr>
+      </p:pic>
+      <p:pic>
+        <p:nvPicPr>
+          <p:cNvPr id="6" name="Picture 5"/>
+          <p:cNvPicPr>
+            <a:picLocks noChangeAspect="1"/>
+          </p:cNvPicPr>
+          <p:nvPr/>
+        </p:nvPicPr>
+        <p:blipFill>
+          <a:blip r:embed="rId4">
+            <a:extLst>
+              <a:ext uri="{28A0092B-C50C-407E-A947-70E740481C1C}">
+                <a14:useLocalDpi xmlns:a14="http://schemas.microsoft.com/office/drawing/2010/main" val="0"/>
+              </a:ext>
+            </a:extLst>
+          </a:blip>
+          <a:stretch>
+            <a:fillRect/>
+          </a:stretch>
+        </p:blipFill>
+        <p:spPr>
+          <a:xfrm>
+            <a:off x="3557337" y="4884824"/>
+            <a:ext cx="1540042" cy="1540042"/>
+          </a:xfrm>
+          <a:prstGeom prst="rect">
+            <a:avLst/>
+          </a:prstGeom>
+        </p:spPr>
+      </p:pic>
+      <p:pic>
+        <p:nvPicPr>
+          <p:cNvPr id="7" name="Picture 6"/>
+          <p:cNvPicPr>
+            <a:picLocks noChangeAspect="1"/>
+          </p:cNvPicPr>
+          <p:nvPr/>
+        </p:nvPicPr>
+        <p:blipFill>
+          <a:blip r:embed="rId4">
+            <a:extLst>
+              <a:ext uri="{28A0092B-C50C-407E-A947-70E740481C1C}">
+                <a14:useLocalDpi xmlns:a14="http://schemas.microsoft.com/office/drawing/2010/main" val="0"/>
+              </a:ext>
+            </a:extLst>
+          </a:blip>
+          <a:stretch>
+            <a:fillRect/>
+          </a:stretch>
+        </p:blipFill>
+        <p:spPr>
+          <a:xfrm>
+            <a:off x="5414211" y="4884824"/>
+            <a:ext cx="1540042" cy="1540042"/>
+          </a:xfrm>
+          <a:prstGeom prst="rect">
+            <a:avLst/>
+          </a:prstGeom>
+        </p:spPr>
+      </p:pic>
+      <p:sp>
+        <p:nvSpPr>
+          <p:cNvPr id="8" name="TextBox 7"/>
+          <p:cNvSpPr txBox="1"/>
+          <p:nvPr/>
+        </p:nvSpPr>
+        <p:spPr>
+          <a:xfrm rot="5400000">
+            <a:off x="1464844" y="3756863"/>
+            <a:ext cx="2103521" cy="372979"/>
+          </a:xfrm>
+          <a:prstGeom prst="rect">
+            <a:avLst/>
+          </a:prstGeom>
+          <a:noFill/>
+        </p:spPr>
+        <p:txBody>
+          <a:bodyPr wrap="square" rtlCol="0">
+            <a:spAutoFit/>
+          </a:bodyPr>
+          <a:lstStyle/>
+          <a:p>
+            <a:r>
+              <a:rPr lang="en-US" dirty="0" smtClean="0"/>
+              <a:t>101110101000101</a:t>
+            </a:r>
+            <a:endParaRPr lang="en-US" dirty="0"/>
+          </a:p>
+        </p:txBody>
+      </p:sp>
+      <p:sp>
+        <p:nvSpPr>
+          <p:cNvPr id="9" name="TextBox 8"/>
+          <p:cNvSpPr txBox="1"/>
+          <p:nvPr/>
+        </p:nvSpPr>
+        <p:spPr>
+          <a:xfrm rot="3876095">
+            <a:off x="2768213" y="3819416"/>
+            <a:ext cx="2103521" cy="372979"/>
+          </a:xfrm>
+          <a:prstGeom prst="rect">
+            <a:avLst/>
+          </a:prstGeom>
+          <a:noFill/>
+        </p:spPr>
+        <p:txBody>
+          <a:bodyPr wrap="square" rtlCol="0">
+            <a:spAutoFit/>
+          </a:bodyPr>
+          <a:lstStyle/>
+          <a:p>
+            <a:r>
+              <a:rPr lang="en-US" dirty="0" smtClean="0"/>
+              <a:t>101110101000101</a:t>
+            </a:r>
+            <a:endParaRPr lang="en-US" dirty="0"/>
+          </a:p>
+        </p:txBody>
+      </p:sp>
+      <p:sp>
+        <p:nvSpPr>
+          <p:cNvPr id="10" name="TextBox 9"/>
+          <p:cNvSpPr txBox="1"/>
+          <p:nvPr/>
+        </p:nvSpPr>
+        <p:spPr>
+          <a:xfrm rot="2601233">
+            <a:off x="4072025" y="3710517"/>
+            <a:ext cx="2103521" cy="372979"/>
+          </a:xfrm>
+          <a:prstGeom prst="rect">
+            <a:avLst/>
+          </a:prstGeom>
+          <a:noFill/>
+        </p:spPr>
+        <p:txBody>
+          <a:bodyPr wrap="square" rtlCol="0">
+            <a:spAutoFit/>
+          </a:bodyPr>
+          <a:lstStyle/>
+          <a:p>
+            <a:r>
+              <a:rPr lang="en-US" dirty="0" smtClean="0"/>
+              <a:t>101110101000101</a:t>
             </a:r>
             <a:endParaRPr lang="en-US" dirty="0"/>
           </a:p>
@@ -2818,7 +3592,7 @@
     </p:spTree>
     <p:extLst>
       <p:ext uri="{BB962C8B-B14F-4D97-AF65-F5344CB8AC3E}">
-        <p14:creationId xmlns:p14="http://schemas.microsoft.com/office/powerpoint/2010/main" val="1223942617"/>
+        <p14:creationId xmlns:p14="http://schemas.microsoft.com/office/powerpoint/2010/main" val="176144701"/>
       </p:ext>
     </p:extLst>
   </p:cSld>
@@ -2862,7 +3636,1445 @@
           <a:p>
             <a:r>
               <a:rPr lang="en-US" dirty="0" smtClean="0"/>
-              <a:t>Activity: Complex case management</a:t>
+              <a:t>Case Sharing</a:t>
+            </a:r>
+            <a:endParaRPr lang="en-US" dirty="0"/>
+          </a:p>
+        </p:txBody>
+      </p:sp>
+      <p:sp>
+        <p:nvSpPr>
+          <p:cNvPr id="3" name="Content Placeholder 2"/>
+          <p:cNvSpPr>
+            <a:spLocks noGrp="1"/>
+          </p:cNvSpPr>
+          <p:nvPr>
+            <p:ph idx="1"/>
+          </p:nvPr>
+        </p:nvSpPr>
+        <p:spPr>
+          <a:xfrm>
+            <a:off x="457200" y="990601"/>
+            <a:ext cx="8229600" cy="669758"/>
+          </a:xfrm>
+        </p:spPr>
+        <p:txBody>
+          <a:bodyPr/>
+          <a:lstStyle/>
+          <a:p>
+            <a:r>
+              <a:rPr lang="en-US" dirty="0" smtClean="0"/>
+              <a:t>Normal case workflow:</a:t>
+            </a:r>
+            <a:endParaRPr lang="en-US" dirty="0"/>
+          </a:p>
+        </p:txBody>
+      </p:sp>
+      <p:pic>
+        <p:nvPicPr>
+          <p:cNvPr id="4" name="Picture 3"/>
+          <p:cNvPicPr>
+            <a:picLocks noChangeAspect="1"/>
+          </p:cNvPicPr>
+          <p:nvPr/>
+        </p:nvPicPr>
+        <p:blipFill>
+          <a:blip r:embed="rId2">
+            <a:extLst>
+              <a:ext uri="{28A0092B-C50C-407E-A947-70E740481C1C}">
+                <a14:useLocalDpi xmlns:a14="http://schemas.microsoft.com/office/drawing/2010/main" val="0"/>
+              </a:ext>
+            </a:extLst>
+          </a:blip>
+          <a:stretch>
+            <a:fillRect/>
+          </a:stretch>
+        </p:blipFill>
+        <p:spPr>
+          <a:xfrm>
+            <a:off x="1094873" y="2671011"/>
+            <a:ext cx="1130968" cy="1130968"/>
+          </a:xfrm>
+          <a:prstGeom prst="rect">
+            <a:avLst/>
+          </a:prstGeom>
+        </p:spPr>
+      </p:pic>
+      <p:pic>
+        <p:nvPicPr>
+          <p:cNvPr id="5" name="Picture 4"/>
+          <p:cNvPicPr>
+            <a:picLocks noChangeAspect="1"/>
+          </p:cNvPicPr>
+          <p:nvPr/>
+        </p:nvPicPr>
+        <p:blipFill>
+          <a:blip r:embed="rId3">
+            <a:extLst>
+              <a:ext uri="{28A0092B-C50C-407E-A947-70E740481C1C}">
+                <a14:useLocalDpi xmlns:a14="http://schemas.microsoft.com/office/drawing/2010/main" val="0"/>
+              </a:ext>
+            </a:extLst>
+          </a:blip>
+          <a:stretch>
+            <a:fillRect/>
+          </a:stretch>
+        </p:blipFill>
+        <p:spPr>
+          <a:xfrm>
+            <a:off x="652713" y="4383141"/>
+            <a:ext cx="2015288" cy="2015288"/>
+          </a:xfrm>
+          <a:prstGeom prst="rect">
+            <a:avLst/>
+          </a:prstGeom>
+        </p:spPr>
+      </p:pic>
+      <p:sp>
+        <p:nvSpPr>
+          <p:cNvPr id="6" name="TextBox 5"/>
+          <p:cNvSpPr txBox="1"/>
+          <p:nvPr/>
+        </p:nvSpPr>
+        <p:spPr>
+          <a:xfrm>
+            <a:off x="962525" y="3871799"/>
+            <a:ext cx="1395664" cy="369332"/>
+          </a:xfrm>
+          <a:prstGeom prst="rect">
+            <a:avLst/>
+          </a:prstGeom>
+          <a:noFill/>
+        </p:spPr>
+        <p:txBody>
+          <a:bodyPr wrap="square" rtlCol="0">
+            <a:spAutoFit/>
+          </a:bodyPr>
+          <a:lstStyle/>
+          <a:p>
+            <a:pPr algn="ctr"/>
+            <a:r>
+              <a:rPr lang="en-US" dirty="0" err="1" smtClean="0"/>
+              <a:t>Susy</a:t>
+            </a:r>
+            <a:endParaRPr lang="en-US" dirty="0"/>
+          </a:p>
+        </p:txBody>
+      </p:sp>
+      <p:sp>
+        <p:nvSpPr>
+          <p:cNvPr id="7" name="TextBox 6"/>
+          <p:cNvSpPr txBox="1"/>
+          <p:nvPr/>
+        </p:nvSpPr>
+        <p:spPr>
+          <a:xfrm>
+            <a:off x="962525" y="6067561"/>
+            <a:ext cx="1395664" cy="369332"/>
+          </a:xfrm>
+          <a:prstGeom prst="rect">
+            <a:avLst/>
+          </a:prstGeom>
+          <a:noFill/>
+        </p:spPr>
+        <p:txBody>
+          <a:bodyPr wrap="square" rtlCol="0">
+            <a:spAutoFit/>
+          </a:bodyPr>
+          <a:lstStyle/>
+          <a:p>
+            <a:pPr algn="ctr"/>
+            <a:r>
+              <a:rPr lang="en-US" dirty="0" smtClean="0"/>
+              <a:t>Bob</a:t>
+            </a:r>
+            <a:endParaRPr lang="en-US" dirty="0"/>
+          </a:p>
+        </p:txBody>
+      </p:sp>
+      <p:pic>
+        <p:nvPicPr>
+          <p:cNvPr id="8" name="Content Placeholder 3"/>
+          <p:cNvPicPr>
+            <a:picLocks noChangeAspect="1"/>
+          </p:cNvPicPr>
+          <p:nvPr/>
+        </p:nvPicPr>
+        <p:blipFill>
+          <a:blip r:embed="rId4">
+            <a:extLst>
+              <a:ext uri="{28A0092B-C50C-407E-A947-70E740481C1C}">
+                <a14:useLocalDpi xmlns:a14="http://schemas.microsoft.com/office/drawing/2010/main" val="0"/>
+              </a:ext>
+            </a:extLst>
+          </a:blip>
+          <a:stretch>
+            <a:fillRect/>
+          </a:stretch>
+        </p:blipFill>
+        <p:spPr bwMode="auto">
+          <a:xfrm>
+            <a:off x="2984835" y="3027948"/>
+            <a:ext cx="417094" cy="417094"/>
+          </a:xfrm>
+          <a:prstGeom prst="rect">
+            <a:avLst/>
+          </a:prstGeom>
+          <a:noFill/>
+          <a:ln w="9525">
+            <a:noFill/>
+            <a:miter lim="800000"/>
+            <a:headEnd/>
+            <a:tailEnd/>
+          </a:ln>
+        </p:spPr>
+      </p:pic>
+      <p:pic>
+        <p:nvPicPr>
+          <p:cNvPr id="9" name="Content Placeholder 3"/>
+          <p:cNvPicPr>
+            <a:picLocks noChangeAspect="1"/>
+          </p:cNvPicPr>
+          <p:nvPr/>
+        </p:nvPicPr>
+        <p:blipFill>
+          <a:blip r:embed="rId4">
+            <a:extLst>
+              <a:ext uri="{28A0092B-C50C-407E-A947-70E740481C1C}">
+                <a14:useLocalDpi xmlns:a14="http://schemas.microsoft.com/office/drawing/2010/main" val="0"/>
+              </a:ext>
+            </a:extLst>
+          </a:blip>
+          <a:stretch>
+            <a:fillRect/>
+          </a:stretch>
+        </p:blipFill>
+        <p:spPr bwMode="auto">
+          <a:xfrm>
+            <a:off x="5400171" y="3027948"/>
+            <a:ext cx="417094" cy="417094"/>
+          </a:xfrm>
+          <a:prstGeom prst="rect">
+            <a:avLst/>
+          </a:prstGeom>
+          <a:noFill/>
+          <a:ln w="9525">
+            <a:noFill/>
+            <a:miter lim="800000"/>
+            <a:headEnd/>
+            <a:tailEnd/>
+          </a:ln>
+        </p:spPr>
+      </p:pic>
+      <p:pic>
+        <p:nvPicPr>
+          <p:cNvPr id="10" name="Content Placeholder 3"/>
+          <p:cNvPicPr>
+            <a:picLocks noChangeAspect="1"/>
+          </p:cNvPicPr>
+          <p:nvPr/>
+        </p:nvPicPr>
+        <p:blipFill>
+          <a:blip r:embed="rId4">
+            <a:extLst>
+              <a:ext uri="{28A0092B-C50C-407E-A947-70E740481C1C}">
+                <a14:useLocalDpi xmlns:a14="http://schemas.microsoft.com/office/drawing/2010/main" val="0"/>
+              </a:ext>
+            </a:extLst>
+          </a:blip>
+          <a:stretch>
+            <a:fillRect/>
+          </a:stretch>
+        </p:blipFill>
+        <p:spPr bwMode="auto">
+          <a:xfrm>
+            <a:off x="4572000" y="3027948"/>
+            <a:ext cx="417094" cy="417094"/>
+          </a:xfrm>
+          <a:prstGeom prst="rect">
+            <a:avLst/>
+          </a:prstGeom>
+          <a:noFill/>
+          <a:ln w="9525">
+            <a:noFill/>
+            <a:miter lim="800000"/>
+            <a:headEnd/>
+            <a:tailEnd/>
+          </a:ln>
+        </p:spPr>
+      </p:pic>
+      <p:pic>
+        <p:nvPicPr>
+          <p:cNvPr id="11" name="Content Placeholder 3"/>
+          <p:cNvPicPr>
+            <a:picLocks noChangeAspect="1"/>
+          </p:cNvPicPr>
+          <p:nvPr/>
+        </p:nvPicPr>
+        <p:blipFill>
+          <a:blip r:embed="rId4">
+            <a:extLst>
+              <a:ext uri="{28A0092B-C50C-407E-A947-70E740481C1C}">
+                <a14:useLocalDpi xmlns:a14="http://schemas.microsoft.com/office/drawing/2010/main" val="0"/>
+              </a:ext>
+            </a:extLst>
+          </a:blip>
+          <a:stretch>
+            <a:fillRect/>
+          </a:stretch>
+        </p:blipFill>
+        <p:spPr bwMode="auto">
+          <a:xfrm>
+            <a:off x="3743829" y="3027948"/>
+            <a:ext cx="417094" cy="417094"/>
+          </a:xfrm>
+          <a:prstGeom prst="rect">
+            <a:avLst/>
+          </a:prstGeom>
+          <a:noFill/>
+          <a:ln w="9525">
+            <a:noFill/>
+            <a:miter lim="800000"/>
+            <a:headEnd/>
+            <a:tailEnd/>
+          </a:ln>
+        </p:spPr>
+      </p:pic>
+      <p:sp>
+        <p:nvSpPr>
+          <p:cNvPr id="12" name="TextBox 11"/>
+          <p:cNvSpPr txBox="1"/>
+          <p:nvPr/>
+        </p:nvSpPr>
+        <p:spPr>
+          <a:xfrm>
+            <a:off x="2777289" y="2581413"/>
+            <a:ext cx="2622881" cy="369332"/>
+          </a:xfrm>
+          <a:prstGeom prst="rect">
+            <a:avLst/>
+          </a:prstGeom>
+          <a:noFill/>
+        </p:spPr>
+        <p:txBody>
+          <a:bodyPr wrap="square" rtlCol="0">
+            <a:spAutoFit/>
+          </a:bodyPr>
+          <a:lstStyle/>
+          <a:p>
+            <a:pPr algn="ctr"/>
+            <a:r>
+              <a:rPr lang="en-US" dirty="0" err="1" smtClean="0"/>
+              <a:t>Susy’s</a:t>
+            </a:r>
+            <a:r>
+              <a:rPr lang="en-US" dirty="0" smtClean="0"/>
+              <a:t> cases</a:t>
+            </a:r>
+            <a:endParaRPr lang="en-US" dirty="0"/>
+          </a:p>
+        </p:txBody>
+      </p:sp>
+      <p:pic>
+        <p:nvPicPr>
+          <p:cNvPr id="13" name="Content Placeholder 3"/>
+          <p:cNvPicPr>
+            <a:picLocks noChangeAspect="1"/>
+          </p:cNvPicPr>
+          <p:nvPr/>
+        </p:nvPicPr>
+        <p:blipFill>
+          <a:blip r:embed="rId4">
+            <a:extLst>
+              <a:ext uri="{28A0092B-C50C-407E-A947-70E740481C1C}">
+                <a14:useLocalDpi xmlns:a14="http://schemas.microsoft.com/office/drawing/2010/main" val="0"/>
+              </a:ext>
+            </a:extLst>
+          </a:blip>
+          <a:stretch>
+            <a:fillRect/>
+          </a:stretch>
+        </p:blipFill>
+        <p:spPr bwMode="auto">
+          <a:xfrm>
+            <a:off x="2984835" y="5259166"/>
+            <a:ext cx="417094" cy="417094"/>
+          </a:xfrm>
+          <a:prstGeom prst="rect">
+            <a:avLst/>
+          </a:prstGeom>
+          <a:noFill/>
+          <a:ln w="9525">
+            <a:noFill/>
+            <a:miter lim="800000"/>
+            <a:headEnd/>
+            <a:tailEnd/>
+          </a:ln>
+        </p:spPr>
+      </p:pic>
+      <p:pic>
+        <p:nvPicPr>
+          <p:cNvPr id="14" name="Content Placeholder 3"/>
+          <p:cNvPicPr>
+            <a:picLocks noChangeAspect="1"/>
+          </p:cNvPicPr>
+          <p:nvPr/>
+        </p:nvPicPr>
+        <p:blipFill>
+          <a:blip r:embed="rId4">
+            <a:extLst>
+              <a:ext uri="{28A0092B-C50C-407E-A947-70E740481C1C}">
+                <a14:useLocalDpi xmlns:a14="http://schemas.microsoft.com/office/drawing/2010/main" val="0"/>
+              </a:ext>
+            </a:extLst>
+          </a:blip>
+          <a:stretch>
+            <a:fillRect/>
+          </a:stretch>
+        </p:blipFill>
+        <p:spPr bwMode="auto">
+          <a:xfrm>
+            <a:off x="5400171" y="5259166"/>
+            <a:ext cx="417094" cy="417094"/>
+          </a:xfrm>
+          <a:prstGeom prst="rect">
+            <a:avLst/>
+          </a:prstGeom>
+          <a:noFill/>
+          <a:ln w="9525">
+            <a:noFill/>
+            <a:miter lim="800000"/>
+            <a:headEnd/>
+            <a:tailEnd/>
+          </a:ln>
+        </p:spPr>
+      </p:pic>
+      <p:pic>
+        <p:nvPicPr>
+          <p:cNvPr id="15" name="Content Placeholder 3"/>
+          <p:cNvPicPr>
+            <a:picLocks noChangeAspect="1"/>
+          </p:cNvPicPr>
+          <p:nvPr/>
+        </p:nvPicPr>
+        <p:blipFill>
+          <a:blip r:embed="rId4">
+            <a:extLst>
+              <a:ext uri="{28A0092B-C50C-407E-A947-70E740481C1C}">
+                <a14:useLocalDpi xmlns:a14="http://schemas.microsoft.com/office/drawing/2010/main" val="0"/>
+              </a:ext>
+            </a:extLst>
+          </a:blip>
+          <a:stretch>
+            <a:fillRect/>
+          </a:stretch>
+        </p:blipFill>
+        <p:spPr bwMode="auto">
+          <a:xfrm>
+            <a:off x="4572000" y="5259166"/>
+            <a:ext cx="417094" cy="417094"/>
+          </a:xfrm>
+          <a:prstGeom prst="rect">
+            <a:avLst/>
+          </a:prstGeom>
+          <a:noFill/>
+          <a:ln w="9525">
+            <a:noFill/>
+            <a:miter lim="800000"/>
+            <a:headEnd/>
+            <a:tailEnd/>
+          </a:ln>
+        </p:spPr>
+      </p:pic>
+      <p:pic>
+        <p:nvPicPr>
+          <p:cNvPr id="16" name="Content Placeholder 3"/>
+          <p:cNvPicPr>
+            <a:picLocks noChangeAspect="1"/>
+          </p:cNvPicPr>
+          <p:nvPr/>
+        </p:nvPicPr>
+        <p:blipFill>
+          <a:blip r:embed="rId4">
+            <a:extLst>
+              <a:ext uri="{28A0092B-C50C-407E-A947-70E740481C1C}">
+                <a14:useLocalDpi xmlns:a14="http://schemas.microsoft.com/office/drawing/2010/main" val="0"/>
+              </a:ext>
+            </a:extLst>
+          </a:blip>
+          <a:stretch>
+            <a:fillRect/>
+          </a:stretch>
+        </p:blipFill>
+        <p:spPr bwMode="auto">
+          <a:xfrm>
+            <a:off x="3743829" y="5259166"/>
+            <a:ext cx="417094" cy="417094"/>
+          </a:xfrm>
+          <a:prstGeom prst="rect">
+            <a:avLst/>
+          </a:prstGeom>
+          <a:noFill/>
+          <a:ln w="9525">
+            <a:noFill/>
+            <a:miter lim="800000"/>
+            <a:headEnd/>
+            <a:tailEnd/>
+          </a:ln>
+        </p:spPr>
+      </p:pic>
+      <p:sp>
+        <p:nvSpPr>
+          <p:cNvPr id="17" name="TextBox 16"/>
+          <p:cNvSpPr txBox="1"/>
+          <p:nvPr/>
+        </p:nvSpPr>
+        <p:spPr>
+          <a:xfrm>
+            <a:off x="2777289" y="4812631"/>
+            <a:ext cx="2622881" cy="369332"/>
+          </a:xfrm>
+          <a:prstGeom prst="rect">
+            <a:avLst/>
+          </a:prstGeom>
+          <a:noFill/>
+        </p:spPr>
+        <p:txBody>
+          <a:bodyPr wrap="square" rtlCol="0">
+            <a:spAutoFit/>
+          </a:bodyPr>
+          <a:lstStyle/>
+          <a:p>
+            <a:pPr algn="ctr"/>
+            <a:r>
+              <a:rPr lang="en-US" dirty="0" smtClean="0"/>
+              <a:t>Bob’s cases</a:t>
+            </a:r>
+            <a:endParaRPr lang="en-US" dirty="0"/>
+          </a:p>
+        </p:txBody>
+      </p:sp>
+    </p:spTree>
+    <p:extLst>
+      <p:ext uri="{BB962C8B-B14F-4D97-AF65-F5344CB8AC3E}">
+        <p14:creationId xmlns:p14="http://schemas.microsoft.com/office/powerpoint/2010/main" val="1828619700"/>
+      </p:ext>
+    </p:extLst>
+  </p:cSld>
+  <p:clrMapOvr>
+    <a:masterClrMapping/>
+  </p:clrMapOvr>
+</p:sld>
+</file>
+
+<file path=ppt/slides/slide6.xml><?xml version="1.0" encoding="utf-8"?>
+<p:sld xmlns:a="http://schemas.openxmlformats.org/drawingml/2006/main" xmlns:r="http://schemas.openxmlformats.org/officeDocument/2006/relationships" xmlns:p="http://schemas.openxmlformats.org/presentationml/2006/main">
+  <p:cSld>
+    <p:spTree>
+      <p:nvGrpSpPr>
+        <p:cNvPr id="1" name=""/>
+        <p:cNvGrpSpPr/>
+        <p:nvPr/>
+      </p:nvGrpSpPr>
+      <p:grpSpPr>
+        <a:xfrm>
+          <a:off x="0" y="0"/>
+          <a:ext cx="0" cy="0"/>
+          <a:chOff x="0" y="0"/>
+          <a:chExt cx="0" cy="0"/>
+        </a:xfrm>
+      </p:grpSpPr>
+      <p:sp>
+        <p:nvSpPr>
+          <p:cNvPr id="2" name="Title 1"/>
+          <p:cNvSpPr>
+            <a:spLocks noGrp="1"/>
+          </p:cNvSpPr>
+          <p:nvPr>
+            <p:ph type="title"/>
+          </p:nvPr>
+        </p:nvSpPr>
+        <p:spPr/>
+        <p:txBody>
+          <a:bodyPr/>
+          <a:lstStyle/>
+          <a:p>
+            <a:r>
+              <a:rPr lang="en-US" dirty="0" smtClean="0"/>
+              <a:t>Case Sharing</a:t>
+            </a:r>
+            <a:endParaRPr lang="en-US" dirty="0"/>
+          </a:p>
+        </p:txBody>
+      </p:sp>
+      <p:sp>
+        <p:nvSpPr>
+          <p:cNvPr id="3" name="Content Placeholder 2"/>
+          <p:cNvSpPr>
+            <a:spLocks noGrp="1"/>
+          </p:cNvSpPr>
+          <p:nvPr>
+            <p:ph idx="1"/>
+          </p:nvPr>
+        </p:nvSpPr>
+        <p:spPr>
+          <a:xfrm>
+            <a:off x="457200" y="990601"/>
+            <a:ext cx="8229600" cy="669758"/>
+          </a:xfrm>
+        </p:spPr>
+        <p:txBody>
+          <a:bodyPr/>
+          <a:lstStyle/>
+          <a:p>
+            <a:r>
+              <a:rPr lang="en-US" dirty="0" smtClean="0"/>
+              <a:t>Case sharing case workflow:</a:t>
+            </a:r>
+            <a:endParaRPr lang="en-US" dirty="0"/>
+          </a:p>
+        </p:txBody>
+      </p:sp>
+      <p:pic>
+        <p:nvPicPr>
+          <p:cNvPr id="4" name="Picture 3"/>
+          <p:cNvPicPr>
+            <a:picLocks noChangeAspect="1"/>
+          </p:cNvPicPr>
+          <p:nvPr/>
+        </p:nvPicPr>
+        <p:blipFill>
+          <a:blip r:embed="rId2">
+            <a:extLst>
+              <a:ext uri="{28A0092B-C50C-407E-A947-70E740481C1C}">
+                <a14:useLocalDpi xmlns:a14="http://schemas.microsoft.com/office/drawing/2010/main" val="0"/>
+              </a:ext>
+            </a:extLst>
+          </a:blip>
+          <a:stretch>
+            <a:fillRect/>
+          </a:stretch>
+        </p:blipFill>
+        <p:spPr>
+          <a:xfrm>
+            <a:off x="1094873" y="2671011"/>
+            <a:ext cx="1130968" cy="1130968"/>
+          </a:xfrm>
+          <a:prstGeom prst="rect">
+            <a:avLst/>
+          </a:prstGeom>
+        </p:spPr>
+      </p:pic>
+      <p:pic>
+        <p:nvPicPr>
+          <p:cNvPr id="5" name="Picture 4"/>
+          <p:cNvPicPr>
+            <a:picLocks noChangeAspect="1"/>
+          </p:cNvPicPr>
+          <p:nvPr/>
+        </p:nvPicPr>
+        <p:blipFill>
+          <a:blip r:embed="rId3">
+            <a:extLst>
+              <a:ext uri="{28A0092B-C50C-407E-A947-70E740481C1C}">
+                <a14:useLocalDpi xmlns:a14="http://schemas.microsoft.com/office/drawing/2010/main" val="0"/>
+              </a:ext>
+            </a:extLst>
+          </a:blip>
+          <a:stretch>
+            <a:fillRect/>
+          </a:stretch>
+        </p:blipFill>
+        <p:spPr>
+          <a:xfrm>
+            <a:off x="649706" y="4251522"/>
+            <a:ext cx="2015288" cy="2015288"/>
+          </a:xfrm>
+          <a:prstGeom prst="rect">
+            <a:avLst/>
+          </a:prstGeom>
+        </p:spPr>
+      </p:pic>
+      <p:sp>
+        <p:nvSpPr>
+          <p:cNvPr id="6" name="TextBox 5"/>
+          <p:cNvSpPr txBox="1"/>
+          <p:nvPr/>
+        </p:nvSpPr>
+        <p:spPr>
+          <a:xfrm>
+            <a:off x="962525" y="3871799"/>
+            <a:ext cx="1395664" cy="369332"/>
+          </a:xfrm>
+          <a:prstGeom prst="rect">
+            <a:avLst/>
+          </a:prstGeom>
+          <a:noFill/>
+        </p:spPr>
+        <p:txBody>
+          <a:bodyPr wrap="square" rtlCol="0">
+            <a:spAutoFit/>
+          </a:bodyPr>
+          <a:lstStyle/>
+          <a:p>
+            <a:pPr algn="ctr"/>
+            <a:r>
+              <a:rPr lang="en-US" dirty="0" err="1" smtClean="0"/>
+              <a:t>Susy</a:t>
+            </a:r>
+            <a:endParaRPr lang="en-US" dirty="0"/>
+          </a:p>
+        </p:txBody>
+      </p:sp>
+      <p:sp>
+        <p:nvSpPr>
+          <p:cNvPr id="7" name="TextBox 6"/>
+          <p:cNvSpPr txBox="1"/>
+          <p:nvPr/>
+        </p:nvSpPr>
+        <p:spPr>
+          <a:xfrm>
+            <a:off x="962525" y="6067561"/>
+            <a:ext cx="1395664" cy="369332"/>
+          </a:xfrm>
+          <a:prstGeom prst="rect">
+            <a:avLst/>
+          </a:prstGeom>
+          <a:noFill/>
+        </p:spPr>
+        <p:txBody>
+          <a:bodyPr wrap="square" rtlCol="0">
+            <a:spAutoFit/>
+          </a:bodyPr>
+          <a:lstStyle/>
+          <a:p>
+            <a:pPr algn="ctr"/>
+            <a:r>
+              <a:rPr lang="en-US" dirty="0" smtClean="0"/>
+              <a:t>Bob</a:t>
+            </a:r>
+            <a:endParaRPr lang="en-US" dirty="0"/>
+          </a:p>
+        </p:txBody>
+      </p:sp>
+      <p:pic>
+        <p:nvPicPr>
+          <p:cNvPr id="13" name="Content Placeholder 3"/>
+          <p:cNvPicPr>
+            <a:picLocks noChangeAspect="1"/>
+          </p:cNvPicPr>
+          <p:nvPr/>
+        </p:nvPicPr>
+        <p:blipFill>
+          <a:blip r:embed="rId4">
+            <a:extLst>
+              <a:ext uri="{28A0092B-C50C-407E-A947-70E740481C1C}">
+                <a14:useLocalDpi xmlns:a14="http://schemas.microsoft.com/office/drawing/2010/main" val="0"/>
+              </a:ext>
+            </a:extLst>
+          </a:blip>
+          <a:stretch>
+            <a:fillRect/>
+          </a:stretch>
+        </p:blipFill>
+        <p:spPr bwMode="auto">
+          <a:xfrm>
+            <a:off x="2984835" y="5259166"/>
+            <a:ext cx="417094" cy="417094"/>
+          </a:xfrm>
+          <a:prstGeom prst="rect">
+            <a:avLst/>
+          </a:prstGeom>
+          <a:noFill/>
+          <a:ln w="9525">
+            <a:noFill/>
+            <a:miter lim="800000"/>
+            <a:headEnd/>
+            <a:tailEnd/>
+          </a:ln>
+        </p:spPr>
+      </p:pic>
+      <p:pic>
+        <p:nvPicPr>
+          <p:cNvPr id="14" name="Content Placeholder 3"/>
+          <p:cNvPicPr>
+            <a:picLocks noChangeAspect="1"/>
+          </p:cNvPicPr>
+          <p:nvPr/>
+        </p:nvPicPr>
+        <p:blipFill>
+          <a:blip r:embed="rId4">
+            <a:extLst>
+              <a:ext uri="{28A0092B-C50C-407E-A947-70E740481C1C}">
+                <a14:useLocalDpi xmlns:a14="http://schemas.microsoft.com/office/drawing/2010/main" val="0"/>
+              </a:ext>
+            </a:extLst>
+          </a:blip>
+          <a:stretch>
+            <a:fillRect/>
+          </a:stretch>
+        </p:blipFill>
+        <p:spPr bwMode="auto">
+          <a:xfrm>
+            <a:off x="5307929" y="5259166"/>
+            <a:ext cx="417094" cy="417094"/>
+          </a:xfrm>
+          <a:prstGeom prst="rect">
+            <a:avLst/>
+          </a:prstGeom>
+          <a:noFill/>
+          <a:ln w="9525">
+            <a:noFill/>
+            <a:miter lim="800000"/>
+            <a:headEnd/>
+            <a:tailEnd/>
+          </a:ln>
+        </p:spPr>
+      </p:pic>
+      <p:pic>
+        <p:nvPicPr>
+          <p:cNvPr id="15" name="Content Placeholder 3"/>
+          <p:cNvPicPr>
+            <a:picLocks noChangeAspect="1"/>
+          </p:cNvPicPr>
+          <p:nvPr/>
+        </p:nvPicPr>
+        <p:blipFill>
+          <a:blip r:embed="rId4">
+            <a:extLst>
+              <a:ext uri="{28A0092B-C50C-407E-A947-70E740481C1C}">
+                <a14:useLocalDpi xmlns:a14="http://schemas.microsoft.com/office/drawing/2010/main" val="0"/>
+              </a:ext>
+            </a:extLst>
+          </a:blip>
+          <a:stretch>
+            <a:fillRect/>
+          </a:stretch>
+        </p:blipFill>
+        <p:spPr bwMode="auto">
+          <a:xfrm>
+            <a:off x="4572000" y="5259166"/>
+            <a:ext cx="417094" cy="417094"/>
+          </a:xfrm>
+          <a:prstGeom prst="rect">
+            <a:avLst/>
+          </a:prstGeom>
+          <a:noFill/>
+          <a:ln w="9525">
+            <a:noFill/>
+            <a:miter lim="800000"/>
+            <a:headEnd/>
+            <a:tailEnd/>
+          </a:ln>
+        </p:spPr>
+      </p:pic>
+      <p:pic>
+        <p:nvPicPr>
+          <p:cNvPr id="16" name="Content Placeholder 3"/>
+          <p:cNvPicPr>
+            <a:picLocks noChangeAspect="1"/>
+          </p:cNvPicPr>
+          <p:nvPr/>
+        </p:nvPicPr>
+        <p:blipFill>
+          <a:blip r:embed="rId4">
+            <a:extLst>
+              <a:ext uri="{28A0092B-C50C-407E-A947-70E740481C1C}">
+                <a14:useLocalDpi xmlns:a14="http://schemas.microsoft.com/office/drawing/2010/main" val="0"/>
+              </a:ext>
+            </a:extLst>
+          </a:blip>
+          <a:stretch>
+            <a:fillRect/>
+          </a:stretch>
+        </p:blipFill>
+        <p:spPr bwMode="auto">
+          <a:xfrm>
+            <a:off x="3743829" y="5259166"/>
+            <a:ext cx="417094" cy="417094"/>
+          </a:xfrm>
+          <a:prstGeom prst="rect">
+            <a:avLst/>
+          </a:prstGeom>
+          <a:noFill/>
+          <a:ln w="9525">
+            <a:noFill/>
+            <a:miter lim="800000"/>
+            <a:headEnd/>
+            <a:tailEnd/>
+          </a:ln>
+        </p:spPr>
+      </p:pic>
+      <p:sp>
+        <p:nvSpPr>
+          <p:cNvPr id="17" name="TextBox 16"/>
+          <p:cNvSpPr txBox="1"/>
+          <p:nvPr/>
+        </p:nvSpPr>
+        <p:spPr>
+          <a:xfrm>
+            <a:off x="4638175" y="4800963"/>
+            <a:ext cx="2622881" cy="369332"/>
+          </a:xfrm>
+          <a:prstGeom prst="rect">
+            <a:avLst/>
+          </a:prstGeom>
+          <a:noFill/>
+        </p:spPr>
+        <p:txBody>
+          <a:bodyPr wrap="square" rtlCol="0">
+            <a:spAutoFit/>
+          </a:bodyPr>
+          <a:lstStyle/>
+          <a:p>
+            <a:pPr algn="ctr"/>
+            <a:r>
+              <a:rPr lang="en-US" dirty="0" smtClean="0"/>
+              <a:t>Bob and </a:t>
+            </a:r>
+            <a:r>
+              <a:rPr lang="en-US" dirty="0" err="1" smtClean="0"/>
+              <a:t>Susy’s</a:t>
+            </a:r>
+            <a:r>
+              <a:rPr lang="en-US" dirty="0" smtClean="0"/>
+              <a:t> cases</a:t>
+            </a:r>
+            <a:endParaRPr lang="en-US" dirty="0"/>
+          </a:p>
+        </p:txBody>
+      </p:sp>
+      <p:pic>
+        <p:nvPicPr>
+          <p:cNvPr id="18" name="Content Placeholder 3"/>
+          <p:cNvPicPr>
+            <a:picLocks noChangeAspect="1"/>
+          </p:cNvPicPr>
+          <p:nvPr/>
+        </p:nvPicPr>
+        <p:blipFill>
+          <a:blip r:embed="rId4">
+            <a:extLst>
+              <a:ext uri="{28A0092B-C50C-407E-A947-70E740481C1C}">
+                <a14:useLocalDpi xmlns:a14="http://schemas.microsoft.com/office/drawing/2010/main" val="0"/>
+              </a:ext>
+            </a:extLst>
+          </a:blip>
+          <a:stretch>
+            <a:fillRect/>
+          </a:stretch>
+        </p:blipFill>
+        <p:spPr bwMode="auto">
+          <a:xfrm>
+            <a:off x="5949616" y="5259166"/>
+            <a:ext cx="417094" cy="417094"/>
+          </a:xfrm>
+          <a:prstGeom prst="rect">
+            <a:avLst/>
+          </a:prstGeom>
+          <a:noFill/>
+          <a:ln w="9525">
+            <a:noFill/>
+            <a:miter lim="800000"/>
+            <a:headEnd/>
+            <a:tailEnd/>
+          </a:ln>
+        </p:spPr>
+      </p:pic>
+      <p:pic>
+        <p:nvPicPr>
+          <p:cNvPr id="19" name="Content Placeholder 3"/>
+          <p:cNvPicPr>
+            <a:picLocks noChangeAspect="1"/>
+          </p:cNvPicPr>
+          <p:nvPr/>
+        </p:nvPicPr>
+        <p:blipFill>
+          <a:blip r:embed="rId4">
+            <a:extLst>
+              <a:ext uri="{28A0092B-C50C-407E-A947-70E740481C1C}">
+                <a14:useLocalDpi xmlns:a14="http://schemas.microsoft.com/office/drawing/2010/main" val="0"/>
+              </a:ext>
+            </a:extLst>
+          </a:blip>
+          <a:stretch>
+            <a:fillRect/>
+          </a:stretch>
+        </p:blipFill>
+        <p:spPr bwMode="auto">
+          <a:xfrm>
+            <a:off x="8364952" y="5259166"/>
+            <a:ext cx="417094" cy="417094"/>
+          </a:xfrm>
+          <a:prstGeom prst="rect">
+            <a:avLst/>
+          </a:prstGeom>
+          <a:noFill/>
+          <a:ln w="9525">
+            <a:noFill/>
+            <a:miter lim="800000"/>
+            <a:headEnd/>
+            <a:tailEnd/>
+          </a:ln>
+        </p:spPr>
+      </p:pic>
+      <p:pic>
+        <p:nvPicPr>
+          <p:cNvPr id="20" name="Content Placeholder 3"/>
+          <p:cNvPicPr>
+            <a:picLocks noChangeAspect="1"/>
+          </p:cNvPicPr>
+          <p:nvPr/>
+        </p:nvPicPr>
+        <p:blipFill>
+          <a:blip r:embed="rId4">
+            <a:extLst>
+              <a:ext uri="{28A0092B-C50C-407E-A947-70E740481C1C}">
+                <a14:useLocalDpi xmlns:a14="http://schemas.microsoft.com/office/drawing/2010/main" val="0"/>
+              </a:ext>
+            </a:extLst>
+          </a:blip>
+          <a:stretch>
+            <a:fillRect/>
+          </a:stretch>
+        </p:blipFill>
+        <p:spPr bwMode="auto">
+          <a:xfrm>
+            <a:off x="7536781" y="5259166"/>
+            <a:ext cx="417094" cy="417094"/>
+          </a:xfrm>
+          <a:prstGeom prst="rect">
+            <a:avLst/>
+          </a:prstGeom>
+          <a:noFill/>
+          <a:ln w="9525">
+            <a:noFill/>
+            <a:miter lim="800000"/>
+            <a:headEnd/>
+            <a:tailEnd/>
+          </a:ln>
+        </p:spPr>
+      </p:pic>
+      <p:pic>
+        <p:nvPicPr>
+          <p:cNvPr id="21" name="Content Placeholder 3"/>
+          <p:cNvPicPr>
+            <a:picLocks noChangeAspect="1"/>
+          </p:cNvPicPr>
+          <p:nvPr/>
+        </p:nvPicPr>
+        <p:blipFill>
+          <a:blip r:embed="rId4">
+            <a:extLst>
+              <a:ext uri="{28A0092B-C50C-407E-A947-70E740481C1C}">
+                <a14:useLocalDpi xmlns:a14="http://schemas.microsoft.com/office/drawing/2010/main" val="0"/>
+              </a:ext>
+            </a:extLst>
+          </a:blip>
+          <a:stretch>
+            <a:fillRect/>
+          </a:stretch>
+        </p:blipFill>
+        <p:spPr bwMode="auto">
+          <a:xfrm>
+            <a:off x="6708610" y="5259166"/>
+            <a:ext cx="417094" cy="417094"/>
+          </a:xfrm>
+          <a:prstGeom prst="rect">
+            <a:avLst/>
+          </a:prstGeom>
+          <a:noFill/>
+          <a:ln w="9525">
+            <a:noFill/>
+            <a:miter lim="800000"/>
+            <a:headEnd/>
+            <a:tailEnd/>
+          </a:ln>
+        </p:spPr>
+      </p:pic>
+      <p:pic>
+        <p:nvPicPr>
+          <p:cNvPr id="23" name="Content Placeholder 3"/>
+          <p:cNvPicPr>
+            <a:picLocks noChangeAspect="1"/>
+          </p:cNvPicPr>
+          <p:nvPr/>
+        </p:nvPicPr>
+        <p:blipFill>
+          <a:blip r:embed="rId4">
+            <a:extLst>
+              <a:ext uri="{28A0092B-C50C-407E-A947-70E740481C1C}">
+                <a14:useLocalDpi xmlns:a14="http://schemas.microsoft.com/office/drawing/2010/main" val="0"/>
+              </a:ext>
+            </a:extLst>
+          </a:blip>
+          <a:stretch>
+            <a:fillRect/>
+          </a:stretch>
+        </p:blipFill>
+        <p:spPr bwMode="auto">
+          <a:xfrm>
+            <a:off x="2984835" y="3169864"/>
+            <a:ext cx="417094" cy="417094"/>
+          </a:xfrm>
+          <a:prstGeom prst="rect">
+            <a:avLst/>
+          </a:prstGeom>
+          <a:noFill/>
+          <a:ln w="9525">
+            <a:noFill/>
+            <a:miter lim="800000"/>
+            <a:headEnd/>
+            <a:tailEnd/>
+          </a:ln>
+        </p:spPr>
+      </p:pic>
+      <p:pic>
+        <p:nvPicPr>
+          <p:cNvPr id="24" name="Content Placeholder 3"/>
+          <p:cNvPicPr>
+            <a:picLocks noChangeAspect="1"/>
+          </p:cNvPicPr>
+          <p:nvPr/>
+        </p:nvPicPr>
+        <p:blipFill>
+          <a:blip r:embed="rId4">
+            <a:extLst>
+              <a:ext uri="{28A0092B-C50C-407E-A947-70E740481C1C}">
+                <a14:useLocalDpi xmlns:a14="http://schemas.microsoft.com/office/drawing/2010/main" val="0"/>
+              </a:ext>
+            </a:extLst>
+          </a:blip>
+          <a:stretch>
+            <a:fillRect/>
+          </a:stretch>
+        </p:blipFill>
+        <p:spPr bwMode="auto">
+          <a:xfrm>
+            <a:off x="5307929" y="3169864"/>
+            <a:ext cx="417094" cy="417094"/>
+          </a:xfrm>
+          <a:prstGeom prst="rect">
+            <a:avLst/>
+          </a:prstGeom>
+          <a:noFill/>
+          <a:ln w="9525">
+            <a:noFill/>
+            <a:miter lim="800000"/>
+            <a:headEnd/>
+            <a:tailEnd/>
+          </a:ln>
+        </p:spPr>
+      </p:pic>
+      <p:pic>
+        <p:nvPicPr>
+          <p:cNvPr id="25" name="Content Placeholder 3"/>
+          <p:cNvPicPr>
+            <a:picLocks noChangeAspect="1"/>
+          </p:cNvPicPr>
+          <p:nvPr/>
+        </p:nvPicPr>
+        <p:blipFill>
+          <a:blip r:embed="rId4">
+            <a:extLst>
+              <a:ext uri="{28A0092B-C50C-407E-A947-70E740481C1C}">
+                <a14:useLocalDpi xmlns:a14="http://schemas.microsoft.com/office/drawing/2010/main" val="0"/>
+              </a:ext>
+            </a:extLst>
+          </a:blip>
+          <a:stretch>
+            <a:fillRect/>
+          </a:stretch>
+        </p:blipFill>
+        <p:spPr bwMode="auto">
+          <a:xfrm>
+            <a:off x="4572000" y="3169864"/>
+            <a:ext cx="417094" cy="417094"/>
+          </a:xfrm>
+          <a:prstGeom prst="rect">
+            <a:avLst/>
+          </a:prstGeom>
+          <a:noFill/>
+          <a:ln w="9525">
+            <a:noFill/>
+            <a:miter lim="800000"/>
+            <a:headEnd/>
+            <a:tailEnd/>
+          </a:ln>
+        </p:spPr>
+      </p:pic>
+      <p:pic>
+        <p:nvPicPr>
+          <p:cNvPr id="26" name="Content Placeholder 3"/>
+          <p:cNvPicPr>
+            <a:picLocks noChangeAspect="1"/>
+          </p:cNvPicPr>
+          <p:nvPr/>
+        </p:nvPicPr>
+        <p:blipFill>
+          <a:blip r:embed="rId4">
+            <a:extLst>
+              <a:ext uri="{28A0092B-C50C-407E-A947-70E740481C1C}">
+                <a14:useLocalDpi xmlns:a14="http://schemas.microsoft.com/office/drawing/2010/main" val="0"/>
+              </a:ext>
+            </a:extLst>
+          </a:blip>
+          <a:stretch>
+            <a:fillRect/>
+          </a:stretch>
+        </p:blipFill>
+        <p:spPr bwMode="auto">
+          <a:xfrm>
+            <a:off x="3743829" y="3169864"/>
+            <a:ext cx="417094" cy="417094"/>
+          </a:xfrm>
+          <a:prstGeom prst="rect">
+            <a:avLst/>
+          </a:prstGeom>
+          <a:noFill/>
+          <a:ln w="9525">
+            <a:noFill/>
+            <a:miter lim="800000"/>
+            <a:headEnd/>
+            <a:tailEnd/>
+          </a:ln>
+        </p:spPr>
+      </p:pic>
+      <p:sp>
+        <p:nvSpPr>
+          <p:cNvPr id="27" name="TextBox 26"/>
+          <p:cNvSpPr txBox="1"/>
+          <p:nvPr/>
+        </p:nvSpPr>
+        <p:spPr>
+          <a:xfrm>
+            <a:off x="4638175" y="2711661"/>
+            <a:ext cx="2622881" cy="369332"/>
+          </a:xfrm>
+          <a:prstGeom prst="rect">
+            <a:avLst/>
+          </a:prstGeom>
+          <a:noFill/>
+        </p:spPr>
+        <p:txBody>
+          <a:bodyPr wrap="square" rtlCol="0">
+            <a:spAutoFit/>
+          </a:bodyPr>
+          <a:lstStyle/>
+          <a:p>
+            <a:pPr algn="ctr"/>
+            <a:r>
+              <a:rPr lang="en-US" dirty="0" smtClean="0"/>
+              <a:t>Bob and </a:t>
+            </a:r>
+            <a:r>
+              <a:rPr lang="en-US" dirty="0" err="1" smtClean="0"/>
+              <a:t>Susy’s</a:t>
+            </a:r>
+            <a:r>
+              <a:rPr lang="en-US" dirty="0" smtClean="0"/>
+              <a:t> cases</a:t>
+            </a:r>
+            <a:endParaRPr lang="en-US" dirty="0"/>
+          </a:p>
+        </p:txBody>
+      </p:sp>
+      <p:pic>
+        <p:nvPicPr>
+          <p:cNvPr id="28" name="Content Placeholder 3"/>
+          <p:cNvPicPr>
+            <a:picLocks noChangeAspect="1"/>
+          </p:cNvPicPr>
+          <p:nvPr/>
+        </p:nvPicPr>
+        <p:blipFill>
+          <a:blip r:embed="rId4">
+            <a:extLst>
+              <a:ext uri="{28A0092B-C50C-407E-A947-70E740481C1C}">
+                <a14:useLocalDpi xmlns:a14="http://schemas.microsoft.com/office/drawing/2010/main" val="0"/>
+              </a:ext>
+            </a:extLst>
+          </a:blip>
+          <a:stretch>
+            <a:fillRect/>
+          </a:stretch>
+        </p:blipFill>
+        <p:spPr bwMode="auto">
+          <a:xfrm>
+            <a:off x="5949616" y="3169864"/>
+            <a:ext cx="417094" cy="417094"/>
+          </a:xfrm>
+          <a:prstGeom prst="rect">
+            <a:avLst/>
+          </a:prstGeom>
+          <a:noFill/>
+          <a:ln w="9525">
+            <a:noFill/>
+            <a:miter lim="800000"/>
+            <a:headEnd/>
+            <a:tailEnd/>
+          </a:ln>
+        </p:spPr>
+      </p:pic>
+      <p:pic>
+        <p:nvPicPr>
+          <p:cNvPr id="29" name="Content Placeholder 3"/>
+          <p:cNvPicPr>
+            <a:picLocks noChangeAspect="1"/>
+          </p:cNvPicPr>
+          <p:nvPr/>
+        </p:nvPicPr>
+        <p:blipFill>
+          <a:blip r:embed="rId4">
+            <a:extLst>
+              <a:ext uri="{28A0092B-C50C-407E-A947-70E740481C1C}">
+                <a14:useLocalDpi xmlns:a14="http://schemas.microsoft.com/office/drawing/2010/main" val="0"/>
+              </a:ext>
+            </a:extLst>
+          </a:blip>
+          <a:stretch>
+            <a:fillRect/>
+          </a:stretch>
+        </p:blipFill>
+        <p:spPr bwMode="auto">
+          <a:xfrm>
+            <a:off x="8364952" y="3169864"/>
+            <a:ext cx="417094" cy="417094"/>
+          </a:xfrm>
+          <a:prstGeom prst="rect">
+            <a:avLst/>
+          </a:prstGeom>
+          <a:noFill/>
+          <a:ln w="9525">
+            <a:noFill/>
+            <a:miter lim="800000"/>
+            <a:headEnd/>
+            <a:tailEnd/>
+          </a:ln>
+        </p:spPr>
+      </p:pic>
+      <p:pic>
+        <p:nvPicPr>
+          <p:cNvPr id="30" name="Content Placeholder 3"/>
+          <p:cNvPicPr>
+            <a:picLocks noChangeAspect="1"/>
+          </p:cNvPicPr>
+          <p:nvPr/>
+        </p:nvPicPr>
+        <p:blipFill>
+          <a:blip r:embed="rId4">
+            <a:extLst>
+              <a:ext uri="{28A0092B-C50C-407E-A947-70E740481C1C}">
+                <a14:useLocalDpi xmlns:a14="http://schemas.microsoft.com/office/drawing/2010/main" val="0"/>
+              </a:ext>
+            </a:extLst>
+          </a:blip>
+          <a:stretch>
+            <a:fillRect/>
+          </a:stretch>
+        </p:blipFill>
+        <p:spPr bwMode="auto">
+          <a:xfrm>
+            <a:off x="7536781" y="3169864"/>
+            <a:ext cx="417094" cy="417094"/>
+          </a:xfrm>
+          <a:prstGeom prst="rect">
+            <a:avLst/>
+          </a:prstGeom>
+          <a:noFill/>
+          <a:ln w="9525">
+            <a:noFill/>
+            <a:miter lim="800000"/>
+            <a:headEnd/>
+            <a:tailEnd/>
+          </a:ln>
+        </p:spPr>
+      </p:pic>
+      <p:pic>
+        <p:nvPicPr>
+          <p:cNvPr id="31" name="Content Placeholder 3"/>
+          <p:cNvPicPr>
+            <a:picLocks noChangeAspect="1"/>
+          </p:cNvPicPr>
+          <p:nvPr/>
+        </p:nvPicPr>
+        <p:blipFill>
+          <a:blip r:embed="rId4">
+            <a:extLst>
+              <a:ext uri="{28A0092B-C50C-407E-A947-70E740481C1C}">
+                <a14:useLocalDpi xmlns:a14="http://schemas.microsoft.com/office/drawing/2010/main" val="0"/>
+              </a:ext>
+            </a:extLst>
+          </a:blip>
+          <a:stretch>
+            <a:fillRect/>
+          </a:stretch>
+        </p:blipFill>
+        <p:spPr bwMode="auto">
+          <a:xfrm>
+            <a:off x="6708610" y="3169864"/>
+            <a:ext cx="417094" cy="417094"/>
+          </a:xfrm>
+          <a:prstGeom prst="rect">
+            <a:avLst/>
+          </a:prstGeom>
+          <a:noFill/>
+          <a:ln w="9525">
+            <a:noFill/>
+            <a:miter lim="800000"/>
+            <a:headEnd/>
+            <a:tailEnd/>
+          </a:ln>
+        </p:spPr>
+      </p:pic>
+    </p:spTree>
+    <p:extLst>
+      <p:ext uri="{BB962C8B-B14F-4D97-AF65-F5344CB8AC3E}">
+        <p14:creationId xmlns:p14="http://schemas.microsoft.com/office/powerpoint/2010/main" val="117282628"/>
+      </p:ext>
+    </p:extLst>
+  </p:cSld>
+  <p:clrMapOvr>
+    <a:masterClrMapping/>
+  </p:clrMapOvr>
+</p:sld>
+</file>
+
+<file path=ppt/slides/slide7.xml><?xml version="1.0" encoding="utf-8"?>
+<p:sld xmlns:a="http://schemas.openxmlformats.org/drawingml/2006/main" xmlns:r="http://schemas.openxmlformats.org/officeDocument/2006/relationships" xmlns:p="http://schemas.openxmlformats.org/presentationml/2006/main">
+  <p:cSld>
+    <p:spTree>
+      <p:nvGrpSpPr>
+        <p:cNvPr id="1" name=""/>
+        <p:cNvGrpSpPr/>
+        <p:nvPr/>
+      </p:nvGrpSpPr>
+      <p:grpSpPr>
+        <a:xfrm>
+          <a:off x="0" y="0"/>
+          <a:ext cx="0" cy="0"/>
+          <a:chOff x="0" y="0"/>
+          <a:chExt cx="0" cy="0"/>
+        </a:xfrm>
+      </p:grpSpPr>
+      <p:sp>
+        <p:nvSpPr>
+          <p:cNvPr id="2" name="Title 1"/>
+          <p:cNvSpPr>
+            <a:spLocks noGrp="1"/>
+          </p:cNvSpPr>
+          <p:nvPr>
+            <p:ph type="title"/>
+          </p:nvPr>
+        </p:nvSpPr>
+        <p:spPr/>
+        <p:txBody>
+          <a:bodyPr/>
+          <a:lstStyle/>
+          <a:p>
+            <a:r>
+              <a:rPr lang="en-US" dirty="0" smtClean="0"/>
+              <a:t>Child Cases</a:t>
             </a:r>
             <a:endParaRPr lang="en-US" dirty="0"/>
           </a:p>
@@ -2885,34 +5097,633 @@
           <a:p>
             <a:r>
               <a:rPr lang="en-US" dirty="0" smtClean="0"/>
-              <a:t>A community health worker needs to refer patients to a hospital. Have a form that refers a case to doctors.</a:t>
+              <a:t>Can be used to refer cases</a:t>
             </a:r>
           </a:p>
           <a:p>
             <a:r>
               <a:rPr lang="en-US" dirty="0" smtClean="0"/>
-              <a:t>Farmers and sellers need to keep track food. Farmers need to know how much they have and so do sellers, but their applications will probably look different. Share data between two applications</a:t>
+              <a:t>Avoid creating multiple registrations (mother and child, for example)</a:t>
             </a:r>
           </a:p>
           <a:p>
             <a:r>
               <a:rPr lang="en-US" dirty="0" smtClean="0"/>
-              <a:t>Workers need to visit districts, but we do not want them to overlap. Build a case sharing application that ensures that workers see where other workers have visited.</a:t>
-            </a:r>
-          </a:p>
+              <a:t>Can use a repeat group to create child cases</a:t>
+            </a:r>
+            <a:endParaRPr lang="en-US" dirty="0"/>
+          </a:p>
+        </p:txBody>
+      </p:sp>
+      <p:pic>
+        <p:nvPicPr>
+          <p:cNvPr id="4" name="Content Placeholder 3"/>
+          <p:cNvPicPr>
+            <a:picLocks noChangeAspect="1"/>
+          </p:cNvPicPr>
+          <p:nvPr/>
+        </p:nvPicPr>
+        <p:blipFill>
+          <a:blip r:embed="rId2">
+            <a:extLst>
+              <a:ext uri="{28A0092B-C50C-407E-A947-70E740481C1C}">
+                <a14:useLocalDpi xmlns:a14="http://schemas.microsoft.com/office/drawing/2010/main" val="0"/>
+              </a:ext>
+            </a:extLst>
+          </a:blip>
+          <a:stretch>
+            <a:fillRect/>
+          </a:stretch>
+        </p:blipFill>
+        <p:spPr bwMode="auto">
+          <a:xfrm>
+            <a:off x="3875172" y="3157833"/>
+            <a:ext cx="997618" cy="997618"/>
+          </a:xfrm>
+          <a:prstGeom prst="rect">
+            <a:avLst/>
+          </a:prstGeom>
+          <a:noFill/>
+          <a:ln w="9525">
+            <a:noFill/>
+            <a:miter lim="800000"/>
+            <a:headEnd/>
+            <a:tailEnd/>
+          </a:ln>
+        </p:spPr>
+      </p:pic>
+      <p:pic>
+        <p:nvPicPr>
+          <p:cNvPr id="5" name="Content Placeholder 3"/>
+          <p:cNvPicPr>
+            <a:picLocks noChangeAspect="1"/>
+          </p:cNvPicPr>
+          <p:nvPr/>
+        </p:nvPicPr>
+        <p:blipFill>
+          <a:blip r:embed="rId2">
+            <a:extLst>
+              <a:ext uri="{28A0092B-C50C-407E-A947-70E740481C1C}">
+                <a14:useLocalDpi xmlns:a14="http://schemas.microsoft.com/office/drawing/2010/main" val="0"/>
+              </a:ext>
+            </a:extLst>
+          </a:blip>
+          <a:stretch>
+            <a:fillRect/>
+          </a:stretch>
+        </p:blipFill>
+        <p:spPr bwMode="auto">
+          <a:xfrm>
+            <a:off x="2547688" y="5053262"/>
+            <a:ext cx="469777" cy="469777"/>
+          </a:xfrm>
+          <a:prstGeom prst="rect">
+            <a:avLst/>
+          </a:prstGeom>
+          <a:noFill/>
+          <a:ln w="9525">
+            <a:noFill/>
+            <a:miter lim="800000"/>
+            <a:headEnd/>
+            <a:tailEnd/>
+          </a:ln>
+        </p:spPr>
+      </p:pic>
+      <p:pic>
+        <p:nvPicPr>
+          <p:cNvPr id="6" name="Content Placeholder 3"/>
+          <p:cNvPicPr>
+            <a:picLocks noChangeAspect="1"/>
+          </p:cNvPicPr>
+          <p:nvPr/>
+        </p:nvPicPr>
+        <p:blipFill>
+          <a:blip r:embed="rId2">
+            <a:extLst>
+              <a:ext uri="{28A0092B-C50C-407E-A947-70E740481C1C}">
+                <a14:useLocalDpi xmlns:a14="http://schemas.microsoft.com/office/drawing/2010/main" val="0"/>
+              </a:ext>
+            </a:extLst>
+          </a:blip>
+          <a:stretch>
+            <a:fillRect/>
+          </a:stretch>
+        </p:blipFill>
+        <p:spPr bwMode="auto">
+          <a:xfrm>
+            <a:off x="3405395" y="5053262"/>
+            <a:ext cx="469777" cy="469777"/>
+          </a:xfrm>
+          <a:prstGeom prst="rect">
+            <a:avLst/>
+          </a:prstGeom>
+          <a:noFill/>
+          <a:ln w="9525">
+            <a:noFill/>
+            <a:miter lim="800000"/>
+            <a:headEnd/>
+            <a:tailEnd/>
+          </a:ln>
+        </p:spPr>
+      </p:pic>
+      <p:pic>
+        <p:nvPicPr>
+          <p:cNvPr id="7" name="Content Placeholder 3"/>
+          <p:cNvPicPr>
+            <a:picLocks noChangeAspect="1"/>
+          </p:cNvPicPr>
+          <p:nvPr/>
+        </p:nvPicPr>
+        <p:blipFill>
+          <a:blip r:embed="rId2">
+            <a:extLst>
+              <a:ext uri="{28A0092B-C50C-407E-A947-70E740481C1C}">
+                <a14:useLocalDpi xmlns:a14="http://schemas.microsoft.com/office/drawing/2010/main" val="0"/>
+              </a:ext>
+            </a:extLst>
+          </a:blip>
+          <a:stretch>
+            <a:fillRect/>
+          </a:stretch>
+        </p:blipFill>
+        <p:spPr bwMode="auto">
+          <a:xfrm>
+            <a:off x="4289760" y="5053262"/>
+            <a:ext cx="469777" cy="469777"/>
+          </a:xfrm>
+          <a:prstGeom prst="rect">
+            <a:avLst/>
+          </a:prstGeom>
+          <a:noFill/>
+          <a:ln w="9525">
+            <a:noFill/>
+            <a:miter lim="800000"/>
+            <a:headEnd/>
+            <a:tailEnd/>
+          </a:ln>
+        </p:spPr>
+      </p:pic>
+      <p:pic>
+        <p:nvPicPr>
+          <p:cNvPr id="8" name="Content Placeholder 3"/>
+          <p:cNvPicPr>
+            <a:picLocks noChangeAspect="1"/>
+          </p:cNvPicPr>
+          <p:nvPr/>
+        </p:nvPicPr>
+        <p:blipFill>
+          <a:blip r:embed="rId2">
+            <a:extLst>
+              <a:ext uri="{28A0092B-C50C-407E-A947-70E740481C1C}">
+                <a14:useLocalDpi xmlns:a14="http://schemas.microsoft.com/office/drawing/2010/main" val="0"/>
+              </a:ext>
+            </a:extLst>
+          </a:blip>
+          <a:stretch>
+            <a:fillRect/>
+          </a:stretch>
+        </p:blipFill>
+        <p:spPr bwMode="auto">
+          <a:xfrm>
+            <a:off x="5147467" y="5053262"/>
+            <a:ext cx="469777" cy="469777"/>
+          </a:xfrm>
+          <a:prstGeom prst="rect">
+            <a:avLst/>
+          </a:prstGeom>
+          <a:noFill/>
+          <a:ln w="9525">
+            <a:noFill/>
+            <a:miter lim="800000"/>
+            <a:headEnd/>
+            <a:tailEnd/>
+          </a:ln>
+        </p:spPr>
+      </p:pic>
+      <p:pic>
+        <p:nvPicPr>
+          <p:cNvPr id="9" name="Content Placeholder 3"/>
+          <p:cNvPicPr>
+            <a:picLocks noChangeAspect="1"/>
+          </p:cNvPicPr>
+          <p:nvPr/>
+        </p:nvPicPr>
+        <p:blipFill>
+          <a:blip r:embed="rId2">
+            <a:extLst>
+              <a:ext uri="{28A0092B-C50C-407E-A947-70E740481C1C}">
+                <a14:useLocalDpi xmlns:a14="http://schemas.microsoft.com/office/drawing/2010/main" val="0"/>
+              </a:ext>
+            </a:extLst>
+          </a:blip>
+          <a:stretch>
+            <a:fillRect/>
+          </a:stretch>
+        </p:blipFill>
+        <p:spPr bwMode="auto">
+          <a:xfrm>
+            <a:off x="6057923" y="5053261"/>
+            <a:ext cx="469777" cy="469777"/>
+          </a:xfrm>
+          <a:prstGeom prst="rect">
+            <a:avLst/>
+          </a:prstGeom>
+          <a:noFill/>
+          <a:ln w="9525">
+            <a:noFill/>
+            <a:miter lim="800000"/>
+            <a:headEnd/>
+            <a:tailEnd/>
+          </a:ln>
+        </p:spPr>
+      </p:pic>
+    </p:spTree>
+    <p:extLst>
+      <p:ext uri="{BB962C8B-B14F-4D97-AF65-F5344CB8AC3E}">
+        <p14:creationId xmlns:p14="http://schemas.microsoft.com/office/powerpoint/2010/main" val="1369903510"/>
+      </p:ext>
+    </p:extLst>
+  </p:cSld>
+  <p:clrMapOvr>
+    <a:masterClrMapping/>
+  </p:clrMapOvr>
+</p:sld>
+</file>
+
+<file path=ppt/slides/slide8.xml><?xml version="1.0" encoding="utf-8"?>
+<p:sld xmlns:a="http://schemas.openxmlformats.org/drawingml/2006/main" xmlns:r="http://schemas.openxmlformats.org/officeDocument/2006/relationships" xmlns:p="http://schemas.openxmlformats.org/presentationml/2006/main">
+  <p:cSld>
+    <p:spTree>
+      <p:nvGrpSpPr>
+        <p:cNvPr id="1" name=""/>
+        <p:cNvGrpSpPr/>
+        <p:nvPr/>
+      </p:nvGrpSpPr>
+      <p:grpSpPr>
+        <a:xfrm>
+          <a:off x="0" y="0"/>
+          <a:ext cx="0" cy="0"/>
+          <a:chOff x="0" y="0"/>
+          <a:chExt cx="0" cy="0"/>
+        </a:xfrm>
+      </p:grpSpPr>
+      <p:sp>
+        <p:nvSpPr>
+          <p:cNvPr id="2" name="Title 1"/>
+          <p:cNvSpPr>
+            <a:spLocks noGrp="1"/>
+          </p:cNvSpPr>
+          <p:nvPr>
+            <p:ph type="title"/>
+          </p:nvPr>
+        </p:nvSpPr>
+        <p:spPr/>
+        <p:txBody>
+          <a:bodyPr/>
+          <a:lstStyle/>
           <a:p>
             <a:r>
               <a:rPr lang="en-US" dirty="0" smtClean="0"/>
-              <a:t>Create your own!</a:t>
+              <a:t>Multiple Apps</a:t>
             </a:r>
             <a:endParaRPr lang="en-US" dirty="0"/>
+          </a:p>
+        </p:txBody>
+      </p:sp>
+      <p:sp>
+        <p:nvSpPr>
+          <p:cNvPr id="3" name="Content Placeholder 2"/>
+          <p:cNvSpPr>
+            <a:spLocks noGrp="1"/>
+          </p:cNvSpPr>
+          <p:nvPr>
+            <p:ph idx="1"/>
+          </p:nvPr>
+        </p:nvSpPr>
+        <p:spPr/>
+        <p:txBody>
+          <a:bodyPr/>
+          <a:lstStyle/>
+          <a:p>
+            <a:r>
+              <a:rPr lang="en-US" dirty="0" smtClean="0"/>
+              <a:t>Case Types can be shared across a _domain_. That means case types case be shared in different applications</a:t>
+            </a:r>
+          </a:p>
+        </p:txBody>
+      </p:sp>
+      <p:pic>
+        <p:nvPicPr>
+          <p:cNvPr id="4" name="Content Placeholder 3"/>
+          <p:cNvPicPr>
+            <a:picLocks noChangeAspect="1"/>
+          </p:cNvPicPr>
+          <p:nvPr/>
+        </p:nvPicPr>
+        <p:blipFill>
+          <a:blip r:embed="rId2">
+            <a:extLst>
+              <a:ext uri="{28A0092B-C50C-407E-A947-70E740481C1C}">
+                <a14:useLocalDpi xmlns:a14="http://schemas.microsoft.com/office/drawing/2010/main" val="0"/>
+              </a:ext>
+            </a:extLst>
+          </a:blip>
+          <a:stretch>
+            <a:fillRect/>
+          </a:stretch>
+        </p:blipFill>
+        <p:spPr bwMode="auto">
+          <a:xfrm>
+            <a:off x="3873712" y="2623789"/>
+            <a:ext cx="1195322" cy="1195322"/>
+          </a:xfrm>
+          <a:prstGeom prst="rect">
+            <a:avLst/>
+          </a:prstGeom>
+          <a:noFill/>
+          <a:ln w="9525">
+            <a:noFill/>
+            <a:miter lim="800000"/>
+            <a:headEnd/>
+            <a:tailEnd/>
+          </a:ln>
+        </p:spPr>
+      </p:pic>
+      <p:pic>
+        <p:nvPicPr>
+          <p:cNvPr id="5" name="Picture 4"/>
+          <p:cNvPicPr>
+            <a:picLocks noChangeAspect="1"/>
+          </p:cNvPicPr>
+          <p:nvPr/>
+        </p:nvPicPr>
+        <p:blipFill>
+          <a:blip r:embed="rId3">
+            <a:extLst>
+              <a:ext uri="{28A0092B-C50C-407E-A947-70E740481C1C}">
+                <a14:useLocalDpi xmlns:a14="http://schemas.microsoft.com/office/drawing/2010/main" val="0"/>
+              </a:ext>
+            </a:extLst>
+          </a:blip>
+          <a:stretch>
+            <a:fillRect/>
+          </a:stretch>
+        </p:blipFill>
+        <p:spPr>
+          <a:xfrm>
+            <a:off x="2684046" y="4440198"/>
+            <a:ext cx="1263315" cy="1263315"/>
+          </a:xfrm>
+          <a:prstGeom prst="rect">
+            <a:avLst/>
+          </a:prstGeom>
+        </p:spPr>
+      </p:pic>
+      <p:pic>
+        <p:nvPicPr>
+          <p:cNvPr id="6" name="Picture 5"/>
+          <p:cNvPicPr>
+            <a:picLocks noChangeAspect="1"/>
+          </p:cNvPicPr>
+          <p:nvPr/>
+        </p:nvPicPr>
+        <p:blipFill>
+          <a:blip r:embed="rId3">
+            <a:extLst>
+              <a:ext uri="{28A0092B-C50C-407E-A947-70E740481C1C}">
+                <a14:useLocalDpi xmlns:a14="http://schemas.microsoft.com/office/drawing/2010/main" val="0"/>
+              </a:ext>
+            </a:extLst>
+          </a:blip>
+          <a:stretch>
+            <a:fillRect/>
+          </a:stretch>
+        </p:blipFill>
+        <p:spPr>
+          <a:xfrm>
+            <a:off x="3873712" y="4440198"/>
+            <a:ext cx="1263315" cy="1263315"/>
+          </a:xfrm>
+          <a:prstGeom prst="rect">
+            <a:avLst/>
+          </a:prstGeom>
+        </p:spPr>
+      </p:pic>
+      <p:pic>
+        <p:nvPicPr>
+          <p:cNvPr id="7" name="Picture 6"/>
+          <p:cNvPicPr>
+            <a:picLocks noChangeAspect="1"/>
+          </p:cNvPicPr>
+          <p:nvPr/>
+        </p:nvPicPr>
+        <p:blipFill>
+          <a:blip r:embed="rId3">
+            <a:extLst>
+              <a:ext uri="{28A0092B-C50C-407E-A947-70E740481C1C}">
+                <a14:useLocalDpi xmlns:a14="http://schemas.microsoft.com/office/drawing/2010/main" val="0"/>
+              </a:ext>
+            </a:extLst>
+          </a:blip>
+          <a:stretch>
+            <a:fillRect/>
+          </a:stretch>
+        </p:blipFill>
+        <p:spPr>
+          <a:xfrm>
+            <a:off x="5229269" y="4440197"/>
+            <a:ext cx="1263315" cy="1263315"/>
+          </a:xfrm>
+          <a:prstGeom prst="rect">
+            <a:avLst/>
+          </a:prstGeom>
+        </p:spPr>
+      </p:pic>
+      <p:sp>
+        <p:nvSpPr>
+          <p:cNvPr id="8" name="TextBox 7"/>
+          <p:cNvSpPr txBox="1"/>
+          <p:nvPr/>
+        </p:nvSpPr>
+        <p:spPr>
+          <a:xfrm>
+            <a:off x="2935705" y="3819111"/>
+            <a:ext cx="3296653" cy="369332"/>
+          </a:xfrm>
+          <a:prstGeom prst="rect">
+            <a:avLst/>
+          </a:prstGeom>
+          <a:noFill/>
+        </p:spPr>
+        <p:txBody>
+          <a:bodyPr wrap="square" rtlCol="0">
+            <a:spAutoFit/>
+          </a:bodyPr>
+          <a:lstStyle/>
+          <a:p>
+            <a:pPr algn="ctr"/>
+            <a:r>
+              <a:rPr lang="en-US" smtClean="0"/>
+              <a:t>One case many apps</a:t>
+            </a:r>
+            <a:endParaRPr lang="en-US"/>
           </a:p>
         </p:txBody>
       </p:sp>
     </p:spTree>
     <p:extLst>
       <p:ext uri="{BB962C8B-B14F-4D97-AF65-F5344CB8AC3E}">
-        <p14:creationId xmlns:p14="http://schemas.microsoft.com/office/powerpoint/2010/main" val="796572541"/>
+        <p14:creationId xmlns:p14="http://schemas.microsoft.com/office/powerpoint/2010/main" val="1958452980"/>
+      </p:ext>
+    </p:extLst>
+  </p:cSld>
+  <p:clrMapOvr>
+    <a:masterClrMapping/>
+  </p:clrMapOvr>
+</p:sld>
+</file>
+
+<file path=ppt/slides/slide9.xml><?xml version="1.0" encoding="utf-8"?>
+<p:sld xmlns:a="http://schemas.openxmlformats.org/drawingml/2006/main" xmlns:r="http://schemas.openxmlformats.org/officeDocument/2006/relationships" xmlns:p="http://schemas.openxmlformats.org/presentationml/2006/main">
+  <p:cSld>
+    <p:spTree>
+      <p:nvGrpSpPr>
+        <p:cNvPr id="1" name=""/>
+        <p:cNvGrpSpPr/>
+        <p:nvPr/>
+      </p:nvGrpSpPr>
+      <p:grpSpPr>
+        <a:xfrm>
+          <a:off x="0" y="0"/>
+          <a:ext cx="0" cy="0"/>
+          <a:chOff x="0" y="0"/>
+          <a:chExt cx="0" cy="0"/>
+        </a:xfrm>
+      </p:grpSpPr>
+      <p:sp>
+        <p:nvSpPr>
+          <p:cNvPr id="2" name="Title 1"/>
+          <p:cNvSpPr>
+            <a:spLocks noGrp="1"/>
+          </p:cNvSpPr>
+          <p:nvPr>
+            <p:ph type="title"/>
+          </p:nvPr>
+        </p:nvSpPr>
+        <p:spPr/>
+        <p:txBody>
+          <a:bodyPr/>
+          <a:lstStyle/>
+          <a:p>
+            <a:r>
+              <a:rPr lang="en-US" dirty="0" smtClean="0"/>
+              <a:t>Case List and Case Detail</a:t>
+            </a:r>
+            <a:endParaRPr lang="en-US" dirty="0"/>
+          </a:p>
+        </p:txBody>
+      </p:sp>
+      <p:sp>
+        <p:nvSpPr>
+          <p:cNvPr id="4" name="Content Placeholder 3"/>
+          <p:cNvSpPr>
+            <a:spLocks noGrp="1"/>
+          </p:cNvSpPr>
+          <p:nvPr>
+            <p:ph idx="1"/>
+          </p:nvPr>
+        </p:nvSpPr>
+        <p:spPr/>
+        <p:txBody>
+          <a:bodyPr/>
+          <a:lstStyle/>
+          <a:p>
+            <a:r>
+              <a:rPr lang="en-US" dirty="0" smtClean="0"/>
+              <a:t>Case list is the list of cases to be shown before selecting a case</a:t>
+            </a:r>
+          </a:p>
+          <a:p>
+            <a:pPr lvl="1"/>
+            <a:r>
+              <a:rPr lang="en-US" dirty="0"/>
+              <a:t> </a:t>
+            </a:r>
+            <a:r>
+              <a:rPr lang="en-US" dirty="0" smtClean="0"/>
+              <a:t>Only has one or two case properties</a:t>
+            </a:r>
+          </a:p>
+          <a:p>
+            <a:pPr lvl="1"/>
+            <a:r>
+              <a:rPr lang="en-US" dirty="0"/>
+              <a:t> </a:t>
+            </a:r>
+            <a:r>
+              <a:rPr lang="en-US" dirty="0" smtClean="0"/>
+              <a:t>Can be filtered or sorted based on an </a:t>
+            </a:r>
+            <a:r>
+              <a:rPr lang="en-US" dirty="0" err="1" smtClean="0"/>
+              <a:t>Xpath</a:t>
+            </a:r>
+            <a:r>
+              <a:rPr lang="en-US" dirty="0" smtClean="0"/>
+              <a:t> Expression</a:t>
+            </a:r>
+          </a:p>
+          <a:p>
+            <a:r>
+              <a:rPr lang="en-US" dirty="0" smtClean="0"/>
+              <a:t>Case Detail is the information of the case after clicking on it in the case list</a:t>
+            </a:r>
+          </a:p>
+          <a:p>
+            <a:pPr lvl="1"/>
+            <a:r>
+              <a:rPr lang="en-US" dirty="0"/>
+              <a:t> </a:t>
+            </a:r>
+            <a:r>
+              <a:rPr lang="en-US" dirty="0" smtClean="0"/>
+              <a:t>Often shows more properties</a:t>
+            </a:r>
+          </a:p>
+          <a:p>
+            <a:endParaRPr lang="en-US" dirty="0" smtClean="0"/>
+          </a:p>
+          <a:p>
+            <a:endParaRPr lang="en-US" dirty="0"/>
+          </a:p>
+          <a:p>
+            <a:pPr marL="0" indent="0">
+              <a:buNone/>
+            </a:pPr>
+            <a:r>
+              <a:rPr lang="en-US" dirty="0"/>
+              <a:t>Docs: </a:t>
+            </a:r>
+            <a:r>
+              <a:rPr lang="en-US" dirty="0">
+                <a:hlinkClick r:id="rId2"/>
+              </a:rPr>
+              <a:t>http://</a:t>
+            </a:r>
+            <a:r>
+              <a:rPr lang="en-US" dirty="0" smtClean="0">
+                <a:hlinkClick r:id="rId2"/>
+              </a:rPr>
+              <a:t>bit.ly/1NX8sWv</a:t>
+            </a:r>
+            <a:endParaRPr lang="en-US" dirty="0" smtClean="0"/>
+          </a:p>
+        </p:txBody>
+      </p:sp>
+    </p:spTree>
+    <p:extLst>
+      <p:ext uri="{BB962C8B-B14F-4D97-AF65-F5344CB8AC3E}">
+        <p14:creationId xmlns:p14="http://schemas.microsoft.com/office/powerpoint/2010/main" val="1057301706"/>
       </p:ext>
     </p:extLst>
   </p:cSld>

--- a/CaseManagement/case_mgmt.pptx
+++ b/CaseManagement/case_mgmt.pptx
@@ -5,23 +5,28 @@
     <p:sldMasterId id="2147483648" r:id="rId1"/>
   </p:sldMasterIdLst>
   <p:notesMasterIdLst>
-    <p:notesMasterId r:id="rId13"/>
+    <p:notesMasterId r:id="rId18"/>
   </p:notesMasterIdLst>
   <p:handoutMasterIdLst>
-    <p:handoutMasterId r:id="rId14"/>
+    <p:handoutMasterId r:id="rId19"/>
   </p:handoutMasterIdLst>
   <p:sldIdLst>
     <p:sldId id="258" r:id="rId2"/>
     <p:sldId id="259" r:id="rId3"/>
     <p:sldId id="260" r:id="rId4"/>
     <p:sldId id="263" r:id="rId5"/>
-    <p:sldId id="264" r:id="rId6"/>
-    <p:sldId id="265" r:id="rId7"/>
-    <p:sldId id="266" r:id="rId8"/>
-    <p:sldId id="267" r:id="rId9"/>
-    <p:sldId id="268" r:id="rId10"/>
-    <p:sldId id="262" r:id="rId11"/>
-    <p:sldId id="261" r:id="rId12"/>
+    <p:sldId id="270" r:id="rId6"/>
+    <p:sldId id="277" r:id="rId7"/>
+    <p:sldId id="272" r:id="rId8"/>
+    <p:sldId id="266" r:id="rId9"/>
+    <p:sldId id="273" r:id="rId10"/>
+    <p:sldId id="274" r:id="rId11"/>
+    <p:sldId id="264" r:id="rId12"/>
+    <p:sldId id="265" r:id="rId13"/>
+    <p:sldId id="269" r:id="rId14"/>
+    <p:sldId id="275" r:id="rId15"/>
+    <p:sldId id="267" r:id="rId16"/>
+    <p:sldId id="276" r:id="rId17"/>
   </p:sldIdLst>
   <p:sldSz cx="9144000" cy="6858000" type="screen4x3"/>
   <p:notesSz cx="6858000" cy="9296400"/>
@@ -1182,6 +1187,20 @@
               <a:rPr lang="en-US" baseline="0" dirty="0" smtClean="0"/>
               <a:t> how cases actually work</a:t>
             </a:r>
+          </a:p>
+          <a:p>
+            <a:r>
+              <a:rPr lang="en-US" baseline="0" dirty="0" smtClean="0"/>
+              <a:t>Setup cases on HQ</a:t>
+            </a:r>
+          </a:p>
+          <a:p>
+            <a:r>
+              <a:rPr lang="en-US" baseline="0" dirty="0" smtClean="0"/>
+              <a:t>Submit and view the data</a:t>
+            </a:r>
+          </a:p>
+          <a:p>
             <a:endParaRPr lang="en-US" dirty="0"/>
           </a:p>
         </p:txBody>
@@ -1219,100 +1238,6 @@
     <p:extLst>
       <p:ext uri="{BB962C8B-B14F-4D97-AF65-F5344CB8AC3E}">
         <p14:creationId xmlns:p14="http://schemas.microsoft.com/office/powerpoint/2010/main" val="1772161766"/>
-      </p:ext>
-    </p:extLst>
-  </p:cSld>
-  <p:clrMapOvr>
-    <a:masterClrMapping/>
-  </p:clrMapOvr>
-</p:notes>
-</file>
-
-<file path=ppt/notesSlides/notesSlide5.xml><?xml version="1.0" encoding="utf-8"?>
-<p:notes xmlns:a="http://schemas.openxmlformats.org/drawingml/2006/main" xmlns:r="http://schemas.openxmlformats.org/officeDocument/2006/relationships" xmlns:p="http://schemas.openxmlformats.org/presentationml/2006/main">
-  <p:cSld>
-    <p:spTree>
-      <p:nvGrpSpPr>
-        <p:cNvPr id="1" name=""/>
-        <p:cNvGrpSpPr/>
-        <p:nvPr/>
-      </p:nvGrpSpPr>
-      <p:grpSpPr>
-        <a:xfrm>
-          <a:off x="0" y="0"/>
-          <a:ext cx="0" cy="0"/>
-          <a:chOff x="0" y="0"/>
-          <a:chExt cx="0" cy="0"/>
-        </a:xfrm>
-      </p:grpSpPr>
-      <p:sp>
-        <p:nvSpPr>
-          <p:cNvPr id="2" name="Slide Image Placeholder 1"/>
-          <p:cNvSpPr>
-            <a:spLocks noGrp="1" noRot="1" noChangeAspect="1"/>
-          </p:cNvSpPr>
-          <p:nvPr>
-            <p:ph type="sldImg"/>
-          </p:nvPr>
-        </p:nvSpPr>
-        <p:spPr/>
-      </p:sp>
-      <p:sp>
-        <p:nvSpPr>
-          <p:cNvPr id="3" name="Notes Placeholder 2"/>
-          <p:cNvSpPr>
-            <a:spLocks noGrp="1"/>
-          </p:cNvSpPr>
-          <p:nvPr>
-            <p:ph type="body" idx="1"/>
-          </p:nvPr>
-        </p:nvSpPr>
-        <p:spPr/>
-        <p:txBody>
-          <a:bodyPr/>
-          <a:lstStyle/>
-          <a:p>
-            <a:r>
-              <a:rPr lang="en-US" dirty="0" smtClean="0"/>
-              <a:t>Setup basic case management</a:t>
-            </a:r>
-            <a:endParaRPr lang="en-US" dirty="0"/>
-          </a:p>
-        </p:txBody>
-      </p:sp>
-      <p:sp>
-        <p:nvSpPr>
-          <p:cNvPr id="4" name="Slide Number Placeholder 3"/>
-          <p:cNvSpPr>
-            <a:spLocks noGrp="1"/>
-          </p:cNvSpPr>
-          <p:nvPr>
-            <p:ph type="sldNum" sz="quarter" idx="10"/>
-          </p:nvPr>
-        </p:nvSpPr>
-        <p:spPr/>
-        <p:txBody>
-          <a:bodyPr/>
-          <a:lstStyle/>
-          <a:p>
-            <a:pPr>
-              <a:defRPr/>
-            </a:pPr>
-            <a:fld id="{307EBDA9-1523-4B97-AE6B-A78B2B72B3F3}" type="slidenum">
-              <a:rPr lang="en-US" smtClean="0"/>
-              <a:pPr>
-                <a:defRPr/>
-              </a:pPr>
-              <a:t>9</a:t>
-            </a:fld>
-            <a:endParaRPr lang="en-US"/>
-          </a:p>
-        </p:txBody>
-      </p:sp>
-    </p:spTree>
-    <p:extLst>
-      <p:ext uri="{BB962C8B-B14F-4D97-AF65-F5344CB8AC3E}">
-        <p14:creationId xmlns:p14="http://schemas.microsoft.com/office/powerpoint/2010/main" val="1238673357"/>
       </p:ext>
     </p:extLst>
   </p:cSld>
@@ -2910,70 +2835,72 @@
             <p:ph type="title"/>
           </p:nvPr>
         </p:nvSpPr>
-        <p:spPr>
-          <a:xfrm>
-            <a:off x="445169" y="3031962"/>
-            <a:ext cx="8229600" cy="457200"/>
-          </a:xfrm>
-        </p:spPr>
+        <p:spPr/>
         <p:txBody>
           <a:bodyPr/>
           <a:lstStyle/>
           <a:p>
-            <a:pPr algn="ctr"/>
-            <a:r>
-              <a:rPr lang="en-US" dirty="0" smtClean="0"/>
-              <a:t>Let’s look at </a:t>
-            </a:r>
-            <a:r>
-              <a:rPr lang="en-US" dirty="0" smtClean="0"/>
-              <a:t>HQ</a:t>
-            </a:r>
-            <a:br>
-              <a:rPr lang="en-US" dirty="0" smtClean="0"/>
-            </a:br>
+            <a:r>
+              <a:rPr lang="en-US" dirty="0" smtClean="0"/>
+              <a:t>View the Case Data</a:t>
+            </a:r>
+            <a:endParaRPr lang="en-US" dirty="0"/>
+          </a:p>
+        </p:txBody>
+      </p:sp>
+      <p:sp>
+        <p:nvSpPr>
+          <p:cNvPr id="3" name="Content Placeholder 2"/>
+          <p:cNvSpPr>
+            <a:spLocks noGrp="1"/>
+          </p:cNvSpPr>
+          <p:nvPr>
+            <p:ph idx="1"/>
+          </p:nvPr>
+        </p:nvSpPr>
+        <p:spPr/>
+        <p:txBody>
+          <a:bodyPr/>
+          <a:lstStyle/>
+          <a:p>
+            <a:pPr marL="0" indent="0">
+              <a:buNone/>
+            </a:pPr>
             <a:r>
               <a:rPr lang="en-US" dirty="0"/>
-              <a:t/>
-            </a:r>
-            <a:br>
+              <a:t>https://</a:t>
+            </a:r>
+            <a:r>
+              <a:rPr lang="en-US" dirty="0" err="1"/>
+              <a:t>www.commcarehq.org</a:t>
+            </a:r>
+            <a:r>
               <a:rPr lang="en-US" dirty="0"/>
-            </a:br>
-            <a:r>
-              <a:rPr lang="en-US" sz="1400" dirty="0"/>
-              <a:t> https://</a:t>
-            </a:r>
-            <a:r>
-              <a:rPr lang="en-US" sz="1400" dirty="0" err="1" smtClean="0"/>
-              <a:t>www.commcarehq.org</a:t>
-            </a:r>
-            <a:r>
-              <a:rPr lang="en-US" sz="1400" dirty="0" smtClean="0"/>
               <a:t>/a/</a:t>
             </a:r>
             <a:r>
-              <a:rPr lang="en-US" sz="1400" dirty="0" err="1" smtClean="0"/>
+              <a:rPr lang="en-US" dirty="0" err="1"/>
               <a:t>exi</a:t>
             </a:r>
             <a:r>
-              <a:rPr lang="en-US" sz="1400" dirty="0" smtClean="0"/>
-              <a:t>-training/apps/view/841cb462e89c6bd0e4d0038b4a97367c/modules-0/</a:t>
-            </a:r>
-            <a:r>
-              <a:rPr lang="en-US" sz="1000" dirty="0" smtClean="0"/>
-              <a:t/>
-            </a:r>
-            <a:br>
-              <a:rPr lang="en-US" sz="1000" dirty="0" smtClean="0"/>
-            </a:br>
-            <a:endParaRPr lang="en-US" sz="1000" dirty="0"/>
+              <a:rPr lang="en-US" dirty="0"/>
+              <a:t>-training/reports/</a:t>
+            </a:r>
+            <a:r>
+              <a:rPr lang="en-US" dirty="0" err="1"/>
+              <a:t>case_list</a:t>
+            </a:r>
+            <a:r>
+              <a:rPr lang="en-US" dirty="0"/>
+              <a:t>/</a:t>
+            </a:r>
           </a:p>
         </p:txBody>
       </p:sp>
     </p:spTree>
     <p:extLst>
       <p:ext uri="{BB962C8B-B14F-4D97-AF65-F5344CB8AC3E}">
-        <p14:creationId xmlns:p14="http://schemas.microsoft.com/office/powerpoint/2010/main" val="1223942617"/>
+        <p14:creationId xmlns:p14="http://schemas.microsoft.com/office/powerpoint/2010/main" val="1866571534"/>
       </p:ext>
     </p:extLst>
   </p:cSld>
@@ -3017,7 +2944,7 @@
           <a:p>
             <a:r>
               <a:rPr lang="en-US" dirty="0" smtClean="0"/>
-              <a:t>Activity: Complex case management</a:t>
+              <a:t>Case Sharing</a:t>
             </a:r>
             <a:endParaRPr lang="en-US" dirty="0"/>
           </a:p>
@@ -3033,6 +2960,548 @@
             <p:ph idx="1"/>
           </p:nvPr>
         </p:nvSpPr>
+        <p:spPr>
+          <a:xfrm>
+            <a:off x="457200" y="990601"/>
+            <a:ext cx="8229600" cy="669758"/>
+          </a:xfrm>
+        </p:spPr>
+        <p:txBody>
+          <a:bodyPr/>
+          <a:lstStyle/>
+          <a:p>
+            <a:r>
+              <a:rPr lang="en-US" dirty="0" smtClean="0"/>
+              <a:t>Normal case workflow:</a:t>
+            </a:r>
+            <a:endParaRPr lang="en-US" dirty="0"/>
+          </a:p>
+        </p:txBody>
+      </p:sp>
+      <p:pic>
+        <p:nvPicPr>
+          <p:cNvPr id="4" name="Picture 3"/>
+          <p:cNvPicPr>
+            <a:picLocks noChangeAspect="1"/>
+          </p:cNvPicPr>
+          <p:nvPr/>
+        </p:nvPicPr>
+        <p:blipFill>
+          <a:blip r:embed="rId2">
+            <a:extLst>
+              <a:ext uri="{28A0092B-C50C-407E-A947-70E740481C1C}">
+                <a14:useLocalDpi xmlns:a14="http://schemas.microsoft.com/office/drawing/2010/main" val="0"/>
+              </a:ext>
+            </a:extLst>
+          </a:blip>
+          <a:stretch>
+            <a:fillRect/>
+          </a:stretch>
+        </p:blipFill>
+        <p:spPr>
+          <a:xfrm>
+            <a:off x="1094873" y="2671011"/>
+            <a:ext cx="1130968" cy="1130968"/>
+          </a:xfrm>
+          <a:prstGeom prst="rect">
+            <a:avLst/>
+          </a:prstGeom>
+        </p:spPr>
+      </p:pic>
+      <p:pic>
+        <p:nvPicPr>
+          <p:cNvPr id="5" name="Picture 4"/>
+          <p:cNvPicPr>
+            <a:picLocks noChangeAspect="1"/>
+          </p:cNvPicPr>
+          <p:nvPr/>
+        </p:nvPicPr>
+        <p:blipFill>
+          <a:blip r:embed="rId3">
+            <a:extLst>
+              <a:ext uri="{28A0092B-C50C-407E-A947-70E740481C1C}">
+                <a14:useLocalDpi xmlns:a14="http://schemas.microsoft.com/office/drawing/2010/main" val="0"/>
+              </a:ext>
+            </a:extLst>
+          </a:blip>
+          <a:stretch>
+            <a:fillRect/>
+          </a:stretch>
+        </p:blipFill>
+        <p:spPr>
+          <a:xfrm>
+            <a:off x="652713" y="4383141"/>
+            <a:ext cx="2015288" cy="2015288"/>
+          </a:xfrm>
+          <a:prstGeom prst="rect">
+            <a:avLst/>
+          </a:prstGeom>
+        </p:spPr>
+      </p:pic>
+      <p:sp>
+        <p:nvSpPr>
+          <p:cNvPr id="6" name="TextBox 5"/>
+          <p:cNvSpPr txBox="1"/>
+          <p:nvPr/>
+        </p:nvSpPr>
+        <p:spPr>
+          <a:xfrm>
+            <a:off x="962525" y="3871799"/>
+            <a:ext cx="1395664" cy="369332"/>
+          </a:xfrm>
+          <a:prstGeom prst="rect">
+            <a:avLst/>
+          </a:prstGeom>
+          <a:noFill/>
+        </p:spPr>
+        <p:txBody>
+          <a:bodyPr wrap="square" rtlCol="0">
+            <a:spAutoFit/>
+          </a:bodyPr>
+          <a:lstStyle/>
+          <a:p>
+            <a:pPr algn="ctr"/>
+            <a:r>
+              <a:rPr lang="en-US" dirty="0" err="1" smtClean="0"/>
+              <a:t>Susy</a:t>
+            </a:r>
+            <a:endParaRPr lang="en-US" dirty="0"/>
+          </a:p>
+        </p:txBody>
+      </p:sp>
+      <p:sp>
+        <p:nvSpPr>
+          <p:cNvPr id="7" name="TextBox 6"/>
+          <p:cNvSpPr txBox="1"/>
+          <p:nvPr/>
+        </p:nvSpPr>
+        <p:spPr>
+          <a:xfrm>
+            <a:off x="962525" y="6067561"/>
+            <a:ext cx="1395664" cy="369332"/>
+          </a:xfrm>
+          <a:prstGeom prst="rect">
+            <a:avLst/>
+          </a:prstGeom>
+          <a:noFill/>
+        </p:spPr>
+        <p:txBody>
+          <a:bodyPr wrap="square" rtlCol="0">
+            <a:spAutoFit/>
+          </a:bodyPr>
+          <a:lstStyle/>
+          <a:p>
+            <a:pPr algn="ctr"/>
+            <a:r>
+              <a:rPr lang="en-US" dirty="0" smtClean="0"/>
+              <a:t>Bob</a:t>
+            </a:r>
+            <a:endParaRPr lang="en-US" dirty="0"/>
+          </a:p>
+        </p:txBody>
+      </p:sp>
+      <p:pic>
+        <p:nvPicPr>
+          <p:cNvPr id="8" name="Content Placeholder 3"/>
+          <p:cNvPicPr>
+            <a:picLocks noChangeAspect="1"/>
+          </p:cNvPicPr>
+          <p:nvPr/>
+        </p:nvPicPr>
+        <p:blipFill>
+          <a:blip r:embed="rId4">
+            <a:extLst>
+              <a:ext uri="{28A0092B-C50C-407E-A947-70E740481C1C}">
+                <a14:useLocalDpi xmlns:a14="http://schemas.microsoft.com/office/drawing/2010/main" val="0"/>
+              </a:ext>
+            </a:extLst>
+          </a:blip>
+          <a:stretch>
+            <a:fillRect/>
+          </a:stretch>
+        </p:blipFill>
+        <p:spPr bwMode="auto">
+          <a:xfrm>
+            <a:off x="2984835" y="3027948"/>
+            <a:ext cx="417094" cy="417094"/>
+          </a:xfrm>
+          <a:prstGeom prst="rect">
+            <a:avLst/>
+          </a:prstGeom>
+          <a:noFill/>
+          <a:ln w="9525">
+            <a:noFill/>
+            <a:miter lim="800000"/>
+            <a:headEnd/>
+            <a:tailEnd/>
+          </a:ln>
+        </p:spPr>
+      </p:pic>
+      <p:pic>
+        <p:nvPicPr>
+          <p:cNvPr id="9" name="Content Placeholder 3"/>
+          <p:cNvPicPr>
+            <a:picLocks noChangeAspect="1"/>
+          </p:cNvPicPr>
+          <p:nvPr/>
+        </p:nvPicPr>
+        <p:blipFill>
+          <a:blip r:embed="rId4">
+            <a:extLst>
+              <a:ext uri="{28A0092B-C50C-407E-A947-70E740481C1C}">
+                <a14:useLocalDpi xmlns:a14="http://schemas.microsoft.com/office/drawing/2010/main" val="0"/>
+              </a:ext>
+            </a:extLst>
+          </a:blip>
+          <a:stretch>
+            <a:fillRect/>
+          </a:stretch>
+        </p:blipFill>
+        <p:spPr bwMode="auto">
+          <a:xfrm>
+            <a:off x="5400171" y="3027948"/>
+            <a:ext cx="417094" cy="417094"/>
+          </a:xfrm>
+          <a:prstGeom prst="rect">
+            <a:avLst/>
+          </a:prstGeom>
+          <a:noFill/>
+          <a:ln w="9525">
+            <a:noFill/>
+            <a:miter lim="800000"/>
+            <a:headEnd/>
+            <a:tailEnd/>
+          </a:ln>
+        </p:spPr>
+      </p:pic>
+      <p:pic>
+        <p:nvPicPr>
+          <p:cNvPr id="10" name="Content Placeholder 3"/>
+          <p:cNvPicPr>
+            <a:picLocks noChangeAspect="1"/>
+          </p:cNvPicPr>
+          <p:nvPr/>
+        </p:nvPicPr>
+        <p:blipFill>
+          <a:blip r:embed="rId4">
+            <a:extLst>
+              <a:ext uri="{28A0092B-C50C-407E-A947-70E740481C1C}">
+                <a14:useLocalDpi xmlns:a14="http://schemas.microsoft.com/office/drawing/2010/main" val="0"/>
+              </a:ext>
+            </a:extLst>
+          </a:blip>
+          <a:stretch>
+            <a:fillRect/>
+          </a:stretch>
+        </p:blipFill>
+        <p:spPr bwMode="auto">
+          <a:xfrm>
+            <a:off x="4572000" y="3027948"/>
+            <a:ext cx="417094" cy="417094"/>
+          </a:xfrm>
+          <a:prstGeom prst="rect">
+            <a:avLst/>
+          </a:prstGeom>
+          <a:noFill/>
+          <a:ln w="9525">
+            <a:noFill/>
+            <a:miter lim="800000"/>
+            <a:headEnd/>
+            <a:tailEnd/>
+          </a:ln>
+        </p:spPr>
+      </p:pic>
+      <p:pic>
+        <p:nvPicPr>
+          <p:cNvPr id="11" name="Content Placeholder 3"/>
+          <p:cNvPicPr>
+            <a:picLocks noChangeAspect="1"/>
+          </p:cNvPicPr>
+          <p:nvPr/>
+        </p:nvPicPr>
+        <p:blipFill>
+          <a:blip r:embed="rId4">
+            <a:extLst>
+              <a:ext uri="{28A0092B-C50C-407E-A947-70E740481C1C}">
+                <a14:useLocalDpi xmlns:a14="http://schemas.microsoft.com/office/drawing/2010/main" val="0"/>
+              </a:ext>
+            </a:extLst>
+          </a:blip>
+          <a:stretch>
+            <a:fillRect/>
+          </a:stretch>
+        </p:blipFill>
+        <p:spPr bwMode="auto">
+          <a:xfrm>
+            <a:off x="3743829" y="3027948"/>
+            <a:ext cx="417094" cy="417094"/>
+          </a:xfrm>
+          <a:prstGeom prst="rect">
+            <a:avLst/>
+          </a:prstGeom>
+          <a:noFill/>
+          <a:ln w="9525">
+            <a:noFill/>
+            <a:miter lim="800000"/>
+            <a:headEnd/>
+            <a:tailEnd/>
+          </a:ln>
+        </p:spPr>
+      </p:pic>
+      <p:sp>
+        <p:nvSpPr>
+          <p:cNvPr id="12" name="TextBox 11"/>
+          <p:cNvSpPr txBox="1"/>
+          <p:nvPr/>
+        </p:nvSpPr>
+        <p:spPr>
+          <a:xfrm>
+            <a:off x="2777289" y="2581413"/>
+            <a:ext cx="2622881" cy="369332"/>
+          </a:xfrm>
+          <a:prstGeom prst="rect">
+            <a:avLst/>
+          </a:prstGeom>
+          <a:noFill/>
+        </p:spPr>
+        <p:txBody>
+          <a:bodyPr wrap="square" rtlCol="0">
+            <a:spAutoFit/>
+          </a:bodyPr>
+          <a:lstStyle/>
+          <a:p>
+            <a:pPr algn="ctr"/>
+            <a:r>
+              <a:rPr lang="en-US" dirty="0" err="1" smtClean="0"/>
+              <a:t>Susy’s</a:t>
+            </a:r>
+            <a:r>
+              <a:rPr lang="en-US" dirty="0" smtClean="0"/>
+              <a:t> cases</a:t>
+            </a:r>
+            <a:endParaRPr lang="en-US" dirty="0"/>
+          </a:p>
+        </p:txBody>
+      </p:sp>
+      <p:pic>
+        <p:nvPicPr>
+          <p:cNvPr id="13" name="Content Placeholder 3"/>
+          <p:cNvPicPr>
+            <a:picLocks noChangeAspect="1"/>
+          </p:cNvPicPr>
+          <p:nvPr/>
+        </p:nvPicPr>
+        <p:blipFill>
+          <a:blip r:embed="rId4">
+            <a:extLst>
+              <a:ext uri="{28A0092B-C50C-407E-A947-70E740481C1C}">
+                <a14:useLocalDpi xmlns:a14="http://schemas.microsoft.com/office/drawing/2010/main" val="0"/>
+              </a:ext>
+            </a:extLst>
+          </a:blip>
+          <a:stretch>
+            <a:fillRect/>
+          </a:stretch>
+        </p:blipFill>
+        <p:spPr bwMode="auto">
+          <a:xfrm>
+            <a:off x="2984835" y="5259166"/>
+            <a:ext cx="417094" cy="417094"/>
+          </a:xfrm>
+          <a:prstGeom prst="rect">
+            <a:avLst/>
+          </a:prstGeom>
+          <a:noFill/>
+          <a:ln w="9525">
+            <a:noFill/>
+            <a:miter lim="800000"/>
+            <a:headEnd/>
+            <a:tailEnd/>
+          </a:ln>
+        </p:spPr>
+      </p:pic>
+      <p:pic>
+        <p:nvPicPr>
+          <p:cNvPr id="14" name="Content Placeholder 3"/>
+          <p:cNvPicPr>
+            <a:picLocks noChangeAspect="1"/>
+          </p:cNvPicPr>
+          <p:nvPr/>
+        </p:nvPicPr>
+        <p:blipFill>
+          <a:blip r:embed="rId4">
+            <a:extLst>
+              <a:ext uri="{28A0092B-C50C-407E-A947-70E740481C1C}">
+                <a14:useLocalDpi xmlns:a14="http://schemas.microsoft.com/office/drawing/2010/main" val="0"/>
+              </a:ext>
+            </a:extLst>
+          </a:blip>
+          <a:stretch>
+            <a:fillRect/>
+          </a:stretch>
+        </p:blipFill>
+        <p:spPr bwMode="auto">
+          <a:xfrm>
+            <a:off x="5400171" y="5259166"/>
+            <a:ext cx="417094" cy="417094"/>
+          </a:xfrm>
+          <a:prstGeom prst="rect">
+            <a:avLst/>
+          </a:prstGeom>
+          <a:noFill/>
+          <a:ln w="9525">
+            <a:noFill/>
+            <a:miter lim="800000"/>
+            <a:headEnd/>
+            <a:tailEnd/>
+          </a:ln>
+        </p:spPr>
+      </p:pic>
+      <p:pic>
+        <p:nvPicPr>
+          <p:cNvPr id="15" name="Content Placeholder 3"/>
+          <p:cNvPicPr>
+            <a:picLocks noChangeAspect="1"/>
+          </p:cNvPicPr>
+          <p:nvPr/>
+        </p:nvPicPr>
+        <p:blipFill>
+          <a:blip r:embed="rId4">
+            <a:extLst>
+              <a:ext uri="{28A0092B-C50C-407E-A947-70E740481C1C}">
+                <a14:useLocalDpi xmlns:a14="http://schemas.microsoft.com/office/drawing/2010/main" val="0"/>
+              </a:ext>
+            </a:extLst>
+          </a:blip>
+          <a:stretch>
+            <a:fillRect/>
+          </a:stretch>
+        </p:blipFill>
+        <p:spPr bwMode="auto">
+          <a:xfrm>
+            <a:off x="4572000" y="5259166"/>
+            <a:ext cx="417094" cy="417094"/>
+          </a:xfrm>
+          <a:prstGeom prst="rect">
+            <a:avLst/>
+          </a:prstGeom>
+          <a:noFill/>
+          <a:ln w="9525">
+            <a:noFill/>
+            <a:miter lim="800000"/>
+            <a:headEnd/>
+            <a:tailEnd/>
+          </a:ln>
+        </p:spPr>
+      </p:pic>
+      <p:pic>
+        <p:nvPicPr>
+          <p:cNvPr id="16" name="Content Placeholder 3"/>
+          <p:cNvPicPr>
+            <a:picLocks noChangeAspect="1"/>
+          </p:cNvPicPr>
+          <p:nvPr/>
+        </p:nvPicPr>
+        <p:blipFill>
+          <a:blip r:embed="rId4">
+            <a:extLst>
+              <a:ext uri="{28A0092B-C50C-407E-A947-70E740481C1C}">
+                <a14:useLocalDpi xmlns:a14="http://schemas.microsoft.com/office/drawing/2010/main" val="0"/>
+              </a:ext>
+            </a:extLst>
+          </a:blip>
+          <a:stretch>
+            <a:fillRect/>
+          </a:stretch>
+        </p:blipFill>
+        <p:spPr bwMode="auto">
+          <a:xfrm>
+            <a:off x="3743829" y="5259166"/>
+            <a:ext cx="417094" cy="417094"/>
+          </a:xfrm>
+          <a:prstGeom prst="rect">
+            <a:avLst/>
+          </a:prstGeom>
+          <a:noFill/>
+          <a:ln w="9525">
+            <a:noFill/>
+            <a:miter lim="800000"/>
+            <a:headEnd/>
+            <a:tailEnd/>
+          </a:ln>
+        </p:spPr>
+      </p:pic>
+      <p:sp>
+        <p:nvSpPr>
+          <p:cNvPr id="17" name="TextBox 16"/>
+          <p:cNvSpPr txBox="1"/>
+          <p:nvPr/>
+        </p:nvSpPr>
+        <p:spPr>
+          <a:xfrm>
+            <a:off x="2777289" y="4812631"/>
+            <a:ext cx="2622881" cy="369332"/>
+          </a:xfrm>
+          <a:prstGeom prst="rect">
+            <a:avLst/>
+          </a:prstGeom>
+          <a:noFill/>
+        </p:spPr>
+        <p:txBody>
+          <a:bodyPr wrap="square" rtlCol="0">
+            <a:spAutoFit/>
+          </a:bodyPr>
+          <a:lstStyle/>
+          <a:p>
+            <a:pPr algn="ctr"/>
+            <a:r>
+              <a:rPr lang="en-US" dirty="0" smtClean="0"/>
+              <a:t>Bob’s cases</a:t>
+            </a:r>
+            <a:endParaRPr lang="en-US" dirty="0"/>
+          </a:p>
+        </p:txBody>
+      </p:sp>
+    </p:spTree>
+    <p:extLst>
+      <p:ext uri="{BB962C8B-B14F-4D97-AF65-F5344CB8AC3E}">
+        <p14:creationId xmlns:p14="http://schemas.microsoft.com/office/powerpoint/2010/main" val="1828619700"/>
+      </p:ext>
+    </p:extLst>
+  </p:cSld>
+  <p:clrMapOvr>
+    <a:masterClrMapping/>
+  </p:clrMapOvr>
+</p:sld>
+</file>
+
+<file path=ppt/slides/slide12.xml><?xml version="1.0" encoding="utf-8"?>
+<p:sld xmlns:a="http://schemas.openxmlformats.org/drawingml/2006/main" xmlns:r="http://schemas.openxmlformats.org/officeDocument/2006/relationships" xmlns:p="http://schemas.openxmlformats.org/presentationml/2006/main">
+  <p:cSld>
+    <p:spTree>
+      <p:nvGrpSpPr>
+        <p:cNvPr id="1" name=""/>
+        <p:cNvGrpSpPr/>
+        <p:nvPr/>
+      </p:nvGrpSpPr>
+      <p:grpSpPr>
+        <a:xfrm>
+          <a:off x="0" y="0"/>
+          <a:ext cx="0" cy="0"/>
+          <a:chOff x="0" y="0"/>
+          <a:chExt cx="0" cy="0"/>
+        </a:xfrm>
+      </p:grpSpPr>
+      <p:sp>
+        <p:nvSpPr>
+          <p:cNvPr id="2" name="Title 1"/>
+          <p:cNvSpPr>
+            <a:spLocks noGrp="1"/>
+          </p:cNvSpPr>
+          <p:nvPr>
+            <p:ph type="title"/>
+          </p:nvPr>
+        </p:nvSpPr>
         <p:spPr/>
         <p:txBody>
           <a:bodyPr/>
@@ -3040,86 +3509,1387 @@
           <a:p>
             <a:r>
               <a:rPr lang="en-US" dirty="0" smtClean="0"/>
-              <a:t>A community health worker needs to </a:t>
-            </a:r>
-            <a:r>
-              <a:rPr lang="en-US" dirty="0" smtClean="0"/>
-              <a:t>create a case for a mother and her baby, create a form that creates both those cases in a single form</a:t>
-            </a:r>
-            <a:endParaRPr lang="en-US" dirty="0" smtClean="0"/>
-          </a:p>
-          <a:p>
-            <a:r>
-              <a:rPr lang="en-US" dirty="0" smtClean="0"/>
-              <a:t>Workers </a:t>
-            </a:r>
-            <a:r>
-              <a:rPr lang="en-US" dirty="0" smtClean="0"/>
-              <a:t>need to visit districts, but we do not want them to overlap. Build a case sharing application that ensures that workers see where other workers have visited.</a:t>
-            </a:r>
-          </a:p>
-          <a:p>
-            <a:r>
-              <a:rPr lang="en-US" dirty="0" smtClean="0"/>
-              <a:t>Create your own</a:t>
-            </a:r>
-            <a:r>
-              <a:rPr lang="en-US" dirty="0" smtClean="0"/>
-              <a:t>!</a:t>
-            </a:r>
-          </a:p>
-          <a:p>
-            <a:endParaRPr lang="en-US" dirty="0" smtClean="0"/>
-          </a:p>
-          <a:p>
-            <a:pPr marL="0" indent="0">
-              <a:buNone/>
-            </a:pPr>
-            <a:r>
-              <a:rPr lang="en-US" dirty="0" smtClean="0"/>
-              <a:t>Incorporate a nice case list and case detail!</a:t>
-            </a:r>
-          </a:p>
-          <a:p>
-            <a:pPr marL="0" indent="0">
-              <a:buNone/>
-            </a:pPr>
+              <a:t>Case Sharing</a:t>
+            </a:r>
             <a:endParaRPr lang="en-US" dirty="0"/>
           </a:p>
-          <a:p>
-            <a:pPr marL="0" indent="0">
-              <a:buNone/>
-            </a:pPr>
-            <a:r>
-              <a:rPr lang="en-US" dirty="0"/>
-              <a:t>Docs: </a:t>
-            </a:r>
-            <a:r>
-              <a:rPr lang="en-US" dirty="0">
-                <a:hlinkClick r:id="rId2"/>
-              </a:rPr>
-              <a:t>http://</a:t>
-            </a:r>
-            <a:r>
-              <a:rPr lang="en-US" dirty="0" smtClean="0">
-                <a:hlinkClick r:id="rId2"/>
-              </a:rPr>
-              <a:t>bit.ly/1lnZhr1</a:t>
-            </a:r>
-            <a:endParaRPr lang="en-US" dirty="0" smtClean="0"/>
-          </a:p>
-          <a:p>
-            <a:pPr marL="0" indent="0">
-              <a:buNone/>
-            </a:pPr>
+        </p:txBody>
+      </p:sp>
+      <p:sp>
+        <p:nvSpPr>
+          <p:cNvPr id="3" name="Content Placeholder 2"/>
+          <p:cNvSpPr>
+            <a:spLocks noGrp="1"/>
+          </p:cNvSpPr>
+          <p:nvPr>
+            <p:ph idx="1"/>
+          </p:nvPr>
+        </p:nvSpPr>
+        <p:spPr>
+          <a:xfrm>
+            <a:off x="457200" y="990601"/>
+            <a:ext cx="8229600" cy="669758"/>
+          </a:xfrm>
+        </p:spPr>
+        <p:txBody>
+          <a:bodyPr/>
+          <a:lstStyle/>
+          <a:p>
+            <a:r>
+              <a:rPr lang="en-US" dirty="0" smtClean="0"/>
+              <a:t>Case sharing case workflow:</a:t>
+            </a:r>
             <a:endParaRPr lang="en-US" dirty="0"/>
           </a:p>
         </p:txBody>
       </p:sp>
+      <p:pic>
+        <p:nvPicPr>
+          <p:cNvPr id="4" name="Picture 3"/>
+          <p:cNvPicPr>
+            <a:picLocks noChangeAspect="1"/>
+          </p:cNvPicPr>
+          <p:nvPr/>
+        </p:nvPicPr>
+        <p:blipFill>
+          <a:blip r:embed="rId2">
+            <a:extLst>
+              <a:ext uri="{28A0092B-C50C-407E-A947-70E740481C1C}">
+                <a14:useLocalDpi xmlns:a14="http://schemas.microsoft.com/office/drawing/2010/main" val="0"/>
+              </a:ext>
+            </a:extLst>
+          </a:blip>
+          <a:stretch>
+            <a:fillRect/>
+          </a:stretch>
+        </p:blipFill>
+        <p:spPr>
+          <a:xfrm>
+            <a:off x="1094873" y="2671011"/>
+            <a:ext cx="1130968" cy="1130968"/>
+          </a:xfrm>
+          <a:prstGeom prst="rect">
+            <a:avLst/>
+          </a:prstGeom>
+        </p:spPr>
+      </p:pic>
+      <p:pic>
+        <p:nvPicPr>
+          <p:cNvPr id="5" name="Picture 4"/>
+          <p:cNvPicPr>
+            <a:picLocks noChangeAspect="1"/>
+          </p:cNvPicPr>
+          <p:nvPr/>
+        </p:nvPicPr>
+        <p:blipFill>
+          <a:blip r:embed="rId3">
+            <a:extLst>
+              <a:ext uri="{28A0092B-C50C-407E-A947-70E740481C1C}">
+                <a14:useLocalDpi xmlns:a14="http://schemas.microsoft.com/office/drawing/2010/main" val="0"/>
+              </a:ext>
+            </a:extLst>
+          </a:blip>
+          <a:stretch>
+            <a:fillRect/>
+          </a:stretch>
+        </p:blipFill>
+        <p:spPr>
+          <a:xfrm>
+            <a:off x="649706" y="4251522"/>
+            <a:ext cx="2015288" cy="2015288"/>
+          </a:xfrm>
+          <a:prstGeom prst="rect">
+            <a:avLst/>
+          </a:prstGeom>
+        </p:spPr>
+      </p:pic>
+      <p:sp>
+        <p:nvSpPr>
+          <p:cNvPr id="6" name="TextBox 5"/>
+          <p:cNvSpPr txBox="1"/>
+          <p:nvPr/>
+        </p:nvSpPr>
+        <p:spPr>
+          <a:xfrm>
+            <a:off x="962525" y="3871799"/>
+            <a:ext cx="1395664" cy="369332"/>
+          </a:xfrm>
+          <a:prstGeom prst="rect">
+            <a:avLst/>
+          </a:prstGeom>
+          <a:noFill/>
+        </p:spPr>
+        <p:txBody>
+          <a:bodyPr wrap="square" rtlCol="0">
+            <a:spAutoFit/>
+          </a:bodyPr>
+          <a:lstStyle/>
+          <a:p>
+            <a:pPr algn="ctr"/>
+            <a:r>
+              <a:rPr lang="en-US" dirty="0" err="1" smtClean="0"/>
+              <a:t>Susy</a:t>
+            </a:r>
+            <a:endParaRPr lang="en-US" dirty="0"/>
+          </a:p>
+        </p:txBody>
+      </p:sp>
+      <p:sp>
+        <p:nvSpPr>
+          <p:cNvPr id="7" name="TextBox 6"/>
+          <p:cNvSpPr txBox="1"/>
+          <p:nvPr/>
+        </p:nvSpPr>
+        <p:spPr>
+          <a:xfrm>
+            <a:off x="962525" y="6067561"/>
+            <a:ext cx="1395664" cy="369332"/>
+          </a:xfrm>
+          <a:prstGeom prst="rect">
+            <a:avLst/>
+          </a:prstGeom>
+          <a:noFill/>
+        </p:spPr>
+        <p:txBody>
+          <a:bodyPr wrap="square" rtlCol="0">
+            <a:spAutoFit/>
+          </a:bodyPr>
+          <a:lstStyle/>
+          <a:p>
+            <a:pPr algn="ctr"/>
+            <a:r>
+              <a:rPr lang="en-US" dirty="0" smtClean="0"/>
+              <a:t>Bob</a:t>
+            </a:r>
+            <a:endParaRPr lang="en-US" dirty="0"/>
+          </a:p>
+        </p:txBody>
+      </p:sp>
+      <p:pic>
+        <p:nvPicPr>
+          <p:cNvPr id="13" name="Content Placeholder 3"/>
+          <p:cNvPicPr>
+            <a:picLocks noChangeAspect="1"/>
+          </p:cNvPicPr>
+          <p:nvPr/>
+        </p:nvPicPr>
+        <p:blipFill>
+          <a:blip r:embed="rId4">
+            <a:extLst>
+              <a:ext uri="{28A0092B-C50C-407E-A947-70E740481C1C}">
+                <a14:useLocalDpi xmlns:a14="http://schemas.microsoft.com/office/drawing/2010/main" val="0"/>
+              </a:ext>
+            </a:extLst>
+          </a:blip>
+          <a:stretch>
+            <a:fillRect/>
+          </a:stretch>
+        </p:blipFill>
+        <p:spPr bwMode="auto">
+          <a:xfrm>
+            <a:off x="2984835" y="5259166"/>
+            <a:ext cx="417094" cy="417094"/>
+          </a:xfrm>
+          <a:prstGeom prst="rect">
+            <a:avLst/>
+          </a:prstGeom>
+          <a:noFill/>
+          <a:ln w="9525">
+            <a:noFill/>
+            <a:miter lim="800000"/>
+            <a:headEnd/>
+            <a:tailEnd/>
+          </a:ln>
+        </p:spPr>
+      </p:pic>
+      <p:pic>
+        <p:nvPicPr>
+          <p:cNvPr id="14" name="Content Placeholder 3"/>
+          <p:cNvPicPr>
+            <a:picLocks noChangeAspect="1"/>
+          </p:cNvPicPr>
+          <p:nvPr/>
+        </p:nvPicPr>
+        <p:blipFill>
+          <a:blip r:embed="rId4">
+            <a:extLst>
+              <a:ext uri="{28A0092B-C50C-407E-A947-70E740481C1C}">
+                <a14:useLocalDpi xmlns:a14="http://schemas.microsoft.com/office/drawing/2010/main" val="0"/>
+              </a:ext>
+            </a:extLst>
+          </a:blip>
+          <a:stretch>
+            <a:fillRect/>
+          </a:stretch>
+        </p:blipFill>
+        <p:spPr bwMode="auto">
+          <a:xfrm>
+            <a:off x="5307929" y="5259166"/>
+            <a:ext cx="417094" cy="417094"/>
+          </a:xfrm>
+          <a:prstGeom prst="rect">
+            <a:avLst/>
+          </a:prstGeom>
+          <a:noFill/>
+          <a:ln w="9525">
+            <a:noFill/>
+            <a:miter lim="800000"/>
+            <a:headEnd/>
+            <a:tailEnd/>
+          </a:ln>
+        </p:spPr>
+      </p:pic>
+      <p:pic>
+        <p:nvPicPr>
+          <p:cNvPr id="15" name="Content Placeholder 3"/>
+          <p:cNvPicPr>
+            <a:picLocks noChangeAspect="1"/>
+          </p:cNvPicPr>
+          <p:nvPr/>
+        </p:nvPicPr>
+        <p:blipFill>
+          <a:blip r:embed="rId4">
+            <a:extLst>
+              <a:ext uri="{28A0092B-C50C-407E-A947-70E740481C1C}">
+                <a14:useLocalDpi xmlns:a14="http://schemas.microsoft.com/office/drawing/2010/main" val="0"/>
+              </a:ext>
+            </a:extLst>
+          </a:blip>
+          <a:stretch>
+            <a:fillRect/>
+          </a:stretch>
+        </p:blipFill>
+        <p:spPr bwMode="auto">
+          <a:xfrm>
+            <a:off x="4572000" y="5259166"/>
+            <a:ext cx="417094" cy="417094"/>
+          </a:xfrm>
+          <a:prstGeom prst="rect">
+            <a:avLst/>
+          </a:prstGeom>
+          <a:noFill/>
+          <a:ln w="9525">
+            <a:noFill/>
+            <a:miter lim="800000"/>
+            <a:headEnd/>
+            <a:tailEnd/>
+          </a:ln>
+        </p:spPr>
+      </p:pic>
+      <p:pic>
+        <p:nvPicPr>
+          <p:cNvPr id="16" name="Content Placeholder 3"/>
+          <p:cNvPicPr>
+            <a:picLocks noChangeAspect="1"/>
+          </p:cNvPicPr>
+          <p:nvPr/>
+        </p:nvPicPr>
+        <p:blipFill>
+          <a:blip r:embed="rId4">
+            <a:extLst>
+              <a:ext uri="{28A0092B-C50C-407E-A947-70E740481C1C}">
+                <a14:useLocalDpi xmlns:a14="http://schemas.microsoft.com/office/drawing/2010/main" val="0"/>
+              </a:ext>
+            </a:extLst>
+          </a:blip>
+          <a:stretch>
+            <a:fillRect/>
+          </a:stretch>
+        </p:blipFill>
+        <p:spPr bwMode="auto">
+          <a:xfrm>
+            <a:off x="3743829" y="5259166"/>
+            <a:ext cx="417094" cy="417094"/>
+          </a:xfrm>
+          <a:prstGeom prst="rect">
+            <a:avLst/>
+          </a:prstGeom>
+          <a:noFill/>
+          <a:ln w="9525">
+            <a:noFill/>
+            <a:miter lim="800000"/>
+            <a:headEnd/>
+            <a:tailEnd/>
+          </a:ln>
+        </p:spPr>
+      </p:pic>
+      <p:sp>
+        <p:nvSpPr>
+          <p:cNvPr id="17" name="TextBox 16"/>
+          <p:cNvSpPr txBox="1"/>
+          <p:nvPr/>
+        </p:nvSpPr>
+        <p:spPr>
+          <a:xfrm>
+            <a:off x="4638175" y="4800963"/>
+            <a:ext cx="2622881" cy="369332"/>
+          </a:xfrm>
+          <a:prstGeom prst="rect">
+            <a:avLst/>
+          </a:prstGeom>
+          <a:noFill/>
+        </p:spPr>
+        <p:txBody>
+          <a:bodyPr wrap="square" rtlCol="0">
+            <a:spAutoFit/>
+          </a:bodyPr>
+          <a:lstStyle/>
+          <a:p>
+            <a:pPr algn="ctr"/>
+            <a:r>
+              <a:rPr lang="en-US" dirty="0" smtClean="0"/>
+              <a:t>Bob and </a:t>
+            </a:r>
+            <a:r>
+              <a:rPr lang="en-US" dirty="0" err="1" smtClean="0"/>
+              <a:t>Susy’s</a:t>
+            </a:r>
+            <a:r>
+              <a:rPr lang="en-US" dirty="0" smtClean="0"/>
+              <a:t> cases</a:t>
+            </a:r>
+            <a:endParaRPr lang="en-US" dirty="0"/>
+          </a:p>
+        </p:txBody>
+      </p:sp>
+      <p:pic>
+        <p:nvPicPr>
+          <p:cNvPr id="18" name="Content Placeholder 3"/>
+          <p:cNvPicPr>
+            <a:picLocks noChangeAspect="1"/>
+          </p:cNvPicPr>
+          <p:nvPr/>
+        </p:nvPicPr>
+        <p:blipFill>
+          <a:blip r:embed="rId4">
+            <a:extLst>
+              <a:ext uri="{28A0092B-C50C-407E-A947-70E740481C1C}">
+                <a14:useLocalDpi xmlns:a14="http://schemas.microsoft.com/office/drawing/2010/main" val="0"/>
+              </a:ext>
+            </a:extLst>
+          </a:blip>
+          <a:stretch>
+            <a:fillRect/>
+          </a:stretch>
+        </p:blipFill>
+        <p:spPr bwMode="auto">
+          <a:xfrm>
+            <a:off x="5949616" y="5259166"/>
+            <a:ext cx="417094" cy="417094"/>
+          </a:xfrm>
+          <a:prstGeom prst="rect">
+            <a:avLst/>
+          </a:prstGeom>
+          <a:noFill/>
+          <a:ln w="9525">
+            <a:noFill/>
+            <a:miter lim="800000"/>
+            <a:headEnd/>
+            <a:tailEnd/>
+          </a:ln>
+        </p:spPr>
+      </p:pic>
+      <p:pic>
+        <p:nvPicPr>
+          <p:cNvPr id="19" name="Content Placeholder 3"/>
+          <p:cNvPicPr>
+            <a:picLocks noChangeAspect="1"/>
+          </p:cNvPicPr>
+          <p:nvPr/>
+        </p:nvPicPr>
+        <p:blipFill>
+          <a:blip r:embed="rId4">
+            <a:extLst>
+              <a:ext uri="{28A0092B-C50C-407E-A947-70E740481C1C}">
+                <a14:useLocalDpi xmlns:a14="http://schemas.microsoft.com/office/drawing/2010/main" val="0"/>
+              </a:ext>
+            </a:extLst>
+          </a:blip>
+          <a:stretch>
+            <a:fillRect/>
+          </a:stretch>
+        </p:blipFill>
+        <p:spPr bwMode="auto">
+          <a:xfrm>
+            <a:off x="8364952" y="5259166"/>
+            <a:ext cx="417094" cy="417094"/>
+          </a:xfrm>
+          <a:prstGeom prst="rect">
+            <a:avLst/>
+          </a:prstGeom>
+          <a:noFill/>
+          <a:ln w="9525">
+            <a:noFill/>
+            <a:miter lim="800000"/>
+            <a:headEnd/>
+            <a:tailEnd/>
+          </a:ln>
+        </p:spPr>
+      </p:pic>
+      <p:pic>
+        <p:nvPicPr>
+          <p:cNvPr id="20" name="Content Placeholder 3"/>
+          <p:cNvPicPr>
+            <a:picLocks noChangeAspect="1"/>
+          </p:cNvPicPr>
+          <p:nvPr/>
+        </p:nvPicPr>
+        <p:blipFill>
+          <a:blip r:embed="rId4">
+            <a:extLst>
+              <a:ext uri="{28A0092B-C50C-407E-A947-70E740481C1C}">
+                <a14:useLocalDpi xmlns:a14="http://schemas.microsoft.com/office/drawing/2010/main" val="0"/>
+              </a:ext>
+            </a:extLst>
+          </a:blip>
+          <a:stretch>
+            <a:fillRect/>
+          </a:stretch>
+        </p:blipFill>
+        <p:spPr bwMode="auto">
+          <a:xfrm>
+            <a:off x="7536781" y="5259166"/>
+            <a:ext cx="417094" cy="417094"/>
+          </a:xfrm>
+          <a:prstGeom prst="rect">
+            <a:avLst/>
+          </a:prstGeom>
+          <a:noFill/>
+          <a:ln w="9525">
+            <a:noFill/>
+            <a:miter lim="800000"/>
+            <a:headEnd/>
+            <a:tailEnd/>
+          </a:ln>
+        </p:spPr>
+      </p:pic>
+      <p:pic>
+        <p:nvPicPr>
+          <p:cNvPr id="21" name="Content Placeholder 3"/>
+          <p:cNvPicPr>
+            <a:picLocks noChangeAspect="1"/>
+          </p:cNvPicPr>
+          <p:nvPr/>
+        </p:nvPicPr>
+        <p:blipFill>
+          <a:blip r:embed="rId4">
+            <a:extLst>
+              <a:ext uri="{28A0092B-C50C-407E-A947-70E740481C1C}">
+                <a14:useLocalDpi xmlns:a14="http://schemas.microsoft.com/office/drawing/2010/main" val="0"/>
+              </a:ext>
+            </a:extLst>
+          </a:blip>
+          <a:stretch>
+            <a:fillRect/>
+          </a:stretch>
+        </p:blipFill>
+        <p:spPr bwMode="auto">
+          <a:xfrm>
+            <a:off x="6708610" y="5259166"/>
+            <a:ext cx="417094" cy="417094"/>
+          </a:xfrm>
+          <a:prstGeom prst="rect">
+            <a:avLst/>
+          </a:prstGeom>
+          <a:noFill/>
+          <a:ln w="9525">
+            <a:noFill/>
+            <a:miter lim="800000"/>
+            <a:headEnd/>
+            <a:tailEnd/>
+          </a:ln>
+        </p:spPr>
+      </p:pic>
+      <p:pic>
+        <p:nvPicPr>
+          <p:cNvPr id="23" name="Content Placeholder 3"/>
+          <p:cNvPicPr>
+            <a:picLocks noChangeAspect="1"/>
+          </p:cNvPicPr>
+          <p:nvPr/>
+        </p:nvPicPr>
+        <p:blipFill>
+          <a:blip r:embed="rId4">
+            <a:extLst>
+              <a:ext uri="{28A0092B-C50C-407E-A947-70E740481C1C}">
+                <a14:useLocalDpi xmlns:a14="http://schemas.microsoft.com/office/drawing/2010/main" val="0"/>
+              </a:ext>
+            </a:extLst>
+          </a:blip>
+          <a:stretch>
+            <a:fillRect/>
+          </a:stretch>
+        </p:blipFill>
+        <p:spPr bwMode="auto">
+          <a:xfrm>
+            <a:off x="2984835" y="3169864"/>
+            <a:ext cx="417094" cy="417094"/>
+          </a:xfrm>
+          <a:prstGeom prst="rect">
+            <a:avLst/>
+          </a:prstGeom>
+          <a:noFill/>
+          <a:ln w="9525">
+            <a:noFill/>
+            <a:miter lim="800000"/>
+            <a:headEnd/>
+            <a:tailEnd/>
+          </a:ln>
+        </p:spPr>
+      </p:pic>
+      <p:pic>
+        <p:nvPicPr>
+          <p:cNvPr id="24" name="Content Placeholder 3"/>
+          <p:cNvPicPr>
+            <a:picLocks noChangeAspect="1"/>
+          </p:cNvPicPr>
+          <p:nvPr/>
+        </p:nvPicPr>
+        <p:blipFill>
+          <a:blip r:embed="rId4">
+            <a:extLst>
+              <a:ext uri="{28A0092B-C50C-407E-A947-70E740481C1C}">
+                <a14:useLocalDpi xmlns:a14="http://schemas.microsoft.com/office/drawing/2010/main" val="0"/>
+              </a:ext>
+            </a:extLst>
+          </a:blip>
+          <a:stretch>
+            <a:fillRect/>
+          </a:stretch>
+        </p:blipFill>
+        <p:spPr bwMode="auto">
+          <a:xfrm>
+            <a:off x="5307929" y="3169864"/>
+            <a:ext cx="417094" cy="417094"/>
+          </a:xfrm>
+          <a:prstGeom prst="rect">
+            <a:avLst/>
+          </a:prstGeom>
+          <a:noFill/>
+          <a:ln w="9525">
+            <a:noFill/>
+            <a:miter lim="800000"/>
+            <a:headEnd/>
+            <a:tailEnd/>
+          </a:ln>
+        </p:spPr>
+      </p:pic>
+      <p:pic>
+        <p:nvPicPr>
+          <p:cNvPr id="25" name="Content Placeholder 3"/>
+          <p:cNvPicPr>
+            <a:picLocks noChangeAspect="1"/>
+          </p:cNvPicPr>
+          <p:nvPr/>
+        </p:nvPicPr>
+        <p:blipFill>
+          <a:blip r:embed="rId4">
+            <a:extLst>
+              <a:ext uri="{28A0092B-C50C-407E-A947-70E740481C1C}">
+                <a14:useLocalDpi xmlns:a14="http://schemas.microsoft.com/office/drawing/2010/main" val="0"/>
+              </a:ext>
+            </a:extLst>
+          </a:blip>
+          <a:stretch>
+            <a:fillRect/>
+          </a:stretch>
+        </p:blipFill>
+        <p:spPr bwMode="auto">
+          <a:xfrm>
+            <a:off x="4572000" y="3169864"/>
+            <a:ext cx="417094" cy="417094"/>
+          </a:xfrm>
+          <a:prstGeom prst="rect">
+            <a:avLst/>
+          </a:prstGeom>
+          <a:noFill/>
+          <a:ln w="9525">
+            <a:noFill/>
+            <a:miter lim="800000"/>
+            <a:headEnd/>
+            <a:tailEnd/>
+          </a:ln>
+        </p:spPr>
+      </p:pic>
+      <p:pic>
+        <p:nvPicPr>
+          <p:cNvPr id="26" name="Content Placeholder 3"/>
+          <p:cNvPicPr>
+            <a:picLocks noChangeAspect="1"/>
+          </p:cNvPicPr>
+          <p:nvPr/>
+        </p:nvPicPr>
+        <p:blipFill>
+          <a:blip r:embed="rId4">
+            <a:extLst>
+              <a:ext uri="{28A0092B-C50C-407E-A947-70E740481C1C}">
+                <a14:useLocalDpi xmlns:a14="http://schemas.microsoft.com/office/drawing/2010/main" val="0"/>
+              </a:ext>
+            </a:extLst>
+          </a:blip>
+          <a:stretch>
+            <a:fillRect/>
+          </a:stretch>
+        </p:blipFill>
+        <p:spPr bwMode="auto">
+          <a:xfrm>
+            <a:off x="3743829" y="3169864"/>
+            <a:ext cx="417094" cy="417094"/>
+          </a:xfrm>
+          <a:prstGeom prst="rect">
+            <a:avLst/>
+          </a:prstGeom>
+          <a:noFill/>
+          <a:ln w="9525">
+            <a:noFill/>
+            <a:miter lim="800000"/>
+            <a:headEnd/>
+            <a:tailEnd/>
+          </a:ln>
+        </p:spPr>
+      </p:pic>
+      <p:sp>
+        <p:nvSpPr>
+          <p:cNvPr id="27" name="TextBox 26"/>
+          <p:cNvSpPr txBox="1"/>
+          <p:nvPr/>
+        </p:nvSpPr>
+        <p:spPr>
+          <a:xfrm>
+            <a:off x="4638175" y="2711661"/>
+            <a:ext cx="2622881" cy="369332"/>
+          </a:xfrm>
+          <a:prstGeom prst="rect">
+            <a:avLst/>
+          </a:prstGeom>
+          <a:noFill/>
+        </p:spPr>
+        <p:txBody>
+          <a:bodyPr wrap="square" rtlCol="0">
+            <a:spAutoFit/>
+          </a:bodyPr>
+          <a:lstStyle/>
+          <a:p>
+            <a:pPr algn="ctr"/>
+            <a:r>
+              <a:rPr lang="en-US" dirty="0" smtClean="0"/>
+              <a:t>Bob and </a:t>
+            </a:r>
+            <a:r>
+              <a:rPr lang="en-US" dirty="0" err="1" smtClean="0"/>
+              <a:t>Susy’s</a:t>
+            </a:r>
+            <a:r>
+              <a:rPr lang="en-US" dirty="0" smtClean="0"/>
+              <a:t> cases</a:t>
+            </a:r>
+            <a:endParaRPr lang="en-US" dirty="0"/>
+          </a:p>
+        </p:txBody>
+      </p:sp>
+      <p:pic>
+        <p:nvPicPr>
+          <p:cNvPr id="28" name="Content Placeholder 3"/>
+          <p:cNvPicPr>
+            <a:picLocks noChangeAspect="1"/>
+          </p:cNvPicPr>
+          <p:nvPr/>
+        </p:nvPicPr>
+        <p:blipFill>
+          <a:blip r:embed="rId4">
+            <a:extLst>
+              <a:ext uri="{28A0092B-C50C-407E-A947-70E740481C1C}">
+                <a14:useLocalDpi xmlns:a14="http://schemas.microsoft.com/office/drawing/2010/main" val="0"/>
+              </a:ext>
+            </a:extLst>
+          </a:blip>
+          <a:stretch>
+            <a:fillRect/>
+          </a:stretch>
+        </p:blipFill>
+        <p:spPr bwMode="auto">
+          <a:xfrm>
+            <a:off x="5949616" y="3169864"/>
+            <a:ext cx="417094" cy="417094"/>
+          </a:xfrm>
+          <a:prstGeom prst="rect">
+            <a:avLst/>
+          </a:prstGeom>
+          <a:noFill/>
+          <a:ln w="9525">
+            <a:noFill/>
+            <a:miter lim="800000"/>
+            <a:headEnd/>
+            <a:tailEnd/>
+          </a:ln>
+        </p:spPr>
+      </p:pic>
+      <p:pic>
+        <p:nvPicPr>
+          <p:cNvPr id="29" name="Content Placeholder 3"/>
+          <p:cNvPicPr>
+            <a:picLocks noChangeAspect="1"/>
+          </p:cNvPicPr>
+          <p:nvPr/>
+        </p:nvPicPr>
+        <p:blipFill>
+          <a:blip r:embed="rId4">
+            <a:extLst>
+              <a:ext uri="{28A0092B-C50C-407E-A947-70E740481C1C}">
+                <a14:useLocalDpi xmlns:a14="http://schemas.microsoft.com/office/drawing/2010/main" val="0"/>
+              </a:ext>
+            </a:extLst>
+          </a:blip>
+          <a:stretch>
+            <a:fillRect/>
+          </a:stretch>
+        </p:blipFill>
+        <p:spPr bwMode="auto">
+          <a:xfrm>
+            <a:off x="8364952" y="3169864"/>
+            <a:ext cx="417094" cy="417094"/>
+          </a:xfrm>
+          <a:prstGeom prst="rect">
+            <a:avLst/>
+          </a:prstGeom>
+          <a:noFill/>
+          <a:ln w="9525">
+            <a:noFill/>
+            <a:miter lim="800000"/>
+            <a:headEnd/>
+            <a:tailEnd/>
+          </a:ln>
+        </p:spPr>
+      </p:pic>
+      <p:pic>
+        <p:nvPicPr>
+          <p:cNvPr id="30" name="Content Placeholder 3"/>
+          <p:cNvPicPr>
+            <a:picLocks noChangeAspect="1"/>
+          </p:cNvPicPr>
+          <p:nvPr/>
+        </p:nvPicPr>
+        <p:blipFill>
+          <a:blip r:embed="rId4">
+            <a:extLst>
+              <a:ext uri="{28A0092B-C50C-407E-A947-70E740481C1C}">
+                <a14:useLocalDpi xmlns:a14="http://schemas.microsoft.com/office/drawing/2010/main" val="0"/>
+              </a:ext>
+            </a:extLst>
+          </a:blip>
+          <a:stretch>
+            <a:fillRect/>
+          </a:stretch>
+        </p:blipFill>
+        <p:spPr bwMode="auto">
+          <a:xfrm>
+            <a:off x="7536781" y="3169864"/>
+            <a:ext cx="417094" cy="417094"/>
+          </a:xfrm>
+          <a:prstGeom prst="rect">
+            <a:avLst/>
+          </a:prstGeom>
+          <a:noFill/>
+          <a:ln w="9525">
+            <a:noFill/>
+            <a:miter lim="800000"/>
+            <a:headEnd/>
+            <a:tailEnd/>
+          </a:ln>
+        </p:spPr>
+      </p:pic>
+      <p:pic>
+        <p:nvPicPr>
+          <p:cNvPr id="31" name="Content Placeholder 3"/>
+          <p:cNvPicPr>
+            <a:picLocks noChangeAspect="1"/>
+          </p:cNvPicPr>
+          <p:nvPr/>
+        </p:nvPicPr>
+        <p:blipFill>
+          <a:blip r:embed="rId4">
+            <a:extLst>
+              <a:ext uri="{28A0092B-C50C-407E-A947-70E740481C1C}">
+                <a14:useLocalDpi xmlns:a14="http://schemas.microsoft.com/office/drawing/2010/main" val="0"/>
+              </a:ext>
+            </a:extLst>
+          </a:blip>
+          <a:stretch>
+            <a:fillRect/>
+          </a:stretch>
+        </p:blipFill>
+        <p:spPr bwMode="auto">
+          <a:xfrm>
+            <a:off x="6708610" y="3169864"/>
+            <a:ext cx="417094" cy="417094"/>
+          </a:xfrm>
+          <a:prstGeom prst="rect">
+            <a:avLst/>
+          </a:prstGeom>
+          <a:noFill/>
+          <a:ln w="9525">
+            <a:noFill/>
+            <a:miter lim="800000"/>
+            <a:headEnd/>
+            <a:tailEnd/>
+          </a:ln>
+        </p:spPr>
+      </p:pic>
     </p:spTree>
     <p:extLst>
       <p:ext uri="{BB962C8B-B14F-4D97-AF65-F5344CB8AC3E}">
-        <p14:creationId xmlns:p14="http://schemas.microsoft.com/office/powerpoint/2010/main" val="796572541"/>
+        <p14:creationId xmlns:p14="http://schemas.microsoft.com/office/powerpoint/2010/main" val="117282628"/>
+      </p:ext>
+    </p:extLst>
+  </p:cSld>
+  <p:clrMapOvr>
+    <a:masterClrMapping/>
+  </p:clrMapOvr>
+</p:sld>
+</file>
+
+<file path=ppt/slides/slide13.xml><?xml version="1.0" encoding="utf-8"?>
+<p:sld xmlns:a="http://schemas.openxmlformats.org/drawingml/2006/main" xmlns:r="http://schemas.openxmlformats.org/officeDocument/2006/relationships" xmlns:p="http://schemas.openxmlformats.org/presentationml/2006/main">
+  <p:cSld>
+    <p:spTree>
+      <p:nvGrpSpPr>
+        <p:cNvPr id="1" name=""/>
+        <p:cNvGrpSpPr/>
+        <p:nvPr/>
+      </p:nvGrpSpPr>
+      <p:grpSpPr>
+        <a:xfrm>
+          <a:off x="0" y="0"/>
+          <a:ext cx="0" cy="0"/>
+          <a:chOff x="0" y="0"/>
+          <a:chExt cx="0" cy="0"/>
+        </a:xfrm>
+      </p:grpSpPr>
+      <p:sp>
+        <p:nvSpPr>
+          <p:cNvPr id="2" name="Title 1"/>
+          <p:cNvSpPr>
+            <a:spLocks noGrp="1"/>
+          </p:cNvSpPr>
+          <p:nvPr>
+            <p:ph type="title"/>
+          </p:nvPr>
+        </p:nvSpPr>
+        <p:spPr/>
+        <p:txBody>
+          <a:bodyPr/>
+          <a:lstStyle/>
+          <a:p>
+            <a:r>
+              <a:rPr lang="en-US" dirty="0" smtClean="0"/>
+              <a:t>Case Sharing Caveats</a:t>
+            </a:r>
+            <a:endParaRPr lang="en-US" dirty="0"/>
+          </a:p>
+        </p:txBody>
+      </p:sp>
+      <p:sp>
+        <p:nvSpPr>
+          <p:cNvPr id="3" name="Content Placeholder 2"/>
+          <p:cNvSpPr>
+            <a:spLocks noGrp="1"/>
+          </p:cNvSpPr>
+          <p:nvPr>
+            <p:ph idx="1"/>
+          </p:nvPr>
+        </p:nvSpPr>
+        <p:spPr/>
+        <p:txBody>
+          <a:bodyPr/>
+          <a:lstStyle/>
+          <a:p>
+            <a:r>
+              <a:rPr lang="en-US" b="1" dirty="0"/>
+              <a:t>A</a:t>
+            </a:r>
+            <a:r>
+              <a:rPr lang="en-US" b="1" dirty="0" smtClean="0"/>
+              <a:t>ll </a:t>
+            </a:r>
+            <a:r>
+              <a:rPr lang="en-US" b="1" dirty="0"/>
+              <a:t>users must be in exactly one case sharing </a:t>
+            </a:r>
+            <a:r>
+              <a:rPr lang="en-US" b="1" dirty="0" smtClean="0"/>
+              <a:t>group</a:t>
+            </a:r>
+          </a:p>
+          <a:p>
+            <a:r>
+              <a:rPr lang="en-US" b="1" dirty="0"/>
+              <a:t>Users not in a case sharing group will cause </a:t>
+            </a:r>
+            <a:r>
+              <a:rPr lang="en-US" b="1" dirty="0" smtClean="0"/>
+              <a:t>errors</a:t>
+            </a:r>
+            <a:endParaRPr lang="en-US" b="1" dirty="0"/>
+          </a:p>
+          <a:p>
+            <a:r>
+              <a:rPr lang="en-US" b="1" dirty="0"/>
+              <a:t>Users in more than one group will cause errors if they ever create a case</a:t>
+            </a:r>
+            <a:endParaRPr lang="en-US" dirty="0"/>
+          </a:p>
+        </p:txBody>
+      </p:sp>
+    </p:spTree>
+    <p:extLst>
+      <p:ext uri="{BB962C8B-B14F-4D97-AF65-F5344CB8AC3E}">
+        <p14:creationId xmlns:p14="http://schemas.microsoft.com/office/powerpoint/2010/main" val="781877369"/>
+      </p:ext>
+    </p:extLst>
+  </p:cSld>
+  <p:clrMapOvr>
+    <a:masterClrMapping/>
+  </p:clrMapOvr>
+</p:sld>
+</file>
+
+<file path=ppt/slides/slide14.xml><?xml version="1.0" encoding="utf-8"?>
+<p:sld xmlns:a="http://schemas.openxmlformats.org/drawingml/2006/main" xmlns:r="http://schemas.openxmlformats.org/officeDocument/2006/relationships" xmlns:p="http://schemas.openxmlformats.org/presentationml/2006/main">
+  <p:cSld>
+    <p:spTree>
+      <p:nvGrpSpPr>
+        <p:cNvPr id="1" name=""/>
+        <p:cNvGrpSpPr/>
+        <p:nvPr/>
+      </p:nvGrpSpPr>
+      <p:grpSpPr>
+        <a:xfrm>
+          <a:off x="0" y="0"/>
+          <a:ext cx="0" cy="0"/>
+          <a:chOff x="0" y="0"/>
+          <a:chExt cx="0" cy="0"/>
+        </a:xfrm>
+      </p:grpSpPr>
+      <p:sp>
+        <p:nvSpPr>
+          <p:cNvPr id="2" name="Title 1"/>
+          <p:cNvSpPr>
+            <a:spLocks noGrp="1"/>
+          </p:cNvSpPr>
+          <p:nvPr>
+            <p:ph type="title"/>
+          </p:nvPr>
+        </p:nvSpPr>
+        <p:spPr/>
+        <p:txBody>
+          <a:bodyPr/>
+          <a:lstStyle/>
+          <a:p>
+            <a:r>
+              <a:rPr lang="en-US" dirty="0" smtClean="0"/>
+              <a:t>Case Activity: Case Sharing</a:t>
+            </a:r>
+            <a:endParaRPr lang="en-US" dirty="0"/>
+          </a:p>
+        </p:txBody>
+      </p:sp>
+      <p:sp>
+        <p:nvSpPr>
+          <p:cNvPr id="3" name="Content Placeholder 2"/>
+          <p:cNvSpPr>
+            <a:spLocks noGrp="1"/>
+          </p:cNvSpPr>
+          <p:nvPr>
+            <p:ph idx="1"/>
+          </p:nvPr>
+        </p:nvSpPr>
+        <p:spPr/>
+        <p:txBody>
+          <a:bodyPr/>
+          <a:lstStyle/>
+          <a:p>
+            <a:r>
+              <a:rPr lang="en-US" dirty="0" smtClean="0"/>
+              <a:t>Make two mobile workers</a:t>
+            </a:r>
+          </a:p>
+          <a:p>
+            <a:r>
+              <a:rPr lang="en-US" dirty="0" smtClean="0"/>
+              <a:t>Submit data with both mobile workers</a:t>
+            </a:r>
+          </a:p>
+          <a:p>
+            <a:r>
+              <a:rPr lang="en-US" dirty="0" smtClean="0"/>
+              <a:t>See that the cases show up in both phones</a:t>
+            </a:r>
+            <a:endParaRPr lang="en-US" dirty="0"/>
+          </a:p>
+        </p:txBody>
+      </p:sp>
+    </p:spTree>
+    <p:extLst>
+      <p:ext uri="{BB962C8B-B14F-4D97-AF65-F5344CB8AC3E}">
+        <p14:creationId xmlns:p14="http://schemas.microsoft.com/office/powerpoint/2010/main" val="1223768012"/>
+      </p:ext>
+    </p:extLst>
+  </p:cSld>
+  <p:clrMapOvr>
+    <a:masterClrMapping/>
+  </p:clrMapOvr>
+</p:sld>
+</file>
+
+<file path=ppt/slides/slide15.xml><?xml version="1.0" encoding="utf-8"?>
+<p:sld xmlns:a="http://schemas.openxmlformats.org/drawingml/2006/main" xmlns:r="http://schemas.openxmlformats.org/officeDocument/2006/relationships" xmlns:p="http://schemas.openxmlformats.org/presentationml/2006/main">
+  <p:cSld>
+    <p:spTree>
+      <p:nvGrpSpPr>
+        <p:cNvPr id="1" name=""/>
+        <p:cNvGrpSpPr/>
+        <p:nvPr/>
+      </p:nvGrpSpPr>
+      <p:grpSpPr>
+        <a:xfrm>
+          <a:off x="0" y="0"/>
+          <a:ext cx="0" cy="0"/>
+          <a:chOff x="0" y="0"/>
+          <a:chExt cx="0" cy="0"/>
+        </a:xfrm>
+      </p:grpSpPr>
+      <p:sp>
+        <p:nvSpPr>
+          <p:cNvPr id="2" name="Title 1"/>
+          <p:cNvSpPr>
+            <a:spLocks noGrp="1"/>
+          </p:cNvSpPr>
+          <p:nvPr>
+            <p:ph type="title"/>
+          </p:nvPr>
+        </p:nvSpPr>
+        <p:spPr/>
+        <p:txBody>
+          <a:bodyPr/>
+          <a:lstStyle/>
+          <a:p>
+            <a:r>
+              <a:rPr lang="en-US" dirty="0" smtClean="0"/>
+              <a:t>Multiple Apps</a:t>
+            </a:r>
+            <a:endParaRPr lang="en-US" dirty="0"/>
+          </a:p>
+        </p:txBody>
+      </p:sp>
+      <p:sp>
+        <p:nvSpPr>
+          <p:cNvPr id="3" name="Content Placeholder 2"/>
+          <p:cNvSpPr>
+            <a:spLocks noGrp="1"/>
+          </p:cNvSpPr>
+          <p:nvPr>
+            <p:ph idx="1"/>
+          </p:nvPr>
+        </p:nvSpPr>
+        <p:spPr/>
+        <p:txBody>
+          <a:bodyPr/>
+          <a:lstStyle/>
+          <a:p>
+            <a:r>
+              <a:rPr lang="en-US" dirty="0" smtClean="0"/>
+              <a:t>Case Types can be shared across a _domain_. That means case types case be shared in different applications</a:t>
+            </a:r>
+          </a:p>
+        </p:txBody>
+      </p:sp>
+      <p:pic>
+        <p:nvPicPr>
+          <p:cNvPr id="4" name="Content Placeholder 3"/>
+          <p:cNvPicPr>
+            <a:picLocks noChangeAspect="1"/>
+          </p:cNvPicPr>
+          <p:nvPr/>
+        </p:nvPicPr>
+        <p:blipFill>
+          <a:blip r:embed="rId2">
+            <a:extLst>
+              <a:ext uri="{28A0092B-C50C-407E-A947-70E740481C1C}">
+                <a14:useLocalDpi xmlns:a14="http://schemas.microsoft.com/office/drawing/2010/main" val="0"/>
+              </a:ext>
+            </a:extLst>
+          </a:blip>
+          <a:stretch>
+            <a:fillRect/>
+          </a:stretch>
+        </p:blipFill>
+        <p:spPr bwMode="auto">
+          <a:xfrm>
+            <a:off x="3873712" y="2623789"/>
+            <a:ext cx="1195322" cy="1195322"/>
+          </a:xfrm>
+          <a:prstGeom prst="rect">
+            <a:avLst/>
+          </a:prstGeom>
+          <a:noFill/>
+          <a:ln w="9525">
+            <a:noFill/>
+            <a:miter lim="800000"/>
+            <a:headEnd/>
+            <a:tailEnd/>
+          </a:ln>
+        </p:spPr>
+      </p:pic>
+      <p:pic>
+        <p:nvPicPr>
+          <p:cNvPr id="5" name="Picture 4"/>
+          <p:cNvPicPr>
+            <a:picLocks noChangeAspect="1"/>
+          </p:cNvPicPr>
+          <p:nvPr/>
+        </p:nvPicPr>
+        <p:blipFill>
+          <a:blip r:embed="rId3">
+            <a:extLst>
+              <a:ext uri="{28A0092B-C50C-407E-A947-70E740481C1C}">
+                <a14:useLocalDpi xmlns:a14="http://schemas.microsoft.com/office/drawing/2010/main" val="0"/>
+              </a:ext>
+            </a:extLst>
+          </a:blip>
+          <a:stretch>
+            <a:fillRect/>
+          </a:stretch>
+        </p:blipFill>
+        <p:spPr>
+          <a:xfrm>
+            <a:off x="2684046" y="4440198"/>
+            <a:ext cx="1263315" cy="1263315"/>
+          </a:xfrm>
+          <a:prstGeom prst="rect">
+            <a:avLst/>
+          </a:prstGeom>
+        </p:spPr>
+      </p:pic>
+      <p:pic>
+        <p:nvPicPr>
+          <p:cNvPr id="6" name="Picture 5"/>
+          <p:cNvPicPr>
+            <a:picLocks noChangeAspect="1"/>
+          </p:cNvPicPr>
+          <p:nvPr/>
+        </p:nvPicPr>
+        <p:blipFill>
+          <a:blip r:embed="rId3">
+            <a:extLst>
+              <a:ext uri="{28A0092B-C50C-407E-A947-70E740481C1C}">
+                <a14:useLocalDpi xmlns:a14="http://schemas.microsoft.com/office/drawing/2010/main" val="0"/>
+              </a:ext>
+            </a:extLst>
+          </a:blip>
+          <a:stretch>
+            <a:fillRect/>
+          </a:stretch>
+        </p:blipFill>
+        <p:spPr>
+          <a:xfrm>
+            <a:off x="3873712" y="4440198"/>
+            <a:ext cx="1263315" cy="1263315"/>
+          </a:xfrm>
+          <a:prstGeom prst="rect">
+            <a:avLst/>
+          </a:prstGeom>
+        </p:spPr>
+      </p:pic>
+      <p:pic>
+        <p:nvPicPr>
+          <p:cNvPr id="7" name="Picture 6"/>
+          <p:cNvPicPr>
+            <a:picLocks noChangeAspect="1"/>
+          </p:cNvPicPr>
+          <p:nvPr/>
+        </p:nvPicPr>
+        <p:blipFill>
+          <a:blip r:embed="rId3">
+            <a:extLst>
+              <a:ext uri="{28A0092B-C50C-407E-A947-70E740481C1C}">
+                <a14:useLocalDpi xmlns:a14="http://schemas.microsoft.com/office/drawing/2010/main" val="0"/>
+              </a:ext>
+            </a:extLst>
+          </a:blip>
+          <a:stretch>
+            <a:fillRect/>
+          </a:stretch>
+        </p:blipFill>
+        <p:spPr>
+          <a:xfrm>
+            <a:off x="5229269" y="4440197"/>
+            <a:ext cx="1263315" cy="1263315"/>
+          </a:xfrm>
+          <a:prstGeom prst="rect">
+            <a:avLst/>
+          </a:prstGeom>
+        </p:spPr>
+      </p:pic>
+      <p:sp>
+        <p:nvSpPr>
+          <p:cNvPr id="8" name="TextBox 7"/>
+          <p:cNvSpPr txBox="1"/>
+          <p:nvPr/>
+        </p:nvSpPr>
+        <p:spPr>
+          <a:xfrm>
+            <a:off x="2935705" y="3819111"/>
+            <a:ext cx="3296653" cy="369332"/>
+          </a:xfrm>
+          <a:prstGeom prst="rect">
+            <a:avLst/>
+          </a:prstGeom>
+          <a:noFill/>
+        </p:spPr>
+        <p:txBody>
+          <a:bodyPr wrap="square" rtlCol="0">
+            <a:spAutoFit/>
+          </a:bodyPr>
+          <a:lstStyle/>
+          <a:p>
+            <a:pPr algn="ctr"/>
+            <a:r>
+              <a:rPr lang="en-US" smtClean="0"/>
+              <a:t>One case many apps</a:t>
+            </a:r>
+            <a:endParaRPr lang="en-US"/>
+          </a:p>
+        </p:txBody>
+      </p:sp>
+    </p:spTree>
+    <p:extLst>
+      <p:ext uri="{BB962C8B-B14F-4D97-AF65-F5344CB8AC3E}">
+        <p14:creationId xmlns:p14="http://schemas.microsoft.com/office/powerpoint/2010/main" val="1958452980"/>
+      </p:ext>
+    </p:extLst>
+  </p:cSld>
+  <p:clrMapOvr>
+    <a:masterClrMapping/>
+  </p:clrMapOvr>
+</p:sld>
+</file>
+
+<file path=ppt/slides/slide16.xml><?xml version="1.0" encoding="utf-8"?>
+<p:sld xmlns:a="http://schemas.openxmlformats.org/drawingml/2006/main" xmlns:r="http://schemas.openxmlformats.org/officeDocument/2006/relationships" xmlns:p="http://schemas.openxmlformats.org/presentationml/2006/main">
+  <p:cSld>
+    <p:spTree>
+      <p:nvGrpSpPr>
+        <p:cNvPr id="1" name=""/>
+        <p:cNvGrpSpPr/>
+        <p:nvPr/>
+      </p:nvGrpSpPr>
+      <p:grpSpPr>
+        <a:xfrm>
+          <a:off x="0" y="0"/>
+          <a:ext cx="0" cy="0"/>
+          <a:chOff x="0" y="0"/>
+          <a:chExt cx="0" cy="0"/>
+        </a:xfrm>
+      </p:grpSpPr>
+      <p:sp>
+        <p:nvSpPr>
+          <p:cNvPr id="2" name="Title 1"/>
+          <p:cNvSpPr>
+            <a:spLocks noGrp="1"/>
+          </p:cNvSpPr>
+          <p:nvPr>
+            <p:ph type="title"/>
+          </p:nvPr>
+        </p:nvSpPr>
+        <p:spPr/>
+        <p:txBody>
+          <a:bodyPr/>
+          <a:lstStyle/>
+          <a:p>
+            <a:r>
+              <a:rPr lang="en-US" dirty="0" smtClean="0"/>
+              <a:t>Case Activity: Multiple apps</a:t>
+            </a:r>
+            <a:endParaRPr lang="en-US" dirty="0"/>
+          </a:p>
+        </p:txBody>
+      </p:sp>
+      <p:sp>
+        <p:nvSpPr>
+          <p:cNvPr id="3" name="Content Placeholder 2"/>
+          <p:cNvSpPr>
+            <a:spLocks noGrp="1"/>
+          </p:cNvSpPr>
+          <p:nvPr>
+            <p:ph idx="1"/>
+          </p:nvPr>
+        </p:nvSpPr>
+        <p:spPr/>
+        <p:txBody>
+          <a:bodyPr/>
+          <a:lstStyle/>
+          <a:p>
+            <a:r>
+              <a:rPr lang="en-US" dirty="0" smtClean="0"/>
+              <a:t>Make a second app with the same case type</a:t>
+            </a:r>
+          </a:p>
+          <a:p>
+            <a:r>
+              <a:rPr lang="en-US" dirty="0" smtClean="0"/>
+              <a:t>See how the other cases get loaded</a:t>
+            </a:r>
+          </a:p>
+          <a:p>
+            <a:r>
+              <a:rPr lang="en-US" dirty="0" smtClean="0"/>
+              <a:t>See that the cases show up in the other application</a:t>
+            </a:r>
+          </a:p>
+          <a:p>
+            <a:endParaRPr lang="en-US" dirty="0"/>
+          </a:p>
+          <a:p>
+            <a:r>
+              <a:rPr lang="en-US" dirty="0" smtClean="0"/>
+              <a:t>New App: Humans of Mozambique</a:t>
+            </a:r>
+          </a:p>
+          <a:p>
+            <a:pPr lvl="1"/>
+            <a:r>
+              <a:rPr lang="en-US" dirty="0" smtClean="0"/>
+              <a:t> Module: Register Human</a:t>
+            </a:r>
+          </a:p>
+          <a:p>
+            <a:pPr lvl="2"/>
+            <a:r>
+              <a:rPr lang="en-US" dirty="0" smtClean="0"/>
+              <a:t>Form: Register a human</a:t>
+            </a:r>
+          </a:p>
+          <a:p>
+            <a:pPr lvl="3"/>
+            <a:r>
+              <a:rPr lang="en-US" dirty="0" smtClean="0"/>
+              <a:t>Name</a:t>
+            </a:r>
+          </a:p>
+          <a:p>
+            <a:pPr lvl="3"/>
+            <a:r>
+              <a:rPr lang="en-US" dirty="0" smtClean="0"/>
+              <a:t>Age</a:t>
+            </a:r>
+            <a:endParaRPr lang="en-US" dirty="0"/>
+          </a:p>
+        </p:txBody>
+      </p:sp>
+    </p:spTree>
+    <p:extLst>
+      <p:ext uri="{BB962C8B-B14F-4D97-AF65-F5344CB8AC3E}">
+        <p14:creationId xmlns:p14="http://schemas.microsoft.com/office/powerpoint/2010/main" val="2095147574"/>
       </p:ext>
     </p:extLst>
   </p:cSld>
@@ -3636,7 +5406,7 @@
           <a:p>
             <a:r>
               <a:rPr lang="en-US" dirty="0" smtClean="0"/>
-              <a:t>Case Sharing</a:t>
+              <a:t>Case Activity</a:t>
             </a:r>
             <a:endParaRPr lang="en-US" dirty="0"/>
           </a:p>
@@ -3652,503 +5422,39 @@
             <p:ph idx="1"/>
           </p:nvPr>
         </p:nvSpPr>
-        <p:spPr>
-          <a:xfrm>
-            <a:off x="457200" y="990601"/>
-            <a:ext cx="8229600" cy="669758"/>
-          </a:xfrm>
-        </p:spPr>
+        <p:spPr/>
         <p:txBody>
           <a:bodyPr/>
           <a:lstStyle/>
           <a:p>
             <a:r>
               <a:rPr lang="en-US" dirty="0" smtClean="0"/>
-              <a:t>Normal case workflow:</a:t>
-            </a:r>
-            <a:endParaRPr lang="en-US" dirty="0"/>
-          </a:p>
-        </p:txBody>
-      </p:sp>
-      <p:pic>
-        <p:nvPicPr>
-          <p:cNvPr id="4" name="Picture 3"/>
-          <p:cNvPicPr>
-            <a:picLocks noChangeAspect="1"/>
-          </p:cNvPicPr>
-          <p:nvPr/>
-        </p:nvPicPr>
-        <p:blipFill>
-          <a:blip r:embed="rId2">
-            <a:extLst>
-              <a:ext uri="{28A0092B-C50C-407E-A947-70E740481C1C}">
-                <a14:useLocalDpi xmlns:a14="http://schemas.microsoft.com/office/drawing/2010/main" val="0"/>
-              </a:ext>
-            </a:extLst>
-          </a:blip>
-          <a:stretch>
-            <a:fillRect/>
-          </a:stretch>
-        </p:blipFill>
-        <p:spPr>
-          <a:xfrm>
-            <a:off x="1094873" y="2671011"/>
-            <a:ext cx="1130968" cy="1130968"/>
-          </a:xfrm>
-          <a:prstGeom prst="rect">
-            <a:avLst/>
-          </a:prstGeom>
-        </p:spPr>
-      </p:pic>
-      <p:pic>
-        <p:nvPicPr>
-          <p:cNvPr id="5" name="Picture 4"/>
-          <p:cNvPicPr>
-            <a:picLocks noChangeAspect="1"/>
-          </p:cNvPicPr>
-          <p:nvPr/>
-        </p:nvPicPr>
-        <p:blipFill>
-          <a:blip r:embed="rId3">
-            <a:extLst>
-              <a:ext uri="{28A0092B-C50C-407E-A947-70E740481C1C}">
-                <a14:useLocalDpi xmlns:a14="http://schemas.microsoft.com/office/drawing/2010/main" val="0"/>
-              </a:ext>
-            </a:extLst>
-          </a:blip>
-          <a:stretch>
-            <a:fillRect/>
-          </a:stretch>
-        </p:blipFill>
-        <p:spPr>
-          <a:xfrm>
-            <a:off x="652713" y="4383141"/>
-            <a:ext cx="2015288" cy="2015288"/>
-          </a:xfrm>
-          <a:prstGeom prst="rect">
-            <a:avLst/>
-          </a:prstGeom>
-        </p:spPr>
-      </p:pic>
-      <p:sp>
-        <p:nvSpPr>
-          <p:cNvPr id="6" name="TextBox 5"/>
-          <p:cNvSpPr txBox="1"/>
-          <p:nvPr/>
-        </p:nvSpPr>
-        <p:spPr>
-          <a:xfrm>
-            <a:off x="962525" y="3871799"/>
-            <a:ext cx="1395664" cy="369332"/>
-          </a:xfrm>
-          <a:prstGeom prst="rect">
-            <a:avLst/>
-          </a:prstGeom>
-          <a:noFill/>
-        </p:spPr>
-        <p:txBody>
-          <a:bodyPr wrap="square" rtlCol="0">
-            <a:spAutoFit/>
-          </a:bodyPr>
-          <a:lstStyle/>
-          <a:p>
-            <a:pPr algn="ctr"/>
-            <a:r>
-              <a:rPr lang="en-US" dirty="0" err="1" smtClean="0"/>
-              <a:t>Susy</a:t>
-            </a:r>
-            <a:endParaRPr lang="en-US" dirty="0"/>
-          </a:p>
-        </p:txBody>
-      </p:sp>
-      <p:sp>
-        <p:nvSpPr>
-          <p:cNvPr id="7" name="TextBox 6"/>
-          <p:cNvSpPr txBox="1"/>
-          <p:nvPr/>
-        </p:nvSpPr>
-        <p:spPr>
-          <a:xfrm>
-            <a:off x="962525" y="6067561"/>
-            <a:ext cx="1395664" cy="369332"/>
-          </a:xfrm>
-          <a:prstGeom prst="rect">
-            <a:avLst/>
-          </a:prstGeom>
-          <a:noFill/>
-        </p:spPr>
-        <p:txBody>
-          <a:bodyPr wrap="square" rtlCol="0">
-            <a:spAutoFit/>
-          </a:bodyPr>
-          <a:lstStyle/>
-          <a:p>
-            <a:pPr algn="ctr"/>
-            <a:r>
-              <a:rPr lang="en-US" dirty="0" smtClean="0"/>
-              <a:t>Bob</a:t>
-            </a:r>
-            <a:endParaRPr lang="en-US" dirty="0"/>
-          </a:p>
-        </p:txBody>
-      </p:sp>
-      <p:pic>
-        <p:nvPicPr>
-          <p:cNvPr id="8" name="Content Placeholder 3"/>
-          <p:cNvPicPr>
-            <a:picLocks noChangeAspect="1"/>
-          </p:cNvPicPr>
-          <p:nvPr/>
-        </p:nvPicPr>
-        <p:blipFill>
-          <a:blip r:embed="rId4">
-            <a:extLst>
-              <a:ext uri="{28A0092B-C50C-407E-A947-70E740481C1C}">
-                <a14:useLocalDpi xmlns:a14="http://schemas.microsoft.com/office/drawing/2010/main" val="0"/>
-              </a:ext>
-            </a:extLst>
-          </a:blip>
-          <a:stretch>
-            <a:fillRect/>
-          </a:stretch>
-        </p:blipFill>
-        <p:spPr bwMode="auto">
-          <a:xfrm>
-            <a:off x="2984835" y="3027948"/>
-            <a:ext cx="417094" cy="417094"/>
-          </a:xfrm>
-          <a:prstGeom prst="rect">
-            <a:avLst/>
-          </a:prstGeom>
-          <a:noFill/>
-          <a:ln w="9525">
-            <a:noFill/>
-            <a:miter lim="800000"/>
-            <a:headEnd/>
-            <a:tailEnd/>
-          </a:ln>
-        </p:spPr>
-      </p:pic>
-      <p:pic>
-        <p:nvPicPr>
-          <p:cNvPr id="9" name="Content Placeholder 3"/>
-          <p:cNvPicPr>
-            <a:picLocks noChangeAspect="1"/>
-          </p:cNvPicPr>
-          <p:nvPr/>
-        </p:nvPicPr>
-        <p:blipFill>
-          <a:blip r:embed="rId4">
-            <a:extLst>
-              <a:ext uri="{28A0092B-C50C-407E-A947-70E740481C1C}">
-                <a14:useLocalDpi xmlns:a14="http://schemas.microsoft.com/office/drawing/2010/main" val="0"/>
-              </a:ext>
-            </a:extLst>
-          </a:blip>
-          <a:stretch>
-            <a:fillRect/>
-          </a:stretch>
-        </p:blipFill>
-        <p:spPr bwMode="auto">
-          <a:xfrm>
-            <a:off x="5400171" y="3027948"/>
-            <a:ext cx="417094" cy="417094"/>
-          </a:xfrm>
-          <a:prstGeom prst="rect">
-            <a:avLst/>
-          </a:prstGeom>
-          <a:noFill/>
-          <a:ln w="9525">
-            <a:noFill/>
-            <a:miter lim="800000"/>
-            <a:headEnd/>
-            <a:tailEnd/>
-          </a:ln>
-        </p:spPr>
-      </p:pic>
-      <p:pic>
-        <p:nvPicPr>
-          <p:cNvPr id="10" name="Content Placeholder 3"/>
-          <p:cNvPicPr>
-            <a:picLocks noChangeAspect="1"/>
-          </p:cNvPicPr>
-          <p:nvPr/>
-        </p:nvPicPr>
-        <p:blipFill>
-          <a:blip r:embed="rId4">
-            <a:extLst>
-              <a:ext uri="{28A0092B-C50C-407E-A947-70E740481C1C}">
-                <a14:useLocalDpi xmlns:a14="http://schemas.microsoft.com/office/drawing/2010/main" val="0"/>
-              </a:ext>
-            </a:extLst>
-          </a:blip>
-          <a:stretch>
-            <a:fillRect/>
-          </a:stretch>
-        </p:blipFill>
-        <p:spPr bwMode="auto">
-          <a:xfrm>
-            <a:off x="4572000" y="3027948"/>
-            <a:ext cx="417094" cy="417094"/>
-          </a:xfrm>
-          <a:prstGeom prst="rect">
-            <a:avLst/>
-          </a:prstGeom>
-          <a:noFill/>
-          <a:ln w="9525">
-            <a:noFill/>
-            <a:miter lim="800000"/>
-            <a:headEnd/>
-            <a:tailEnd/>
-          </a:ln>
-        </p:spPr>
-      </p:pic>
-      <p:pic>
-        <p:nvPicPr>
-          <p:cNvPr id="11" name="Content Placeholder 3"/>
-          <p:cNvPicPr>
-            <a:picLocks noChangeAspect="1"/>
-          </p:cNvPicPr>
-          <p:nvPr/>
-        </p:nvPicPr>
-        <p:blipFill>
-          <a:blip r:embed="rId4">
-            <a:extLst>
-              <a:ext uri="{28A0092B-C50C-407E-A947-70E740481C1C}">
-                <a14:useLocalDpi xmlns:a14="http://schemas.microsoft.com/office/drawing/2010/main" val="0"/>
-              </a:ext>
-            </a:extLst>
-          </a:blip>
-          <a:stretch>
-            <a:fillRect/>
-          </a:stretch>
-        </p:blipFill>
-        <p:spPr bwMode="auto">
-          <a:xfrm>
-            <a:off x="3743829" y="3027948"/>
-            <a:ext cx="417094" cy="417094"/>
-          </a:xfrm>
-          <a:prstGeom prst="rect">
-            <a:avLst/>
-          </a:prstGeom>
-          <a:noFill/>
-          <a:ln w="9525">
-            <a:noFill/>
-            <a:miter lim="800000"/>
-            <a:headEnd/>
-            <a:tailEnd/>
-          </a:ln>
-        </p:spPr>
-      </p:pic>
-      <p:sp>
-        <p:nvSpPr>
-          <p:cNvPr id="12" name="TextBox 11"/>
-          <p:cNvSpPr txBox="1"/>
-          <p:nvPr/>
-        </p:nvSpPr>
-        <p:spPr>
-          <a:xfrm>
-            <a:off x="2777289" y="2581413"/>
-            <a:ext cx="2622881" cy="369332"/>
-          </a:xfrm>
-          <a:prstGeom prst="rect">
-            <a:avLst/>
-          </a:prstGeom>
-          <a:noFill/>
-        </p:spPr>
-        <p:txBody>
-          <a:bodyPr wrap="square" rtlCol="0">
-            <a:spAutoFit/>
-          </a:bodyPr>
-          <a:lstStyle/>
-          <a:p>
-            <a:pPr algn="ctr"/>
-            <a:r>
-              <a:rPr lang="en-US" dirty="0" err="1" smtClean="0"/>
-              <a:t>Susy’s</a:t>
-            </a:r>
-            <a:r>
-              <a:rPr lang="en-US" dirty="0" smtClean="0"/>
-              <a:t> cases</a:t>
-            </a:r>
-            <a:endParaRPr lang="en-US" dirty="0"/>
-          </a:p>
-        </p:txBody>
-      </p:sp>
-      <p:pic>
-        <p:nvPicPr>
-          <p:cNvPr id="13" name="Content Placeholder 3"/>
-          <p:cNvPicPr>
-            <a:picLocks noChangeAspect="1"/>
-          </p:cNvPicPr>
-          <p:nvPr/>
-        </p:nvPicPr>
-        <p:blipFill>
-          <a:blip r:embed="rId4">
-            <a:extLst>
-              <a:ext uri="{28A0092B-C50C-407E-A947-70E740481C1C}">
-                <a14:useLocalDpi xmlns:a14="http://schemas.microsoft.com/office/drawing/2010/main" val="0"/>
-              </a:ext>
-            </a:extLst>
-          </a:blip>
-          <a:stretch>
-            <a:fillRect/>
-          </a:stretch>
-        </p:blipFill>
-        <p:spPr bwMode="auto">
-          <a:xfrm>
-            <a:off x="2984835" y="5259166"/>
-            <a:ext cx="417094" cy="417094"/>
-          </a:xfrm>
-          <a:prstGeom prst="rect">
-            <a:avLst/>
-          </a:prstGeom>
-          <a:noFill/>
-          <a:ln w="9525">
-            <a:noFill/>
-            <a:miter lim="800000"/>
-            <a:headEnd/>
-            <a:tailEnd/>
-          </a:ln>
-        </p:spPr>
-      </p:pic>
-      <p:pic>
-        <p:nvPicPr>
-          <p:cNvPr id="14" name="Content Placeholder 3"/>
-          <p:cNvPicPr>
-            <a:picLocks noChangeAspect="1"/>
-          </p:cNvPicPr>
-          <p:nvPr/>
-        </p:nvPicPr>
-        <p:blipFill>
-          <a:blip r:embed="rId4">
-            <a:extLst>
-              <a:ext uri="{28A0092B-C50C-407E-A947-70E740481C1C}">
-                <a14:useLocalDpi xmlns:a14="http://schemas.microsoft.com/office/drawing/2010/main" val="0"/>
-              </a:ext>
-            </a:extLst>
-          </a:blip>
-          <a:stretch>
-            <a:fillRect/>
-          </a:stretch>
-        </p:blipFill>
-        <p:spPr bwMode="auto">
-          <a:xfrm>
-            <a:off x="5400171" y="5259166"/>
-            <a:ext cx="417094" cy="417094"/>
-          </a:xfrm>
-          <a:prstGeom prst="rect">
-            <a:avLst/>
-          </a:prstGeom>
-          <a:noFill/>
-          <a:ln w="9525">
-            <a:noFill/>
-            <a:miter lim="800000"/>
-            <a:headEnd/>
-            <a:tailEnd/>
-          </a:ln>
-        </p:spPr>
-      </p:pic>
-      <p:pic>
-        <p:nvPicPr>
-          <p:cNvPr id="15" name="Content Placeholder 3"/>
-          <p:cNvPicPr>
-            <a:picLocks noChangeAspect="1"/>
-          </p:cNvPicPr>
-          <p:nvPr/>
-        </p:nvPicPr>
-        <p:blipFill>
-          <a:blip r:embed="rId4">
-            <a:extLst>
-              <a:ext uri="{28A0092B-C50C-407E-A947-70E740481C1C}">
-                <a14:useLocalDpi xmlns:a14="http://schemas.microsoft.com/office/drawing/2010/main" val="0"/>
-              </a:ext>
-            </a:extLst>
-          </a:blip>
-          <a:stretch>
-            <a:fillRect/>
-          </a:stretch>
-        </p:blipFill>
-        <p:spPr bwMode="auto">
-          <a:xfrm>
-            <a:off x="4572000" y="5259166"/>
-            <a:ext cx="417094" cy="417094"/>
-          </a:xfrm>
-          <a:prstGeom prst="rect">
-            <a:avLst/>
-          </a:prstGeom>
-          <a:noFill/>
-          <a:ln w="9525">
-            <a:noFill/>
-            <a:miter lim="800000"/>
-            <a:headEnd/>
-            <a:tailEnd/>
-          </a:ln>
-        </p:spPr>
-      </p:pic>
-      <p:pic>
-        <p:nvPicPr>
-          <p:cNvPr id="16" name="Content Placeholder 3"/>
-          <p:cNvPicPr>
-            <a:picLocks noChangeAspect="1"/>
-          </p:cNvPicPr>
-          <p:nvPr/>
-        </p:nvPicPr>
-        <p:blipFill>
-          <a:blip r:embed="rId4">
-            <a:extLst>
-              <a:ext uri="{28A0092B-C50C-407E-A947-70E740481C1C}">
-                <a14:useLocalDpi xmlns:a14="http://schemas.microsoft.com/office/drawing/2010/main" val="0"/>
-              </a:ext>
-            </a:extLst>
-          </a:blip>
-          <a:stretch>
-            <a:fillRect/>
-          </a:stretch>
-        </p:blipFill>
-        <p:spPr bwMode="auto">
-          <a:xfrm>
-            <a:off x="3743829" y="5259166"/>
-            <a:ext cx="417094" cy="417094"/>
-          </a:xfrm>
-          <a:prstGeom prst="rect">
-            <a:avLst/>
-          </a:prstGeom>
-          <a:noFill/>
-          <a:ln w="9525">
-            <a:noFill/>
-            <a:miter lim="800000"/>
-            <a:headEnd/>
-            <a:tailEnd/>
-          </a:ln>
-        </p:spPr>
-      </p:pic>
-      <p:sp>
-        <p:nvSpPr>
-          <p:cNvPr id="17" name="TextBox 16"/>
-          <p:cNvSpPr txBox="1"/>
-          <p:nvPr/>
-        </p:nvSpPr>
-        <p:spPr>
-          <a:xfrm>
-            <a:off x="2777289" y="4812631"/>
-            <a:ext cx="2622881" cy="369332"/>
-          </a:xfrm>
-          <a:prstGeom prst="rect">
-            <a:avLst/>
-          </a:prstGeom>
-          <a:noFill/>
-        </p:spPr>
-        <p:txBody>
-          <a:bodyPr wrap="square" rtlCol="0">
-            <a:spAutoFit/>
-          </a:bodyPr>
-          <a:lstStyle/>
-          <a:p>
-            <a:pPr algn="ctr"/>
-            <a:r>
-              <a:rPr lang="en-US" dirty="0" smtClean="0"/>
-              <a:t>Bob’s cases</a:t>
+              <a:t>Module: Register Mother</a:t>
+            </a:r>
+          </a:p>
+          <a:p>
+            <a:pPr lvl="1"/>
+            <a:r>
+              <a:rPr lang="en-US" dirty="0"/>
+              <a:t> </a:t>
+            </a:r>
+            <a:r>
+              <a:rPr lang="en-US" dirty="0" smtClean="0"/>
+              <a:t>Form: Register Mother</a:t>
+            </a:r>
+          </a:p>
+          <a:p>
+            <a:pPr lvl="2"/>
+            <a:r>
+              <a:rPr lang="en-US" dirty="0" smtClean="0"/>
+              <a:t>Name</a:t>
+            </a:r>
+          </a:p>
+          <a:p>
+            <a:pPr lvl="2"/>
+            <a:r>
+              <a:rPr lang="en-US" dirty="0" smtClean="0"/>
+              <a:t>Age</a:t>
             </a:r>
             <a:endParaRPr lang="en-US" dirty="0"/>
           </a:p>
@@ -4157,7 +5463,7 @@
     </p:spTree>
     <p:extLst>
       <p:ext uri="{BB962C8B-B14F-4D97-AF65-F5344CB8AC3E}">
-        <p14:creationId xmlns:p14="http://schemas.microsoft.com/office/powerpoint/2010/main" val="1828619700"/>
+        <p14:creationId xmlns:p14="http://schemas.microsoft.com/office/powerpoint/2010/main" val="618823641"/>
       </p:ext>
     </p:extLst>
   </p:cSld>
@@ -4201,7 +5507,7 @@
           <a:p>
             <a:r>
               <a:rPr lang="en-US" dirty="0" smtClean="0"/>
-              <a:t>Case Sharing</a:t>
+              <a:t>Case List and Case Detail</a:t>
             </a:r>
             <a:endParaRPr lang="en-US" dirty="0"/>
           </a:p>
@@ -4209,7 +5515,7 @@
       </p:sp>
       <p:sp>
         <p:nvSpPr>
-          <p:cNvPr id="3" name="Content Placeholder 2"/>
+          <p:cNvPr id="4" name="Content Placeholder 3"/>
           <p:cNvSpPr>
             <a:spLocks noGrp="1"/>
           </p:cNvSpPr>
@@ -4217,820 +5523,97 @@
             <p:ph idx="1"/>
           </p:nvPr>
         </p:nvSpPr>
-        <p:spPr>
-          <a:xfrm>
-            <a:off x="457200" y="990601"/>
-            <a:ext cx="8229600" cy="669758"/>
-          </a:xfrm>
-        </p:spPr>
+        <p:spPr/>
         <p:txBody>
           <a:bodyPr/>
           <a:lstStyle/>
           <a:p>
             <a:r>
               <a:rPr lang="en-US" dirty="0" smtClean="0"/>
-              <a:t>Case sharing case workflow:</a:t>
-            </a:r>
+              <a:t>Case list is the list of cases to be shown before selecting a case</a:t>
+            </a:r>
+          </a:p>
+          <a:p>
+            <a:pPr lvl="1"/>
+            <a:r>
+              <a:rPr lang="en-US" dirty="0"/>
+              <a:t> </a:t>
+            </a:r>
+            <a:r>
+              <a:rPr lang="en-US" dirty="0" smtClean="0"/>
+              <a:t>Only has one or two case properties</a:t>
+            </a:r>
+          </a:p>
+          <a:p>
+            <a:pPr lvl="1"/>
+            <a:r>
+              <a:rPr lang="en-US" dirty="0"/>
+              <a:t> </a:t>
+            </a:r>
+            <a:r>
+              <a:rPr lang="en-US" dirty="0" smtClean="0"/>
+              <a:t>Can be filtered or sorted based on an </a:t>
+            </a:r>
+            <a:r>
+              <a:rPr lang="en-US" dirty="0" err="1" smtClean="0"/>
+              <a:t>Xpath</a:t>
+            </a:r>
+            <a:r>
+              <a:rPr lang="en-US" dirty="0" smtClean="0"/>
+              <a:t> Expression</a:t>
+            </a:r>
+          </a:p>
+          <a:p>
+            <a:r>
+              <a:rPr lang="en-US" dirty="0" smtClean="0"/>
+              <a:t>Case Detail is the information of the case after clicking on it in the case list</a:t>
+            </a:r>
+          </a:p>
+          <a:p>
+            <a:pPr lvl="1"/>
+            <a:r>
+              <a:rPr lang="en-US" dirty="0"/>
+              <a:t> </a:t>
+            </a:r>
+            <a:r>
+              <a:rPr lang="en-US" dirty="0" smtClean="0"/>
+              <a:t>Often shows more properties</a:t>
+            </a:r>
+          </a:p>
+          <a:p>
+            <a:endParaRPr lang="en-US" dirty="0" smtClean="0"/>
+          </a:p>
+          <a:p>
             <a:endParaRPr lang="en-US" dirty="0"/>
           </a:p>
+          <a:p>
+            <a:pPr marL="0" indent="0">
+              <a:buNone/>
+            </a:pPr>
+            <a:r>
+              <a:rPr lang="en-US" dirty="0"/>
+              <a:t>Docs: </a:t>
+            </a:r>
+            <a:r>
+              <a:rPr lang="en-US" dirty="0">
+                <a:hlinkClick r:id="rId2"/>
+              </a:rPr>
+              <a:t>http://</a:t>
+            </a:r>
+            <a:r>
+              <a:rPr lang="en-US" dirty="0" smtClean="0">
+                <a:hlinkClick r:id="rId2"/>
+              </a:rPr>
+              <a:t>bit.ly/1NX8sWv</a:t>
+            </a:r>
+            <a:endParaRPr lang="en-US" dirty="0" smtClean="0"/>
+          </a:p>
         </p:txBody>
       </p:sp>
-      <p:pic>
-        <p:nvPicPr>
-          <p:cNvPr id="4" name="Picture 3"/>
-          <p:cNvPicPr>
-            <a:picLocks noChangeAspect="1"/>
-          </p:cNvPicPr>
-          <p:nvPr/>
-        </p:nvPicPr>
-        <p:blipFill>
-          <a:blip r:embed="rId2">
-            <a:extLst>
-              <a:ext uri="{28A0092B-C50C-407E-A947-70E740481C1C}">
-                <a14:useLocalDpi xmlns:a14="http://schemas.microsoft.com/office/drawing/2010/main" val="0"/>
-              </a:ext>
-            </a:extLst>
-          </a:blip>
-          <a:stretch>
-            <a:fillRect/>
-          </a:stretch>
-        </p:blipFill>
-        <p:spPr>
-          <a:xfrm>
-            <a:off x="1094873" y="2671011"/>
-            <a:ext cx="1130968" cy="1130968"/>
-          </a:xfrm>
-          <a:prstGeom prst="rect">
-            <a:avLst/>
-          </a:prstGeom>
-        </p:spPr>
-      </p:pic>
-      <p:pic>
-        <p:nvPicPr>
-          <p:cNvPr id="5" name="Picture 4"/>
-          <p:cNvPicPr>
-            <a:picLocks noChangeAspect="1"/>
-          </p:cNvPicPr>
-          <p:nvPr/>
-        </p:nvPicPr>
-        <p:blipFill>
-          <a:blip r:embed="rId3">
-            <a:extLst>
-              <a:ext uri="{28A0092B-C50C-407E-A947-70E740481C1C}">
-                <a14:useLocalDpi xmlns:a14="http://schemas.microsoft.com/office/drawing/2010/main" val="0"/>
-              </a:ext>
-            </a:extLst>
-          </a:blip>
-          <a:stretch>
-            <a:fillRect/>
-          </a:stretch>
-        </p:blipFill>
-        <p:spPr>
-          <a:xfrm>
-            <a:off x="649706" y="4251522"/>
-            <a:ext cx="2015288" cy="2015288"/>
-          </a:xfrm>
-          <a:prstGeom prst="rect">
-            <a:avLst/>
-          </a:prstGeom>
-        </p:spPr>
-      </p:pic>
-      <p:sp>
-        <p:nvSpPr>
-          <p:cNvPr id="6" name="TextBox 5"/>
-          <p:cNvSpPr txBox="1"/>
-          <p:nvPr/>
-        </p:nvSpPr>
-        <p:spPr>
-          <a:xfrm>
-            <a:off x="962525" y="3871799"/>
-            <a:ext cx="1395664" cy="369332"/>
-          </a:xfrm>
-          <a:prstGeom prst="rect">
-            <a:avLst/>
-          </a:prstGeom>
-          <a:noFill/>
-        </p:spPr>
-        <p:txBody>
-          <a:bodyPr wrap="square" rtlCol="0">
-            <a:spAutoFit/>
-          </a:bodyPr>
-          <a:lstStyle/>
-          <a:p>
-            <a:pPr algn="ctr"/>
-            <a:r>
-              <a:rPr lang="en-US" dirty="0" err="1" smtClean="0"/>
-              <a:t>Susy</a:t>
-            </a:r>
-            <a:endParaRPr lang="en-US" dirty="0"/>
-          </a:p>
-        </p:txBody>
-      </p:sp>
-      <p:sp>
-        <p:nvSpPr>
-          <p:cNvPr id="7" name="TextBox 6"/>
-          <p:cNvSpPr txBox="1"/>
-          <p:nvPr/>
-        </p:nvSpPr>
-        <p:spPr>
-          <a:xfrm>
-            <a:off x="962525" y="6067561"/>
-            <a:ext cx="1395664" cy="369332"/>
-          </a:xfrm>
-          <a:prstGeom prst="rect">
-            <a:avLst/>
-          </a:prstGeom>
-          <a:noFill/>
-        </p:spPr>
-        <p:txBody>
-          <a:bodyPr wrap="square" rtlCol="0">
-            <a:spAutoFit/>
-          </a:bodyPr>
-          <a:lstStyle/>
-          <a:p>
-            <a:pPr algn="ctr"/>
-            <a:r>
-              <a:rPr lang="en-US" dirty="0" smtClean="0"/>
-              <a:t>Bob</a:t>
-            </a:r>
-            <a:endParaRPr lang="en-US" dirty="0"/>
-          </a:p>
-        </p:txBody>
-      </p:sp>
-      <p:pic>
-        <p:nvPicPr>
-          <p:cNvPr id="13" name="Content Placeholder 3"/>
-          <p:cNvPicPr>
-            <a:picLocks noChangeAspect="1"/>
-          </p:cNvPicPr>
-          <p:nvPr/>
-        </p:nvPicPr>
-        <p:blipFill>
-          <a:blip r:embed="rId4">
-            <a:extLst>
-              <a:ext uri="{28A0092B-C50C-407E-A947-70E740481C1C}">
-                <a14:useLocalDpi xmlns:a14="http://schemas.microsoft.com/office/drawing/2010/main" val="0"/>
-              </a:ext>
-            </a:extLst>
-          </a:blip>
-          <a:stretch>
-            <a:fillRect/>
-          </a:stretch>
-        </p:blipFill>
-        <p:spPr bwMode="auto">
-          <a:xfrm>
-            <a:off x="2984835" y="5259166"/>
-            <a:ext cx="417094" cy="417094"/>
-          </a:xfrm>
-          <a:prstGeom prst="rect">
-            <a:avLst/>
-          </a:prstGeom>
-          <a:noFill/>
-          <a:ln w="9525">
-            <a:noFill/>
-            <a:miter lim="800000"/>
-            <a:headEnd/>
-            <a:tailEnd/>
-          </a:ln>
-        </p:spPr>
-      </p:pic>
-      <p:pic>
-        <p:nvPicPr>
-          <p:cNvPr id="14" name="Content Placeholder 3"/>
-          <p:cNvPicPr>
-            <a:picLocks noChangeAspect="1"/>
-          </p:cNvPicPr>
-          <p:nvPr/>
-        </p:nvPicPr>
-        <p:blipFill>
-          <a:blip r:embed="rId4">
-            <a:extLst>
-              <a:ext uri="{28A0092B-C50C-407E-A947-70E740481C1C}">
-                <a14:useLocalDpi xmlns:a14="http://schemas.microsoft.com/office/drawing/2010/main" val="0"/>
-              </a:ext>
-            </a:extLst>
-          </a:blip>
-          <a:stretch>
-            <a:fillRect/>
-          </a:stretch>
-        </p:blipFill>
-        <p:spPr bwMode="auto">
-          <a:xfrm>
-            <a:off x="5307929" y="5259166"/>
-            <a:ext cx="417094" cy="417094"/>
-          </a:xfrm>
-          <a:prstGeom prst="rect">
-            <a:avLst/>
-          </a:prstGeom>
-          <a:noFill/>
-          <a:ln w="9525">
-            <a:noFill/>
-            <a:miter lim="800000"/>
-            <a:headEnd/>
-            <a:tailEnd/>
-          </a:ln>
-        </p:spPr>
-      </p:pic>
-      <p:pic>
-        <p:nvPicPr>
-          <p:cNvPr id="15" name="Content Placeholder 3"/>
-          <p:cNvPicPr>
-            <a:picLocks noChangeAspect="1"/>
-          </p:cNvPicPr>
-          <p:nvPr/>
-        </p:nvPicPr>
-        <p:blipFill>
-          <a:blip r:embed="rId4">
-            <a:extLst>
-              <a:ext uri="{28A0092B-C50C-407E-A947-70E740481C1C}">
-                <a14:useLocalDpi xmlns:a14="http://schemas.microsoft.com/office/drawing/2010/main" val="0"/>
-              </a:ext>
-            </a:extLst>
-          </a:blip>
-          <a:stretch>
-            <a:fillRect/>
-          </a:stretch>
-        </p:blipFill>
-        <p:spPr bwMode="auto">
-          <a:xfrm>
-            <a:off x="4572000" y="5259166"/>
-            <a:ext cx="417094" cy="417094"/>
-          </a:xfrm>
-          <a:prstGeom prst="rect">
-            <a:avLst/>
-          </a:prstGeom>
-          <a:noFill/>
-          <a:ln w="9525">
-            <a:noFill/>
-            <a:miter lim="800000"/>
-            <a:headEnd/>
-            <a:tailEnd/>
-          </a:ln>
-        </p:spPr>
-      </p:pic>
-      <p:pic>
-        <p:nvPicPr>
-          <p:cNvPr id="16" name="Content Placeholder 3"/>
-          <p:cNvPicPr>
-            <a:picLocks noChangeAspect="1"/>
-          </p:cNvPicPr>
-          <p:nvPr/>
-        </p:nvPicPr>
-        <p:blipFill>
-          <a:blip r:embed="rId4">
-            <a:extLst>
-              <a:ext uri="{28A0092B-C50C-407E-A947-70E740481C1C}">
-                <a14:useLocalDpi xmlns:a14="http://schemas.microsoft.com/office/drawing/2010/main" val="0"/>
-              </a:ext>
-            </a:extLst>
-          </a:blip>
-          <a:stretch>
-            <a:fillRect/>
-          </a:stretch>
-        </p:blipFill>
-        <p:spPr bwMode="auto">
-          <a:xfrm>
-            <a:off x="3743829" y="5259166"/>
-            <a:ext cx="417094" cy="417094"/>
-          </a:xfrm>
-          <a:prstGeom prst="rect">
-            <a:avLst/>
-          </a:prstGeom>
-          <a:noFill/>
-          <a:ln w="9525">
-            <a:noFill/>
-            <a:miter lim="800000"/>
-            <a:headEnd/>
-            <a:tailEnd/>
-          </a:ln>
-        </p:spPr>
-      </p:pic>
-      <p:sp>
-        <p:nvSpPr>
-          <p:cNvPr id="17" name="TextBox 16"/>
-          <p:cNvSpPr txBox="1"/>
-          <p:nvPr/>
-        </p:nvSpPr>
-        <p:spPr>
-          <a:xfrm>
-            <a:off x="4638175" y="4800963"/>
-            <a:ext cx="2622881" cy="369332"/>
-          </a:xfrm>
-          <a:prstGeom prst="rect">
-            <a:avLst/>
-          </a:prstGeom>
-          <a:noFill/>
-        </p:spPr>
-        <p:txBody>
-          <a:bodyPr wrap="square" rtlCol="0">
-            <a:spAutoFit/>
-          </a:bodyPr>
-          <a:lstStyle/>
-          <a:p>
-            <a:pPr algn="ctr"/>
-            <a:r>
-              <a:rPr lang="en-US" dirty="0" smtClean="0"/>
-              <a:t>Bob and </a:t>
-            </a:r>
-            <a:r>
-              <a:rPr lang="en-US" dirty="0" err="1" smtClean="0"/>
-              <a:t>Susy’s</a:t>
-            </a:r>
-            <a:r>
-              <a:rPr lang="en-US" dirty="0" smtClean="0"/>
-              <a:t> cases</a:t>
-            </a:r>
-            <a:endParaRPr lang="en-US" dirty="0"/>
-          </a:p>
-        </p:txBody>
-      </p:sp>
-      <p:pic>
-        <p:nvPicPr>
-          <p:cNvPr id="18" name="Content Placeholder 3"/>
-          <p:cNvPicPr>
-            <a:picLocks noChangeAspect="1"/>
-          </p:cNvPicPr>
-          <p:nvPr/>
-        </p:nvPicPr>
-        <p:blipFill>
-          <a:blip r:embed="rId4">
-            <a:extLst>
-              <a:ext uri="{28A0092B-C50C-407E-A947-70E740481C1C}">
-                <a14:useLocalDpi xmlns:a14="http://schemas.microsoft.com/office/drawing/2010/main" val="0"/>
-              </a:ext>
-            </a:extLst>
-          </a:blip>
-          <a:stretch>
-            <a:fillRect/>
-          </a:stretch>
-        </p:blipFill>
-        <p:spPr bwMode="auto">
-          <a:xfrm>
-            <a:off x="5949616" y="5259166"/>
-            <a:ext cx="417094" cy="417094"/>
-          </a:xfrm>
-          <a:prstGeom prst="rect">
-            <a:avLst/>
-          </a:prstGeom>
-          <a:noFill/>
-          <a:ln w="9525">
-            <a:noFill/>
-            <a:miter lim="800000"/>
-            <a:headEnd/>
-            <a:tailEnd/>
-          </a:ln>
-        </p:spPr>
-      </p:pic>
-      <p:pic>
-        <p:nvPicPr>
-          <p:cNvPr id="19" name="Content Placeholder 3"/>
-          <p:cNvPicPr>
-            <a:picLocks noChangeAspect="1"/>
-          </p:cNvPicPr>
-          <p:nvPr/>
-        </p:nvPicPr>
-        <p:blipFill>
-          <a:blip r:embed="rId4">
-            <a:extLst>
-              <a:ext uri="{28A0092B-C50C-407E-A947-70E740481C1C}">
-                <a14:useLocalDpi xmlns:a14="http://schemas.microsoft.com/office/drawing/2010/main" val="0"/>
-              </a:ext>
-            </a:extLst>
-          </a:blip>
-          <a:stretch>
-            <a:fillRect/>
-          </a:stretch>
-        </p:blipFill>
-        <p:spPr bwMode="auto">
-          <a:xfrm>
-            <a:off x="8364952" y="5259166"/>
-            <a:ext cx="417094" cy="417094"/>
-          </a:xfrm>
-          <a:prstGeom prst="rect">
-            <a:avLst/>
-          </a:prstGeom>
-          <a:noFill/>
-          <a:ln w="9525">
-            <a:noFill/>
-            <a:miter lim="800000"/>
-            <a:headEnd/>
-            <a:tailEnd/>
-          </a:ln>
-        </p:spPr>
-      </p:pic>
-      <p:pic>
-        <p:nvPicPr>
-          <p:cNvPr id="20" name="Content Placeholder 3"/>
-          <p:cNvPicPr>
-            <a:picLocks noChangeAspect="1"/>
-          </p:cNvPicPr>
-          <p:nvPr/>
-        </p:nvPicPr>
-        <p:blipFill>
-          <a:blip r:embed="rId4">
-            <a:extLst>
-              <a:ext uri="{28A0092B-C50C-407E-A947-70E740481C1C}">
-                <a14:useLocalDpi xmlns:a14="http://schemas.microsoft.com/office/drawing/2010/main" val="0"/>
-              </a:ext>
-            </a:extLst>
-          </a:blip>
-          <a:stretch>
-            <a:fillRect/>
-          </a:stretch>
-        </p:blipFill>
-        <p:spPr bwMode="auto">
-          <a:xfrm>
-            <a:off x="7536781" y="5259166"/>
-            <a:ext cx="417094" cy="417094"/>
-          </a:xfrm>
-          <a:prstGeom prst="rect">
-            <a:avLst/>
-          </a:prstGeom>
-          <a:noFill/>
-          <a:ln w="9525">
-            <a:noFill/>
-            <a:miter lim="800000"/>
-            <a:headEnd/>
-            <a:tailEnd/>
-          </a:ln>
-        </p:spPr>
-      </p:pic>
-      <p:pic>
-        <p:nvPicPr>
-          <p:cNvPr id="21" name="Content Placeholder 3"/>
-          <p:cNvPicPr>
-            <a:picLocks noChangeAspect="1"/>
-          </p:cNvPicPr>
-          <p:nvPr/>
-        </p:nvPicPr>
-        <p:blipFill>
-          <a:blip r:embed="rId4">
-            <a:extLst>
-              <a:ext uri="{28A0092B-C50C-407E-A947-70E740481C1C}">
-                <a14:useLocalDpi xmlns:a14="http://schemas.microsoft.com/office/drawing/2010/main" val="0"/>
-              </a:ext>
-            </a:extLst>
-          </a:blip>
-          <a:stretch>
-            <a:fillRect/>
-          </a:stretch>
-        </p:blipFill>
-        <p:spPr bwMode="auto">
-          <a:xfrm>
-            <a:off x="6708610" y="5259166"/>
-            <a:ext cx="417094" cy="417094"/>
-          </a:xfrm>
-          <a:prstGeom prst="rect">
-            <a:avLst/>
-          </a:prstGeom>
-          <a:noFill/>
-          <a:ln w="9525">
-            <a:noFill/>
-            <a:miter lim="800000"/>
-            <a:headEnd/>
-            <a:tailEnd/>
-          </a:ln>
-        </p:spPr>
-      </p:pic>
-      <p:pic>
-        <p:nvPicPr>
-          <p:cNvPr id="23" name="Content Placeholder 3"/>
-          <p:cNvPicPr>
-            <a:picLocks noChangeAspect="1"/>
-          </p:cNvPicPr>
-          <p:nvPr/>
-        </p:nvPicPr>
-        <p:blipFill>
-          <a:blip r:embed="rId4">
-            <a:extLst>
-              <a:ext uri="{28A0092B-C50C-407E-A947-70E740481C1C}">
-                <a14:useLocalDpi xmlns:a14="http://schemas.microsoft.com/office/drawing/2010/main" val="0"/>
-              </a:ext>
-            </a:extLst>
-          </a:blip>
-          <a:stretch>
-            <a:fillRect/>
-          </a:stretch>
-        </p:blipFill>
-        <p:spPr bwMode="auto">
-          <a:xfrm>
-            <a:off x="2984835" y="3169864"/>
-            <a:ext cx="417094" cy="417094"/>
-          </a:xfrm>
-          <a:prstGeom prst="rect">
-            <a:avLst/>
-          </a:prstGeom>
-          <a:noFill/>
-          <a:ln w="9525">
-            <a:noFill/>
-            <a:miter lim="800000"/>
-            <a:headEnd/>
-            <a:tailEnd/>
-          </a:ln>
-        </p:spPr>
-      </p:pic>
-      <p:pic>
-        <p:nvPicPr>
-          <p:cNvPr id="24" name="Content Placeholder 3"/>
-          <p:cNvPicPr>
-            <a:picLocks noChangeAspect="1"/>
-          </p:cNvPicPr>
-          <p:nvPr/>
-        </p:nvPicPr>
-        <p:blipFill>
-          <a:blip r:embed="rId4">
-            <a:extLst>
-              <a:ext uri="{28A0092B-C50C-407E-A947-70E740481C1C}">
-                <a14:useLocalDpi xmlns:a14="http://schemas.microsoft.com/office/drawing/2010/main" val="0"/>
-              </a:ext>
-            </a:extLst>
-          </a:blip>
-          <a:stretch>
-            <a:fillRect/>
-          </a:stretch>
-        </p:blipFill>
-        <p:spPr bwMode="auto">
-          <a:xfrm>
-            <a:off x="5307929" y="3169864"/>
-            <a:ext cx="417094" cy="417094"/>
-          </a:xfrm>
-          <a:prstGeom prst="rect">
-            <a:avLst/>
-          </a:prstGeom>
-          <a:noFill/>
-          <a:ln w="9525">
-            <a:noFill/>
-            <a:miter lim="800000"/>
-            <a:headEnd/>
-            <a:tailEnd/>
-          </a:ln>
-        </p:spPr>
-      </p:pic>
-      <p:pic>
-        <p:nvPicPr>
-          <p:cNvPr id="25" name="Content Placeholder 3"/>
-          <p:cNvPicPr>
-            <a:picLocks noChangeAspect="1"/>
-          </p:cNvPicPr>
-          <p:nvPr/>
-        </p:nvPicPr>
-        <p:blipFill>
-          <a:blip r:embed="rId4">
-            <a:extLst>
-              <a:ext uri="{28A0092B-C50C-407E-A947-70E740481C1C}">
-                <a14:useLocalDpi xmlns:a14="http://schemas.microsoft.com/office/drawing/2010/main" val="0"/>
-              </a:ext>
-            </a:extLst>
-          </a:blip>
-          <a:stretch>
-            <a:fillRect/>
-          </a:stretch>
-        </p:blipFill>
-        <p:spPr bwMode="auto">
-          <a:xfrm>
-            <a:off x="4572000" y="3169864"/>
-            <a:ext cx="417094" cy="417094"/>
-          </a:xfrm>
-          <a:prstGeom prst="rect">
-            <a:avLst/>
-          </a:prstGeom>
-          <a:noFill/>
-          <a:ln w="9525">
-            <a:noFill/>
-            <a:miter lim="800000"/>
-            <a:headEnd/>
-            <a:tailEnd/>
-          </a:ln>
-        </p:spPr>
-      </p:pic>
-      <p:pic>
-        <p:nvPicPr>
-          <p:cNvPr id="26" name="Content Placeholder 3"/>
-          <p:cNvPicPr>
-            <a:picLocks noChangeAspect="1"/>
-          </p:cNvPicPr>
-          <p:nvPr/>
-        </p:nvPicPr>
-        <p:blipFill>
-          <a:blip r:embed="rId4">
-            <a:extLst>
-              <a:ext uri="{28A0092B-C50C-407E-A947-70E740481C1C}">
-                <a14:useLocalDpi xmlns:a14="http://schemas.microsoft.com/office/drawing/2010/main" val="0"/>
-              </a:ext>
-            </a:extLst>
-          </a:blip>
-          <a:stretch>
-            <a:fillRect/>
-          </a:stretch>
-        </p:blipFill>
-        <p:spPr bwMode="auto">
-          <a:xfrm>
-            <a:off x="3743829" y="3169864"/>
-            <a:ext cx="417094" cy="417094"/>
-          </a:xfrm>
-          <a:prstGeom prst="rect">
-            <a:avLst/>
-          </a:prstGeom>
-          <a:noFill/>
-          <a:ln w="9525">
-            <a:noFill/>
-            <a:miter lim="800000"/>
-            <a:headEnd/>
-            <a:tailEnd/>
-          </a:ln>
-        </p:spPr>
-      </p:pic>
-      <p:sp>
-        <p:nvSpPr>
-          <p:cNvPr id="27" name="TextBox 26"/>
-          <p:cNvSpPr txBox="1"/>
-          <p:nvPr/>
-        </p:nvSpPr>
-        <p:spPr>
-          <a:xfrm>
-            <a:off x="4638175" y="2711661"/>
-            <a:ext cx="2622881" cy="369332"/>
-          </a:xfrm>
-          <a:prstGeom prst="rect">
-            <a:avLst/>
-          </a:prstGeom>
-          <a:noFill/>
-        </p:spPr>
-        <p:txBody>
-          <a:bodyPr wrap="square" rtlCol="0">
-            <a:spAutoFit/>
-          </a:bodyPr>
-          <a:lstStyle/>
-          <a:p>
-            <a:pPr algn="ctr"/>
-            <a:r>
-              <a:rPr lang="en-US" dirty="0" smtClean="0"/>
-              <a:t>Bob and </a:t>
-            </a:r>
-            <a:r>
-              <a:rPr lang="en-US" dirty="0" err="1" smtClean="0"/>
-              <a:t>Susy’s</a:t>
-            </a:r>
-            <a:r>
-              <a:rPr lang="en-US" dirty="0" smtClean="0"/>
-              <a:t> cases</a:t>
-            </a:r>
-            <a:endParaRPr lang="en-US" dirty="0"/>
-          </a:p>
-        </p:txBody>
-      </p:sp>
-      <p:pic>
-        <p:nvPicPr>
-          <p:cNvPr id="28" name="Content Placeholder 3"/>
-          <p:cNvPicPr>
-            <a:picLocks noChangeAspect="1"/>
-          </p:cNvPicPr>
-          <p:nvPr/>
-        </p:nvPicPr>
-        <p:blipFill>
-          <a:blip r:embed="rId4">
-            <a:extLst>
-              <a:ext uri="{28A0092B-C50C-407E-A947-70E740481C1C}">
-                <a14:useLocalDpi xmlns:a14="http://schemas.microsoft.com/office/drawing/2010/main" val="0"/>
-              </a:ext>
-            </a:extLst>
-          </a:blip>
-          <a:stretch>
-            <a:fillRect/>
-          </a:stretch>
-        </p:blipFill>
-        <p:spPr bwMode="auto">
-          <a:xfrm>
-            <a:off x="5949616" y="3169864"/>
-            <a:ext cx="417094" cy="417094"/>
-          </a:xfrm>
-          <a:prstGeom prst="rect">
-            <a:avLst/>
-          </a:prstGeom>
-          <a:noFill/>
-          <a:ln w="9525">
-            <a:noFill/>
-            <a:miter lim="800000"/>
-            <a:headEnd/>
-            <a:tailEnd/>
-          </a:ln>
-        </p:spPr>
-      </p:pic>
-      <p:pic>
-        <p:nvPicPr>
-          <p:cNvPr id="29" name="Content Placeholder 3"/>
-          <p:cNvPicPr>
-            <a:picLocks noChangeAspect="1"/>
-          </p:cNvPicPr>
-          <p:nvPr/>
-        </p:nvPicPr>
-        <p:blipFill>
-          <a:blip r:embed="rId4">
-            <a:extLst>
-              <a:ext uri="{28A0092B-C50C-407E-A947-70E740481C1C}">
-                <a14:useLocalDpi xmlns:a14="http://schemas.microsoft.com/office/drawing/2010/main" val="0"/>
-              </a:ext>
-            </a:extLst>
-          </a:blip>
-          <a:stretch>
-            <a:fillRect/>
-          </a:stretch>
-        </p:blipFill>
-        <p:spPr bwMode="auto">
-          <a:xfrm>
-            <a:off x="8364952" y="3169864"/>
-            <a:ext cx="417094" cy="417094"/>
-          </a:xfrm>
-          <a:prstGeom prst="rect">
-            <a:avLst/>
-          </a:prstGeom>
-          <a:noFill/>
-          <a:ln w="9525">
-            <a:noFill/>
-            <a:miter lim="800000"/>
-            <a:headEnd/>
-            <a:tailEnd/>
-          </a:ln>
-        </p:spPr>
-      </p:pic>
-      <p:pic>
-        <p:nvPicPr>
-          <p:cNvPr id="30" name="Content Placeholder 3"/>
-          <p:cNvPicPr>
-            <a:picLocks noChangeAspect="1"/>
-          </p:cNvPicPr>
-          <p:nvPr/>
-        </p:nvPicPr>
-        <p:blipFill>
-          <a:blip r:embed="rId4">
-            <a:extLst>
-              <a:ext uri="{28A0092B-C50C-407E-A947-70E740481C1C}">
-                <a14:useLocalDpi xmlns:a14="http://schemas.microsoft.com/office/drawing/2010/main" val="0"/>
-              </a:ext>
-            </a:extLst>
-          </a:blip>
-          <a:stretch>
-            <a:fillRect/>
-          </a:stretch>
-        </p:blipFill>
-        <p:spPr bwMode="auto">
-          <a:xfrm>
-            <a:off x="7536781" y="3169864"/>
-            <a:ext cx="417094" cy="417094"/>
-          </a:xfrm>
-          <a:prstGeom prst="rect">
-            <a:avLst/>
-          </a:prstGeom>
-          <a:noFill/>
-          <a:ln w="9525">
-            <a:noFill/>
-            <a:miter lim="800000"/>
-            <a:headEnd/>
-            <a:tailEnd/>
-          </a:ln>
-        </p:spPr>
-      </p:pic>
-      <p:pic>
-        <p:nvPicPr>
-          <p:cNvPr id="31" name="Content Placeholder 3"/>
-          <p:cNvPicPr>
-            <a:picLocks noChangeAspect="1"/>
-          </p:cNvPicPr>
-          <p:nvPr/>
-        </p:nvPicPr>
-        <p:blipFill>
-          <a:blip r:embed="rId4">
-            <a:extLst>
-              <a:ext uri="{28A0092B-C50C-407E-A947-70E740481C1C}">
-                <a14:useLocalDpi xmlns:a14="http://schemas.microsoft.com/office/drawing/2010/main" val="0"/>
-              </a:ext>
-            </a:extLst>
-          </a:blip>
-          <a:stretch>
-            <a:fillRect/>
-          </a:stretch>
-        </p:blipFill>
-        <p:spPr bwMode="auto">
-          <a:xfrm>
-            <a:off x="6708610" y="3169864"/>
-            <a:ext cx="417094" cy="417094"/>
-          </a:xfrm>
-          <a:prstGeom prst="rect">
-            <a:avLst/>
-          </a:prstGeom>
-          <a:noFill/>
-          <a:ln w="9525">
-            <a:noFill/>
-            <a:miter lim="800000"/>
-            <a:headEnd/>
-            <a:tailEnd/>
-          </a:ln>
-        </p:spPr>
-      </p:pic>
     </p:spTree>
     <p:extLst>
       <p:ext uri="{BB962C8B-B14F-4D97-AF65-F5344CB8AC3E}">
-        <p14:creationId xmlns:p14="http://schemas.microsoft.com/office/powerpoint/2010/main" val="117282628"/>
+        <p14:creationId xmlns:p14="http://schemas.microsoft.com/office/powerpoint/2010/main" val="1228876932"/>
       </p:ext>
     </p:extLst>
   </p:cSld>
@@ -5074,7 +5657,7 @@
           <a:p>
             <a:r>
               <a:rPr lang="en-US" dirty="0" smtClean="0"/>
-              <a:t>Child Cases</a:t>
+              <a:t>Case Activity: Edit Mother</a:t>
             </a:r>
             <a:endParaRPr lang="en-US" dirty="0"/>
           </a:p>
@@ -5097,250 +5680,66 @@
           <a:p>
             <a:r>
               <a:rPr lang="en-US" dirty="0" smtClean="0"/>
-              <a:t>Can be used to refer cases</a:t>
-            </a:r>
-          </a:p>
-          <a:p>
-            <a:r>
-              <a:rPr lang="en-US" dirty="0" smtClean="0"/>
-              <a:t>Avoid creating multiple registrations (mother and child, for example)</a:t>
-            </a:r>
-          </a:p>
-          <a:p>
-            <a:r>
-              <a:rPr lang="en-US" dirty="0" smtClean="0"/>
-              <a:t>Can use a repeat group to create child cases</a:t>
+              <a:t>Module: Register Mother</a:t>
+            </a:r>
+          </a:p>
+          <a:p>
+            <a:pPr lvl="1"/>
+            <a:r>
+              <a:rPr lang="en-US" dirty="0"/>
+              <a:t> </a:t>
+            </a:r>
+            <a:r>
+              <a:rPr lang="en-US" dirty="0" smtClean="0"/>
+              <a:t>Form: Register Mother</a:t>
+            </a:r>
+          </a:p>
+          <a:p>
+            <a:pPr lvl="2"/>
+            <a:r>
+              <a:rPr lang="en-US" dirty="0" smtClean="0"/>
+              <a:t>Name</a:t>
+            </a:r>
+          </a:p>
+          <a:p>
+            <a:pPr lvl="2"/>
+            <a:r>
+              <a:rPr lang="en-US" dirty="0" smtClean="0"/>
+              <a:t>Age</a:t>
+            </a:r>
+          </a:p>
+          <a:p>
+            <a:pPr lvl="1"/>
+            <a:r>
+              <a:rPr lang="en-US" dirty="0"/>
+              <a:t> </a:t>
+            </a:r>
+            <a:r>
+              <a:rPr lang="en-US" dirty="0" smtClean="0"/>
+              <a:t>Form: Edit Mother</a:t>
+            </a:r>
+          </a:p>
+          <a:p>
+            <a:pPr lvl="2"/>
+            <a:r>
+              <a:rPr lang="en-US" dirty="0" smtClean="0"/>
+              <a:t>Name (preload the data)</a:t>
+            </a:r>
+          </a:p>
+          <a:p>
+            <a:pPr lvl="2"/>
+            <a:r>
+              <a:rPr lang="en-US" dirty="0" smtClean="0"/>
+              <a:t>Age (preload the data)</a:t>
             </a:r>
             <a:endParaRPr lang="en-US" dirty="0"/>
           </a:p>
         </p:txBody>
       </p:sp>
-      <p:pic>
-        <p:nvPicPr>
-          <p:cNvPr id="4" name="Content Placeholder 3"/>
-          <p:cNvPicPr>
-            <a:picLocks noChangeAspect="1"/>
-          </p:cNvPicPr>
-          <p:nvPr/>
-        </p:nvPicPr>
-        <p:blipFill>
-          <a:blip r:embed="rId2">
-            <a:extLst>
-              <a:ext uri="{28A0092B-C50C-407E-A947-70E740481C1C}">
-                <a14:useLocalDpi xmlns:a14="http://schemas.microsoft.com/office/drawing/2010/main" val="0"/>
-              </a:ext>
-            </a:extLst>
-          </a:blip>
-          <a:stretch>
-            <a:fillRect/>
-          </a:stretch>
-        </p:blipFill>
-        <p:spPr bwMode="auto">
-          <a:xfrm>
-            <a:off x="3875172" y="3157833"/>
-            <a:ext cx="997618" cy="997618"/>
-          </a:xfrm>
-          <a:prstGeom prst="rect">
-            <a:avLst/>
-          </a:prstGeom>
-          <a:noFill/>
-          <a:ln w="9525">
-            <a:noFill/>
-            <a:miter lim="800000"/>
-            <a:headEnd/>
-            <a:tailEnd/>
-          </a:ln>
-        </p:spPr>
-      </p:pic>
-      <p:pic>
-        <p:nvPicPr>
-          <p:cNvPr id="5" name="Content Placeholder 3"/>
-          <p:cNvPicPr>
-            <a:picLocks noChangeAspect="1"/>
-          </p:cNvPicPr>
-          <p:nvPr/>
-        </p:nvPicPr>
-        <p:blipFill>
-          <a:blip r:embed="rId2">
-            <a:extLst>
-              <a:ext uri="{28A0092B-C50C-407E-A947-70E740481C1C}">
-                <a14:useLocalDpi xmlns:a14="http://schemas.microsoft.com/office/drawing/2010/main" val="0"/>
-              </a:ext>
-            </a:extLst>
-          </a:blip>
-          <a:stretch>
-            <a:fillRect/>
-          </a:stretch>
-        </p:blipFill>
-        <p:spPr bwMode="auto">
-          <a:xfrm>
-            <a:off x="2547688" y="5053262"/>
-            <a:ext cx="469777" cy="469777"/>
-          </a:xfrm>
-          <a:prstGeom prst="rect">
-            <a:avLst/>
-          </a:prstGeom>
-          <a:noFill/>
-          <a:ln w="9525">
-            <a:noFill/>
-            <a:miter lim="800000"/>
-            <a:headEnd/>
-            <a:tailEnd/>
-          </a:ln>
-        </p:spPr>
-      </p:pic>
-      <p:pic>
-        <p:nvPicPr>
-          <p:cNvPr id="6" name="Content Placeholder 3"/>
-          <p:cNvPicPr>
-            <a:picLocks noChangeAspect="1"/>
-          </p:cNvPicPr>
-          <p:nvPr/>
-        </p:nvPicPr>
-        <p:blipFill>
-          <a:blip r:embed="rId2">
-            <a:extLst>
-              <a:ext uri="{28A0092B-C50C-407E-A947-70E740481C1C}">
-                <a14:useLocalDpi xmlns:a14="http://schemas.microsoft.com/office/drawing/2010/main" val="0"/>
-              </a:ext>
-            </a:extLst>
-          </a:blip>
-          <a:stretch>
-            <a:fillRect/>
-          </a:stretch>
-        </p:blipFill>
-        <p:spPr bwMode="auto">
-          <a:xfrm>
-            <a:off x="3405395" y="5053262"/>
-            <a:ext cx="469777" cy="469777"/>
-          </a:xfrm>
-          <a:prstGeom prst="rect">
-            <a:avLst/>
-          </a:prstGeom>
-          <a:noFill/>
-          <a:ln w="9525">
-            <a:noFill/>
-            <a:miter lim="800000"/>
-            <a:headEnd/>
-            <a:tailEnd/>
-          </a:ln>
-        </p:spPr>
-      </p:pic>
-      <p:pic>
-        <p:nvPicPr>
-          <p:cNvPr id="7" name="Content Placeholder 3"/>
-          <p:cNvPicPr>
-            <a:picLocks noChangeAspect="1"/>
-          </p:cNvPicPr>
-          <p:nvPr/>
-        </p:nvPicPr>
-        <p:blipFill>
-          <a:blip r:embed="rId2">
-            <a:extLst>
-              <a:ext uri="{28A0092B-C50C-407E-A947-70E740481C1C}">
-                <a14:useLocalDpi xmlns:a14="http://schemas.microsoft.com/office/drawing/2010/main" val="0"/>
-              </a:ext>
-            </a:extLst>
-          </a:blip>
-          <a:stretch>
-            <a:fillRect/>
-          </a:stretch>
-        </p:blipFill>
-        <p:spPr bwMode="auto">
-          <a:xfrm>
-            <a:off x="4289760" y="5053262"/>
-            <a:ext cx="469777" cy="469777"/>
-          </a:xfrm>
-          <a:prstGeom prst="rect">
-            <a:avLst/>
-          </a:prstGeom>
-          <a:noFill/>
-          <a:ln w="9525">
-            <a:noFill/>
-            <a:miter lim="800000"/>
-            <a:headEnd/>
-            <a:tailEnd/>
-          </a:ln>
-        </p:spPr>
-      </p:pic>
-      <p:pic>
-        <p:nvPicPr>
-          <p:cNvPr id="8" name="Content Placeholder 3"/>
-          <p:cNvPicPr>
-            <a:picLocks noChangeAspect="1"/>
-          </p:cNvPicPr>
-          <p:nvPr/>
-        </p:nvPicPr>
-        <p:blipFill>
-          <a:blip r:embed="rId2">
-            <a:extLst>
-              <a:ext uri="{28A0092B-C50C-407E-A947-70E740481C1C}">
-                <a14:useLocalDpi xmlns:a14="http://schemas.microsoft.com/office/drawing/2010/main" val="0"/>
-              </a:ext>
-            </a:extLst>
-          </a:blip>
-          <a:stretch>
-            <a:fillRect/>
-          </a:stretch>
-        </p:blipFill>
-        <p:spPr bwMode="auto">
-          <a:xfrm>
-            <a:off x="5147467" y="5053262"/>
-            <a:ext cx="469777" cy="469777"/>
-          </a:xfrm>
-          <a:prstGeom prst="rect">
-            <a:avLst/>
-          </a:prstGeom>
-          <a:noFill/>
-          <a:ln w="9525">
-            <a:noFill/>
-            <a:miter lim="800000"/>
-            <a:headEnd/>
-            <a:tailEnd/>
-          </a:ln>
-        </p:spPr>
-      </p:pic>
-      <p:pic>
-        <p:nvPicPr>
-          <p:cNvPr id="9" name="Content Placeholder 3"/>
-          <p:cNvPicPr>
-            <a:picLocks noChangeAspect="1"/>
-          </p:cNvPicPr>
-          <p:nvPr/>
-        </p:nvPicPr>
-        <p:blipFill>
-          <a:blip r:embed="rId2">
-            <a:extLst>
-              <a:ext uri="{28A0092B-C50C-407E-A947-70E740481C1C}">
-                <a14:useLocalDpi xmlns:a14="http://schemas.microsoft.com/office/drawing/2010/main" val="0"/>
-              </a:ext>
-            </a:extLst>
-          </a:blip>
-          <a:stretch>
-            <a:fillRect/>
-          </a:stretch>
-        </p:blipFill>
-        <p:spPr bwMode="auto">
-          <a:xfrm>
-            <a:off x="6057923" y="5053261"/>
-            <a:ext cx="469777" cy="469777"/>
-          </a:xfrm>
-          <a:prstGeom prst="rect">
-            <a:avLst/>
-          </a:prstGeom>
-          <a:noFill/>
-          <a:ln w="9525">
-            <a:noFill/>
-            <a:miter lim="800000"/>
-            <a:headEnd/>
-            <a:tailEnd/>
-          </a:ln>
-        </p:spPr>
-      </p:pic>
     </p:spTree>
     <p:extLst>
       <p:ext uri="{BB962C8B-B14F-4D97-AF65-F5344CB8AC3E}">
-        <p14:creationId xmlns:p14="http://schemas.microsoft.com/office/powerpoint/2010/main" val="1369903510"/>
+        <p14:creationId xmlns:p14="http://schemas.microsoft.com/office/powerpoint/2010/main" val="320079106"/>
       </p:ext>
     </p:extLst>
   </p:cSld>
@@ -5384,7 +5783,7 @@
           <a:p>
             <a:r>
               <a:rPr lang="en-US" dirty="0" smtClean="0"/>
-              <a:t>Multiple Apps</a:t>
+              <a:t>Child Cases</a:t>
             </a:r>
             <a:endParaRPr lang="en-US" dirty="0"/>
           </a:p>
@@ -5407,8 +5806,21 @@
           <a:p>
             <a:r>
               <a:rPr lang="en-US" dirty="0" smtClean="0"/>
-              <a:t>Case Types can be shared across a _domain_. That means case types case be shared in different applications</a:t>
-            </a:r>
+              <a:t>Can be used to refer cases</a:t>
+            </a:r>
+          </a:p>
+          <a:p>
+            <a:r>
+              <a:rPr lang="en-US" dirty="0" smtClean="0"/>
+              <a:t>Avoid creating multiple registrations (mother and child, for example)</a:t>
+            </a:r>
+          </a:p>
+          <a:p>
+            <a:r>
+              <a:rPr lang="en-US" dirty="0" smtClean="0"/>
+              <a:t>Can use a repeat group to create child cases</a:t>
+            </a:r>
+            <a:endParaRPr lang="en-US" dirty="0"/>
           </a:p>
         </p:txBody>
       </p:sp>
@@ -5434,8 +5846,8 @@
         </p:blipFill>
         <p:spPr bwMode="auto">
           <a:xfrm>
-            <a:off x="3873712" y="2623789"/>
-            <a:ext cx="1195322" cy="1195322"/>
+            <a:off x="3875172" y="3157833"/>
+            <a:ext cx="997618" cy="997618"/>
           </a:xfrm>
           <a:prstGeom prst="rect">
             <a:avLst/>
@@ -5451,14 +5863,14 @@
       </p:pic>
       <p:pic>
         <p:nvPicPr>
-          <p:cNvPr id="5" name="Picture 4"/>
+          <p:cNvPr id="5" name="Content Placeholder 3"/>
           <p:cNvPicPr>
             <a:picLocks noChangeAspect="1"/>
           </p:cNvPicPr>
           <p:nvPr/>
         </p:nvPicPr>
         <p:blipFill>
-          <a:blip r:embed="rId3">
+          <a:blip r:embed="rId2">
             <a:extLst>
               <a:ext uri="{28A0092B-C50C-407E-A947-70E740481C1C}">
                 <a14:useLocalDpi xmlns:a14="http://schemas.microsoft.com/office/drawing/2010/main" val="0"/>
@@ -5469,26 +5881,33 @@
             <a:fillRect/>
           </a:stretch>
         </p:blipFill>
-        <p:spPr>
-          <a:xfrm>
-            <a:off x="2684046" y="4440198"/>
-            <a:ext cx="1263315" cy="1263315"/>
-          </a:xfrm>
-          <a:prstGeom prst="rect">
-            <a:avLst/>
-          </a:prstGeom>
+        <p:spPr bwMode="auto">
+          <a:xfrm>
+            <a:off x="2547688" y="5053262"/>
+            <a:ext cx="469777" cy="469777"/>
+          </a:xfrm>
+          <a:prstGeom prst="rect">
+            <a:avLst/>
+          </a:prstGeom>
+          <a:noFill/>
+          <a:ln w="9525">
+            <a:noFill/>
+            <a:miter lim="800000"/>
+            <a:headEnd/>
+            <a:tailEnd/>
+          </a:ln>
         </p:spPr>
       </p:pic>
       <p:pic>
         <p:nvPicPr>
-          <p:cNvPr id="6" name="Picture 5"/>
+          <p:cNvPr id="6" name="Content Placeholder 3"/>
           <p:cNvPicPr>
             <a:picLocks noChangeAspect="1"/>
           </p:cNvPicPr>
           <p:nvPr/>
         </p:nvPicPr>
         <p:blipFill>
-          <a:blip r:embed="rId3">
+          <a:blip r:embed="rId2">
             <a:extLst>
               <a:ext uri="{28A0092B-C50C-407E-A947-70E740481C1C}">
                 <a14:useLocalDpi xmlns:a14="http://schemas.microsoft.com/office/drawing/2010/main" val="0"/>
@@ -5499,26 +5918,33 @@
             <a:fillRect/>
           </a:stretch>
         </p:blipFill>
-        <p:spPr>
-          <a:xfrm>
-            <a:off x="3873712" y="4440198"/>
-            <a:ext cx="1263315" cy="1263315"/>
-          </a:xfrm>
-          <a:prstGeom prst="rect">
-            <a:avLst/>
-          </a:prstGeom>
+        <p:spPr bwMode="auto">
+          <a:xfrm>
+            <a:off x="3405395" y="5053262"/>
+            <a:ext cx="469777" cy="469777"/>
+          </a:xfrm>
+          <a:prstGeom prst="rect">
+            <a:avLst/>
+          </a:prstGeom>
+          <a:noFill/>
+          <a:ln w="9525">
+            <a:noFill/>
+            <a:miter lim="800000"/>
+            <a:headEnd/>
+            <a:tailEnd/>
+          </a:ln>
         </p:spPr>
       </p:pic>
       <p:pic>
         <p:nvPicPr>
-          <p:cNvPr id="7" name="Picture 6"/>
+          <p:cNvPr id="7" name="Content Placeholder 3"/>
           <p:cNvPicPr>
             <a:picLocks noChangeAspect="1"/>
           </p:cNvPicPr>
           <p:nvPr/>
         </p:nvPicPr>
         <p:blipFill>
-          <a:blip r:embed="rId3">
+          <a:blip r:embed="rId2">
             <a:extLst>
               <a:ext uri="{28A0092B-C50C-407E-A947-70E740481C1C}">
                 <a14:useLocalDpi xmlns:a14="http://schemas.microsoft.com/office/drawing/2010/main" val="0"/>
@@ -5529,51 +5955,101 @@
             <a:fillRect/>
           </a:stretch>
         </p:blipFill>
-        <p:spPr>
-          <a:xfrm>
-            <a:off x="5229269" y="4440197"/>
-            <a:ext cx="1263315" cy="1263315"/>
-          </a:xfrm>
-          <a:prstGeom prst="rect">
-            <a:avLst/>
-          </a:prstGeom>
+        <p:spPr bwMode="auto">
+          <a:xfrm>
+            <a:off x="4289760" y="5053262"/>
+            <a:ext cx="469777" cy="469777"/>
+          </a:xfrm>
+          <a:prstGeom prst="rect">
+            <a:avLst/>
+          </a:prstGeom>
+          <a:noFill/>
+          <a:ln w="9525">
+            <a:noFill/>
+            <a:miter lim="800000"/>
+            <a:headEnd/>
+            <a:tailEnd/>
+          </a:ln>
         </p:spPr>
       </p:pic>
-      <p:sp>
-        <p:nvSpPr>
-          <p:cNvPr id="8" name="TextBox 7"/>
-          <p:cNvSpPr txBox="1"/>
+      <p:pic>
+        <p:nvPicPr>
+          <p:cNvPr id="8" name="Content Placeholder 3"/>
+          <p:cNvPicPr>
+            <a:picLocks noChangeAspect="1"/>
+          </p:cNvPicPr>
           <p:nvPr/>
-        </p:nvSpPr>
-        <p:spPr>
-          <a:xfrm>
-            <a:off x="2935705" y="3819111"/>
-            <a:ext cx="3296653" cy="369332"/>
+        </p:nvPicPr>
+        <p:blipFill>
+          <a:blip r:embed="rId2">
+            <a:extLst>
+              <a:ext uri="{28A0092B-C50C-407E-A947-70E740481C1C}">
+                <a14:useLocalDpi xmlns:a14="http://schemas.microsoft.com/office/drawing/2010/main" val="0"/>
+              </a:ext>
+            </a:extLst>
+          </a:blip>
+          <a:stretch>
+            <a:fillRect/>
+          </a:stretch>
+        </p:blipFill>
+        <p:spPr bwMode="auto">
+          <a:xfrm>
+            <a:off x="5147467" y="5053262"/>
+            <a:ext cx="469777" cy="469777"/>
           </a:xfrm>
           <a:prstGeom prst="rect">
             <a:avLst/>
           </a:prstGeom>
           <a:noFill/>
-        </p:spPr>
-        <p:txBody>
-          <a:bodyPr wrap="square" rtlCol="0">
-            <a:spAutoFit/>
-          </a:bodyPr>
-          <a:lstStyle/>
-          <a:p>
-            <a:pPr algn="ctr"/>
-            <a:r>
-              <a:rPr lang="en-US" smtClean="0"/>
-              <a:t>One case many apps</a:t>
-            </a:r>
-            <a:endParaRPr lang="en-US"/>
-          </a:p>
-        </p:txBody>
-      </p:sp>
+          <a:ln w="9525">
+            <a:noFill/>
+            <a:miter lim="800000"/>
+            <a:headEnd/>
+            <a:tailEnd/>
+          </a:ln>
+        </p:spPr>
+      </p:pic>
+      <p:pic>
+        <p:nvPicPr>
+          <p:cNvPr id="9" name="Content Placeholder 3"/>
+          <p:cNvPicPr>
+            <a:picLocks noChangeAspect="1"/>
+          </p:cNvPicPr>
+          <p:nvPr/>
+        </p:nvPicPr>
+        <p:blipFill>
+          <a:blip r:embed="rId2">
+            <a:extLst>
+              <a:ext uri="{28A0092B-C50C-407E-A947-70E740481C1C}">
+                <a14:useLocalDpi xmlns:a14="http://schemas.microsoft.com/office/drawing/2010/main" val="0"/>
+              </a:ext>
+            </a:extLst>
+          </a:blip>
+          <a:stretch>
+            <a:fillRect/>
+          </a:stretch>
+        </p:blipFill>
+        <p:spPr bwMode="auto">
+          <a:xfrm>
+            <a:off x="6057923" y="5053261"/>
+            <a:ext cx="469777" cy="469777"/>
+          </a:xfrm>
+          <a:prstGeom prst="rect">
+            <a:avLst/>
+          </a:prstGeom>
+          <a:noFill/>
+          <a:ln w="9525">
+            <a:noFill/>
+            <a:miter lim="800000"/>
+            <a:headEnd/>
+            <a:tailEnd/>
+          </a:ln>
+        </p:spPr>
+      </p:pic>
     </p:spTree>
     <p:extLst>
       <p:ext uri="{BB962C8B-B14F-4D97-AF65-F5344CB8AC3E}">
-        <p14:creationId xmlns:p14="http://schemas.microsoft.com/office/powerpoint/2010/main" val="1958452980"/>
+        <p14:creationId xmlns:p14="http://schemas.microsoft.com/office/powerpoint/2010/main" val="1369903510"/>
       </p:ext>
     </p:extLst>
   </p:cSld>
@@ -5617,7 +6093,7 @@
           <a:p>
             <a:r>
               <a:rPr lang="en-US" dirty="0" smtClean="0"/>
-              <a:t>Case List and Case Detail</a:t>
+              <a:t>Case Activity: Child Case</a:t>
             </a:r>
             <a:endParaRPr lang="en-US" dirty="0"/>
           </a:p>
@@ -5625,7 +6101,7 @@
       </p:sp>
       <p:sp>
         <p:nvSpPr>
-          <p:cNvPr id="4" name="Content Placeholder 3"/>
+          <p:cNvPr id="3" name="Content Placeholder 2"/>
           <p:cNvSpPr>
             <a:spLocks noGrp="1"/>
           </p:cNvSpPr>
@@ -5640,7 +6116,7 @@
           <a:p>
             <a:r>
               <a:rPr lang="en-US" dirty="0" smtClean="0"/>
-              <a:t>Case list is the list of cases to be shown before selecting a case</a:t>
+              <a:t>Module: Register Mother</a:t>
             </a:r>
           </a:p>
           <a:p>
@@ -5651,7 +6127,49 @@
             </a:r>
             <a:r>
               <a:rPr lang="en-US" dirty="0" smtClean="0"/>
-              <a:t>Only has one or two case properties</a:t>
+              <a:t>Form: Register Mother</a:t>
+            </a:r>
+          </a:p>
+          <a:p>
+            <a:pPr lvl="2"/>
+            <a:r>
+              <a:rPr lang="en-US" dirty="0" smtClean="0"/>
+              <a:t>Name</a:t>
+            </a:r>
+          </a:p>
+          <a:p>
+            <a:pPr lvl="2"/>
+            <a:r>
+              <a:rPr lang="en-US" dirty="0" smtClean="0"/>
+              <a:t>Age</a:t>
+            </a:r>
+          </a:p>
+          <a:p>
+            <a:pPr lvl="2"/>
+            <a:r>
+              <a:rPr lang="en-US" dirty="0" smtClean="0"/>
+              <a:t>Has child? (Y/N)</a:t>
+            </a:r>
+          </a:p>
+          <a:p>
+            <a:pPr lvl="3"/>
+            <a:r>
+              <a:rPr lang="en-US" dirty="0" smtClean="0"/>
+              <a:t>Name</a:t>
+            </a:r>
+          </a:p>
+          <a:p>
+            <a:pPr lvl="3"/>
+            <a:r>
+              <a:rPr lang="en-US" dirty="0" smtClean="0"/>
+              <a:t>Age</a:t>
+            </a:r>
+          </a:p>
+          <a:p>
+            <a:pPr lvl="3"/>
+            <a:r>
+              <a:rPr lang="en-US" dirty="0" smtClean="0"/>
+              <a:t>Gender (M/F)</a:t>
             </a:r>
           </a:p>
           <a:p>
@@ -5662,21 +6180,27 @@
             </a:r>
             <a:r>
               <a:rPr lang="en-US" dirty="0" smtClean="0"/>
-              <a:t>Can be filtered or sorted based on an </a:t>
-            </a:r>
-            <a:r>
-              <a:rPr lang="en-US" dirty="0" err="1" smtClean="0"/>
-              <a:t>Xpath</a:t>
-            </a:r>
-            <a:r>
-              <a:rPr lang="en-US" dirty="0" smtClean="0"/>
-              <a:t> Expression</a:t>
-            </a:r>
-          </a:p>
-          <a:p>
-            <a:r>
-              <a:rPr lang="en-US" dirty="0" smtClean="0"/>
-              <a:t>Case Detail is the information of the case after clicking on it in the case list</a:t>
+              <a:t>Form: Edit Mother</a:t>
+            </a:r>
+          </a:p>
+          <a:p>
+            <a:pPr lvl="2"/>
+            <a:r>
+              <a:rPr lang="en-US" dirty="0" smtClean="0"/>
+              <a:t>Name (preload the data)</a:t>
+            </a:r>
+          </a:p>
+          <a:p>
+            <a:pPr lvl="2"/>
+            <a:r>
+              <a:rPr lang="en-US" dirty="0" smtClean="0"/>
+              <a:t>Age (preload the data)</a:t>
+            </a:r>
+          </a:p>
+          <a:p>
+            <a:r>
+              <a:rPr lang="en-US" dirty="0" smtClean="0"/>
+              <a:t>Module: Child</a:t>
             </a:r>
           </a:p>
           <a:p>
@@ -5687,43 +6211,16 @@
             </a:r>
             <a:r>
               <a:rPr lang="en-US" dirty="0" smtClean="0"/>
-              <a:t>Often shows more properties</a:t>
-            </a:r>
-          </a:p>
-          <a:p>
-            <a:endParaRPr lang="en-US" dirty="0" smtClean="0"/>
-          </a:p>
-          <a:p>
+              <a:t>Form: Update Child</a:t>
+            </a:r>
             <a:endParaRPr lang="en-US" dirty="0"/>
-          </a:p>
-          <a:p>
-            <a:pPr marL="0" indent="0">
-              <a:buNone/>
-            </a:pPr>
-            <a:r>
-              <a:rPr lang="en-US" dirty="0"/>
-              <a:t>Docs: </a:t>
-            </a:r>
-            <a:r>
-              <a:rPr lang="en-US" dirty="0">
-                <a:hlinkClick r:id="rId2"/>
-              </a:rPr>
-              <a:t>http://</a:t>
-            </a:r>
-            <a:r>
-              <a:rPr lang="en-US" dirty="0" smtClean="0">
-                <a:hlinkClick r:id="rId2"/>
-              </a:rPr>
-              <a:t>bit.ly/1NX8sWv</a:t>
-            </a:r>
-            <a:endParaRPr lang="en-US" dirty="0" smtClean="0"/>
           </a:p>
         </p:txBody>
       </p:sp>
     </p:spTree>
     <p:extLst>
       <p:ext uri="{BB962C8B-B14F-4D97-AF65-F5344CB8AC3E}">
-        <p14:creationId xmlns:p14="http://schemas.microsoft.com/office/powerpoint/2010/main" val="1057301706"/>
+        <p14:creationId xmlns:p14="http://schemas.microsoft.com/office/powerpoint/2010/main" val="790113186"/>
       </p:ext>
     </p:extLst>
   </p:cSld>

--- a/CaseManagement/case_mgmt.pptx
+++ b/CaseManagement/case_mgmt.pptx
@@ -16,8 +16,8 @@
     <p:sldId id="260" r:id="rId4"/>
     <p:sldId id="263" r:id="rId5"/>
     <p:sldId id="270" r:id="rId6"/>
-    <p:sldId id="277" r:id="rId7"/>
-    <p:sldId id="272" r:id="rId8"/>
+    <p:sldId id="272" r:id="rId7"/>
+    <p:sldId id="277" r:id="rId8"/>
     <p:sldId id="266" r:id="rId9"/>
     <p:sldId id="273" r:id="rId10"/>
     <p:sldId id="274" r:id="rId11"/>
@@ -2907,6 +2907,13 @@
   <p:clrMapOvr>
     <a:masterClrMapping/>
   </p:clrMapOvr>
+  <p:timing>
+    <p:tnLst>
+      <p:par>
+        <p:cTn id="1" dur="indefinite" restart="never" nodeType="tmRoot"/>
+      </p:par>
+    </p:tnLst>
+  </p:timing>
 </p:sld>
 </file>
 
@@ -3472,6 +3479,13 @@
   <p:clrMapOvr>
     <a:masterClrMapping/>
   </p:clrMapOvr>
+  <p:timing>
+    <p:tnLst>
+      <p:par>
+        <p:cTn id="1" dur="indefinite" restart="never" nodeType="tmRoot"/>
+      </p:par>
+    </p:tnLst>
+  </p:timing>
 </p:sld>
 </file>
 
@@ -4345,6 +4359,13 @@
   <p:clrMapOvr>
     <a:masterClrMapping/>
   </p:clrMapOvr>
+  <p:timing>
+    <p:tnLst>
+      <p:par>
+        <p:cTn id="1" dur="indefinite" restart="never" nodeType="tmRoot"/>
+      </p:par>
+    </p:tnLst>
+  </p:timing>
 </p:sld>
 </file>
 
@@ -4508,23 +4529,85 @@
           <a:bodyPr/>
           <a:lstStyle/>
           <a:p>
+            <a:pPr marL="457200" indent="-457200">
+              <a:buFont typeface="+mj-lt"/>
+              <a:buAutoNum type="arabicPeriod"/>
+            </a:pPr>
             <a:r>
               <a:rPr lang="en-US" dirty="0" smtClean="0"/>
               <a:t>Make two mobile workers</a:t>
             </a:r>
           </a:p>
           <a:p>
-            <a:r>
-              <a:rPr lang="en-US" dirty="0" smtClean="0"/>
-              <a:t>Submit data with both mobile workers</a:t>
-            </a:r>
-          </a:p>
-          <a:p>
-            <a:r>
-              <a:rPr lang="en-US" dirty="0" smtClean="0"/>
-              <a:t>See that the cases show up in both phones</a:t>
-            </a:r>
+            <a:pPr marL="457200" indent="-457200">
+              <a:buFont typeface="+mj-lt"/>
+              <a:buAutoNum type="arabicPeriod"/>
+            </a:pPr>
+            <a:r>
+              <a:rPr lang="en-US" dirty="0" smtClean="0"/>
+              <a:t>Open phone with new mobile worker. See that there are no cases</a:t>
+            </a:r>
+          </a:p>
+          <a:p>
+            <a:pPr marL="457200" indent="-457200">
+              <a:buFont typeface="+mj-lt"/>
+              <a:buAutoNum type="arabicPeriod"/>
+            </a:pPr>
+            <a:r>
+              <a:rPr lang="en-US" dirty="0" smtClean="0"/>
+              <a:t>Create a case sharing group</a:t>
+            </a:r>
+          </a:p>
+          <a:p>
+            <a:pPr marL="457200" indent="-457200">
+              <a:buFont typeface="+mj-lt"/>
+              <a:buAutoNum type="arabicPeriod"/>
+            </a:pPr>
+            <a:r>
+              <a:rPr lang="en-US" dirty="0" smtClean="0"/>
+              <a:t>Log out of new mobile worker, and log into the old one.</a:t>
+            </a:r>
+          </a:p>
+          <a:p>
+            <a:pPr marL="457200" indent="-457200">
+              <a:buFont typeface="+mj-lt"/>
+              <a:buAutoNum type="arabicPeriod"/>
+            </a:pPr>
+            <a:r>
+              <a:rPr lang="en-US" dirty="0" smtClean="0"/>
+              <a:t>Submit some cases</a:t>
+            </a:r>
+          </a:p>
+          <a:p>
+            <a:pPr marL="457200" indent="-457200">
+              <a:buFont typeface="+mj-lt"/>
+              <a:buAutoNum type="arabicPeriod"/>
+            </a:pPr>
+            <a:r>
+              <a:rPr lang="en-US" dirty="0" smtClean="0"/>
+              <a:t>Log back into the new user and see that the data should be shared</a:t>
+            </a:r>
+          </a:p>
+          <a:p>
+            <a:pPr marL="457200" indent="-457200">
+              <a:buFont typeface="+mj-lt"/>
+              <a:buAutoNum type="arabicPeriod"/>
+            </a:pPr>
             <a:endParaRPr lang="en-US" dirty="0"/>
+          </a:p>
+          <a:p>
+            <a:pPr marL="0" indent="0">
+              <a:buNone/>
+            </a:pPr>
+            <a:r>
+              <a:rPr lang="en-US" dirty="0" smtClean="0"/>
+              <a:t>Note: Remember to Sync with Server after you’ve updated </a:t>
+            </a:r>
+            <a:r>
+              <a:rPr lang="en-US" smtClean="0"/>
+              <a:t>the groups!</a:t>
+            </a:r>
+            <a:endParaRPr lang="en-US" dirty="0" smtClean="0"/>
           </a:p>
         </p:txBody>
       </p:sp>
@@ -4978,6 +5061,13 @@
   <p:clrMapOvr>
     <a:masterClrMapping/>
   </p:clrMapOvr>
+  <p:timing>
+    <p:tnLst>
+      <p:par>
+        <p:cTn id="1" dur="indefinite" restart="never" nodeType="tmRoot"/>
+      </p:par>
+    </p:tnLst>
+  </p:timing>
 </p:sld>
 </file>
 
@@ -5071,6 +5161,13 @@
   <p:clrMapOvr>
     <a:masterClrMapping/>
   </p:clrMapOvr>
+  <p:timing>
+    <p:tnLst>
+      <p:par>
+        <p:cTn id="1" dur="indefinite" restart="never" nodeType="tmRoot"/>
+      </p:par>
+    </p:tnLst>
+  </p:timing>
 </p:sld>
 </file>
 
@@ -5369,6 +5466,13 @@
   <p:clrMapOvr>
     <a:masterClrMapping/>
   </p:clrMapOvr>
+  <p:timing>
+    <p:tnLst>
+      <p:par>
+        <p:cTn id="1" dur="indefinite" restart="never" nodeType="tmRoot"/>
+      </p:par>
+    </p:tnLst>
+  </p:timing>
 </p:sld>
 </file>
 
@@ -5470,6 +5574,13 @@
   <p:clrMapOvr>
     <a:masterClrMapping/>
   </p:clrMapOvr>
+  <p:timing>
+    <p:tnLst>
+      <p:par>
+        <p:cTn id="1" dur="indefinite" restart="never" nodeType="tmRoot"/>
+      </p:par>
+    </p:tnLst>
+  </p:timing>
 </p:sld>
 </file>
 
@@ -5507,7 +5618,7 @@
           <a:p>
             <a:r>
               <a:rPr lang="en-US" dirty="0" smtClean="0"/>
-              <a:t>Case List and Case Detail</a:t>
+              <a:t>Case Activity: Edit Mother</a:t>
             </a:r>
             <a:endParaRPr lang="en-US" dirty="0"/>
           </a:p>
@@ -5515,7 +5626,7 @@
       </p:sp>
       <p:sp>
         <p:nvSpPr>
-          <p:cNvPr id="4" name="Content Placeholder 3"/>
+          <p:cNvPr id="3" name="Content Placeholder 2"/>
           <p:cNvSpPr>
             <a:spLocks noGrp="1"/>
           </p:cNvSpPr>
@@ -5530,7 +5641,7 @@
           <a:p>
             <a:r>
               <a:rPr lang="en-US" dirty="0" smtClean="0"/>
-              <a:t>Case list is the list of cases to be shown before selecting a case</a:t>
+              <a:t>Module: Register Mother</a:t>
             </a:r>
           </a:p>
           <a:p>
@@ -5541,7 +5652,21 @@
             </a:r>
             <a:r>
               <a:rPr lang="en-US" dirty="0" smtClean="0"/>
-              <a:t>Only has one or two case properties</a:t>
+              <a:t>Form: Register Mother</a:t>
+            </a:r>
+          </a:p>
+          <a:p>
+            <a:pPr lvl="2"/>
+            <a:r>
+              <a:rPr lang="en-US" dirty="0" smtClean="0"/>
+              <a:t>Name</a:t>
+            </a:r>
+          </a:p>
+          <a:p>
+            <a:pPr lvl="2"/>
+            <a:r>
+              <a:rPr lang="en-US" dirty="0" smtClean="0"/>
+              <a:t>Age</a:t>
             </a:r>
           </a:p>
           <a:p>
@@ -5552,74 +5677,50 @@
             </a:r>
             <a:r>
               <a:rPr lang="en-US" dirty="0" smtClean="0"/>
-              <a:t>Can be filtered or sorted based on an </a:t>
-            </a:r>
-            <a:r>
-              <a:rPr lang="en-US" dirty="0" err="1" smtClean="0"/>
-              <a:t>Xpath</a:t>
-            </a:r>
-            <a:r>
-              <a:rPr lang="en-US" dirty="0" smtClean="0"/>
-              <a:t> Expression</a:t>
-            </a:r>
-          </a:p>
-          <a:p>
-            <a:r>
-              <a:rPr lang="en-US" dirty="0" smtClean="0"/>
-              <a:t>Case Detail is the information of the case after clicking on it in the case list</a:t>
-            </a:r>
-          </a:p>
-          <a:p>
-            <a:pPr lvl="1"/>
-            <a:r>
-              <a:rPr lang="en-US" dirty="0"/>
-              <a:t> </a:t>
-            </a:r>
-            <a:r>
-              <a:rPr lang="en-US" dirty="0" smtClean="0"/>
-              <a:t>Often shows more properties</a:t>
-            </a:r>
-          </a:p>
-          <a:p>
-            <a:endParaRPr lang="en-US" dirty="0" smtClean="0"/>
-          </a:p>
-          <a:p>
+              <a:t>Form: Edit Mother</a:t>
+            </a:r>
+          </a:p>
+          <a:p>
+            <a:pPr lvl="2"/>
+            <a:r>
+              <a:rPr lang="en-US" dirty="0" smtClean="0"/>
+              <a:t>Name (preload the data)</a:t>
+            </a:r>
+          </a:p>
+          <a:p>
+            <a:pPr lvl="2"/>
+            <a:r>
+              <a:rPr lang="en-US" dirty="0" smtClean="0"/>
+              <a:t>Age (preload the data)</a:t>
+            </a:r>
+          </a:p>
+          <a:p>
+            <a:pPr lvl="2"/>
+            <a:r>
+              <a:rPr lang="en-US" dirty="0" smtClean="0"/>
+              <a:t>Favorite Color</a:t>
+            </a:r>
             <a:endParaRPr lang="en-US" dirty="0"/>
-          </a:p>
-          <a:p>
-            <a:pPr marL="0" indent="0">
-              <a:buNone/>
-            </a:pPr>
-            <a:r>
-              <a:rPr lang="en-US" dirty="0"/>
-              <a:t>Docs: </a:t>
-            </a:r>
-            <a:r>
-              <a:rPr lang="en-US" dirty="0">
-                <a:hlinkClick r:id="rId2"/>
-              </a:rPr>
-              <a:t>http://</a:t>
-            </a:r>
-            <a:r>
-              <a:rPr lang="en-US" dirty="0" smtClean="0">
-                <a:hlinkClick r:id="rId2"/>
-              </a:rPr>
-              <a:t>bit.ly/1NX8sWv</a:t>
-            </a:r>
-            <a:endParaRPr lang="en-US" dirty="0" smtClean="0"/>
           </a:p>
         </p:txBody>
       </p:sp>
     </p:spTree>
     <p:extLst>
       <p:ext uri="{BB962C8B-B14F-4D97-AF65-F5344CB8AC3E}">
-        <p14:creationId xmlns:p14="http://schemas.microsoft.com/office/powerpoint/2010/main" val="1228876932"/>
+        <p14:creationId xmlns:p14="http://schemas.microsoft.com/office/powerpoint/2010/main" val="320079106"/>
       </p:ext>
     </p:extLst>
   </p:cSld>
   <p:clrMapOvr>
     <a:masterClrMapping/>
   </p:clrMapOvr>
+  <p:timing>
+    <p:tnLst>
+      <p:par>
+        <p:cTn id="1" dur="indefinite" restart="never" nodeType="tmRoot"/>
+      </p:par>
+    </p:tnLst>
+  </p:timing>
 </p:sld>
 </file>
 
@@ -5657,7 +5758,7 @@
           <a:p>
             <a:r>
               <a:rPr lang="en-US" dirty="0" smtClean="0"/>
-              <a:t>Case Activity: Edit Mother</a:t>
+              <a:t>Case List and Case Detail</a:t>
             </a:r>
             <a:endParaRPr lang="en-US" dirty="0"/>
           </a:p>
@@ -5665,7 +5766,7 @@
       </p:sp>
       <p:sp>
         <p:nvSpPr>
-          <p:cNvPr id="3" name="Content Placeholder 2"/>
+          <p:cNvPr id="4" name="Content Placeholder 3"/>
           <p:cNvSpPr>
             <a:spLocks noGrp="1"/>
           </p:cNvSpPr>
@@ -5680,7 +5781,7 @@
           <a:p>
             <a:r>
               <a:rPr lang="en-US" dirty="0" smtClean="0"/>
-              <a:t>Module: Register Mother</a:t>
+              <a:t>Case list is the list of cases to be shown before selecting a case</a:t>
             </a:r>
           </a:p>
           <a:p>
@@ -5691,21 +5792,7 @@
             </a:r>
             <a:r>
               <a:rPr lang="en-US" dirty="0" smtClean="0"/>
-              <a:t>Form: Register Mother</a:t>
-            </a:r>
-          </a:p>
-          <a:p>
-            <a:pPr lvl="2"/>
-            <a:r>
-              <a:rPr lang="en-US" dirty="0" smtClean="0"/>
-              <a:t>Name</a:t>
-            </a:r>
-          </a:p>
-          <a:p>
-            <a:pPr lvl="2"/>
-            <a:r>
-              <a:rPr lang="en-US" dirty="0" smtClean="0"/>
-              <a:t>Age</a:t>
+              <a:t>Only has one or two case properties</a:t>
             </a:r>
           </a:p>
           <a:p>
@@ -5716,36 +5803,81 @@
             </a:r>
             <a:r>
               <a:rPr lang="en-US" dirty="0" smtClean="0"/>
-              <a:t>Form: Edit Mother</a:t>
-            </a:r>
-          </a:p>
-          <a:p>
-            <a:pPr lvl="2"/>
-            <a:r>
-              <a:rPr lang="en-US" dirty="0" smtClean="0"/>
-              <a:t>Name (preload the data)</a:t>
-            </a:r>
-          </a:p>
-          <a:p>
-            <a:pPr lvl="2"/>
-            <a:r>
-              <a:rPr lang="en-US" dirty="0" smtClean="0"/>
-              <a:t>Age (preload the data)</a:t>
-            </a:r>
+              <a:t>Can be filtered or sorted based on an </a:t>
+            </a:r>
+            <a:r>
+              <a:rPr lang="en-US" dirty="0" err="1" smtClean="0"/>
+              <a:t>Xpath</a:t>
+            </a:r>
+            <a:r>
+              <a:rPr lang="en-US" dirty="0" smtClean="0"/>
+              <a:t> Expression</a:t>
+            </a:r>
+          </a:p>
+          <a:p>
+            <a:r>
+              <a:rPr lang="en-US" dirty="0" smtClean="0"/>
+              <a:t>Case Detail is the information of the case after clicking on it in the case list</a:t>
+            </a:r>
+          </a:p>
+          <a:p>
+            <a:pPr lvl="1"/>
+            <a:r>
+              <a:rPr lang="en-US" dirty="0"/>
+              <a:t> </a:t>
+            </a:r>
+            <a:r>
+              <a:rPr lang="en-US" dirty="0" smtClean="0"/>
+              <a:t>Often shows more properties</a:t>
+            </a:r>
+          </a:p>
+          <a:p>
+            <a:endParaRPr lang="en-US" dirty="0" smtClean="0"/>
+          </a:p>
+          <a:p>
             <a:endParaRPr lang="en-US" dirty="0"/>
+          </a:p>
+          <a:p>
+            <a:pPr marL="0" indent="0">
+              <a:buNone/>
+            </a:pPr>
+            <a:r>
+              <a:rPr lang="en-US" dirty="0"/>
+              <a:t>Docs: </a:t>
+            </a:r>
+            <a:r>
+              <a:rPr lang="en-US" dirty="0">
+                <a:hlinkClick r:id="rId2"/>
+              </a:rPr>
+              <a:t>http://</a:t>
+            </a:r>
+            <a:r>
+              <a:rPr lang="en-US" dirty="0" smtClean="0">
+                <a:hlinkClick r:id="rId2"/>
+              </a:rPr>
+              <a:t>bit.ly/1NX8sWv</a:t>
+            </a:r>
+            <a:endParaRPr lang="en-US" dirty="0" smtClean="0"/>
           </a:p>
         </p:txBody>
       </p:sp>
     </p:spTree>
     <p:extLst>
       <p:ext uri="{BB962C8B-B14F-4D97-AF65-F5344CB8AC3E}">
-        <p14:creationId xmlns:p14="http://schemas.microsoft.com/office/powerpoint/2010/main" val="320079106"/>
+        <p14:creationId xmlns:p14="http://schemas.microsoft.com/office/powerpoint/2010/main" val="1228876932"/>
       </p:ext>
     </p:extLst>
   </p:cSld>
   <p:clrMapOvr>
     <a:masterClrMapping/>
   </p:clrMapOvr>
+  <p:timing>
+    <p:tnLst>
+      <p:par>
+        <p:cTn id="1" dur="indefinite" restart="never" nodeType="tmRoot"/>
+      </p:par>
+    </p:tnLst>
+  </p:timing>
 </p:sld>
 </file>
 
@@ -6056,6 +6188,13 @@
   <p:clrMapOvr>
     <a:masterClrMapping/>
   </p:clrMapOvr>
+  <p:timing>
+    <p:tnLst>
+      <p:par>
+        <p:cTn id="1" dur="indefinite" restart="never" nodeType="tmRoot"/>
+      </p:par>
+    </p:tnLst>
+  </p:timing>
 </p:sld>
 </file>
 
@@ -6227,6 +6366,13 @@
   <p:clrMapOvr>
     <a:masterClrMapping/>
   </p:clrMapOvr>
+  <p:timing>
+    <p:tnLst>
+      <p:par>
+        <p:cTn id="1" dur="indefinite" restart="never" nodeType="tmRoot"/>
+      </p:par>
+    </p:tnLst>
+  </p:timing>
 </p:sld>
 </file>
 
